--- a/Presentation/Fachprojekt_Presentation1_Final.pptx
+++ b/Presentation/Fachprojekt_Presentation1_Final.pptx
@@ -18,13 +18,18 @@
     <p:sldId id="277" r:id="rId12"/>
     <p:sldId id="270" r:id="rId13"/>
     <p:sldId id="272" r:id="rId14"/>
-    <p:sldId id="274" r:id="rId15"/>
-    <p:sldId id="275" r:id="rId16"/>
-    <p:sldId id="278" r:id="rId17"/>
-    <p:sldId id="279" r:id="rId18"/>
-    <p:sldId id="280" r:id="rId19"/>
-    <p:sldId id="281" r:id="rId20"/>
-    <p:sldId id="268" r:id="rId21"/>
+    <p:sldId id="269" r:id="rId15"/>
+    <p:sldId id="282" r:id="rId16"/>
+    <p:sldId id="271" r:id="rId17"/>
+    <p:sldId id="283" r:id="rId18"/>
+    <p:sldId id="273" r:id="rId19"/>
+    <p:sldId id="274" r:id="rId20"/>
+    <p:sldId id="275" r:id="rId21"/>
+    <p:sldId id="278" r:id="rId22"/>
+    <p:sldId id="279" r:id="rId23"/>
+    <p:sldId id="280" r:id="rId24"/>
+    <p:sldId id="281" r:id="rId25"/>
+    <p:sldId id="268" r:id="rId26"/>
   </p:sldIdLst>
   <p:sldSz cx="12192000" cy="6858000"/>
   <p:notesSz cx="6858000" cy="9144000"/>
@@ -278,7 +283,7 @@
           <a:p>
             <a:fld id="{D8F45253-5B1F-4E0E-B461-E1807F86BFF2}" type="datetimeFigureOut">
               <a:rPr lang="de-DE" smtClean="0"/>
-              <a:t>20.05.2022</a:t>
+              <a:t>23.05.2022</a:t>
             </a:fld>
             <a:endParaRPr lang="de-DE"/>
           </a:p>
@@ -476,7 +481,7 @@
           <a:p>
             <a:fld id="{D8F45253-5B1F-4E0E-B461-E1807F86BFF2}" type="datetimeFigureOut">
               <a:rPr lang="de-DE" smtClean="0"/>
-              <a:t>20.05.2022</a:t>
+              <a:t>23.05.2022</a:t>
             </a:fld>
             <a:endParaRPr lang="de-DE"/>
           </a:p>
@@ -684,7 +689,7 @@
           <a:p>
             <a:fld id="{D8F45253-5B1F-4E0E-B461-E1807F86BFF2}" type="datetimeFigureOut">
               <a:rPr lang="de-DE" smtClean="0"/>
-              <a:t>20.05.2022</a:t>
+              <a:t>23.05.2022</a:t>
             </a:fld>
             <a:endParaRPr lang="de-DE"/>
           </a:p>
@@ -882,7 +887,7 @@
           <a:p>
             <a:fld id="{D8F45253-5B1F-4E0E-B461-E1807F86BFF2}" type="datetimeFigureOut">
               <a:rPr lang="de-DE" smtClean="0"/>
-              <a:t>20.05.2022</a:t>
+              <a:t>23.05.2022</a:t>
             </a:fld>
             <a:endParaRPr lang="de-DE"/>
           </a:p>
@@ -1157,7 +1162,7 @@
           <a:p>
             <a:fld id="{D8F45253-5B1F-4E0E-B461-E1807F86BFF2}" type="datetimeFigureOut">
               <a:rPr lang="de-DE" smtClean="0"/>
-              <a:t>20.05.2022</a:t>
+              <a:t>23.05.2022</a:t>
             </a:fld>
             <a:endParaRPr lang="de-DE"/>
           </a:p>
@@ -1422,7 +1427,7 @@
           <a:p>
             <a:fld id="{D8F45253-5B1F-4E0E-B461-E1807F86BFF2}" type="datetimeFigureOut">
               <a:rPr lang="de-DE" smtClean="0"/>
-              <a:t>20.05.2022</a:t>
+              <a:t>23.05.2022</a:t>
             </a:fld>
             <a:endParaRPr lang="de-DE"/>
           </a:p>
@@ -1834,7 +1839,7 @@
           <a:p>
             <a:fld id="{D8F45253-5B1F-4E0E-B461-E1807F86BFF2}" type="datetimeFigureOut">
               <a:rPr lang="de-DE" smtClean="0"/>
-              <a:t>20.05.2022</a:t>
+              <a:t>23.05.2022</a:t>
             </a:fld>
             <a:endParaRPr lang="de-DE"/>
           </a:p>
@@ -1975,7 +1980,7 @@
           <a:p>
             <a:fld id="{D8F45253-5B1F-4E0E-B461-E1807F86BFF2}" type="datetimeFigureOut">
               <a:rPr lang="de-DE" smtClean="0"/>
-              <a:t>20.05.2022</a:t>
+              <a:t>23.05.2022</a:t>
             </a:fld>
             <a:endParaRPr lang="de-DE"/>
           </a:p>
@@ -2088,7 +2093,7 @@
           <a:p>
             <a:fld id="{D8F45253-5B1F-4E0E-B461-E1807F86BFF2}" type="datetimeFigureOut">
               <a:rPr lang="de-DE" smtClean="0"/>
-              <a:t>20.05.2022</a:t>
+              <a:t>23.05.2022</a:t>
             </a:fld>
             <a:endParaRPr lang="de-DE"/>
           </a:p>
@@ -2399,7 +2404,7 @@
           <a:p>
             <a:fld id="{D8F45253-5B1F-4E0E-B461-E1807F86BFF2}" type="datetimeFigureOut">
               <a:rPr lang="de-DE" smtClean="0"/>
-              <a:t>20.05.2022</a:t>
+              <a:t>23.05.2022</a:t>
             </a:fld>
             <a:endParaRPr lang="de-DE"/>
           </a:p>
@@ -2687,7 +2692,7 @@
           <a:p>
             <a:fld id="{D8F45253-5B1F-4E0E-B461-E1807F86BFF2}" type="datetimeFigureOut">
               <a:rPr lang="de-DE" smtClean="0"/>
-              <a:t>20.05.2022</a:t>
+              <a:t>23.05.2022</a:t>
             </a:fld>
             <a:endParaRPr lang="de-DE"/>
           </a:p>
@@ -2928,7 +2933,7 @@
           <a:p>
             <a:fld id="{D8F45253-5B1F-4E0E-B461-E1807F86BFF2}" type="datetimeFigureOut">
               <a:rPr lang="de-DE" smtClean="0"/>
-              <a:t>20.05.2022</a:t>
+              <a:t>23.05.2022</a:t>
             </a:fld>
             <a:endParaRPr lang="de-DE"/>
           </a:p>
@@ -3827,177 +3832,312 @@
           </a:p>
         </p:txBody>
       </p:sp>
-      <p:sp>
-        <p:nvSpPr>
-          <p:cNvPr id="243" name="Textfeld 7"/>
-          <p:cNvSpPr txBox="1"/>
-          <p:nvPr/>
-        </p:nvSpPr>
-        <p:spPr>
-          <a:xfrm>
-            <a:off x="879290" y="1496450"/>
-            <a:ext cx="10321146" cy="4893647"/>
-          </a:xfrm>
-          <a:prstGeom prst="rect">
-            <a:avLst/>
-          </a:prstGeom>
-          <a:ln w="12700">
-            <a:miter lim="400000"/>
-          </a:ln>
-          <a:extLst>
-            <a:ext uri="{C572A759-6A51-4108-AA02-DFA0A04FC94B}">
-              <ma14:wrappingTextBoxFlag xmlns:ma14="http://schemas.microsoft.com/office/mac/drawingml/2011/main" xmlns:a14="http://schemas.microsoft.com/office/drawing/2010/main" xmlns:m="http://schemas.openxmlformats.org/officeDocument/2006/math" xmlns="" val="1"/>
-            </a:ext>
-          </a:extLst>
-        </p:spPr>
-        <p:txBody>
-          <a:bodyPr lIns="45719" rIns="45719">
-            <a:spAutoFit/>
-          </a:bodyPr>
-          <a:lstStyle/>
-          <a:p>
-            <a:pPr>
-              <a:defRPr sz="2400"/>
-            </a:pPr>
-            <a:r>
-              <a:rPr dirty="0"/>
-              <a:t>Idea: Limit the number of usable Waypoints for the complete run of the algorithm through the topology to k waypoints</a:t>
-            </a:r>
-          </a:p>
-          <a:p>
-            <a:pPr>
-              <a:defRPr sz="2400"/>
-            </a:pPr>
-            <a:endParaRPr dirty="0"/>
-          </a:p>
-          <a:p>
-            <a:pPr>
-              <a:defRPr sz="2400"/>
-            </a:pPr>
-            <a:endParaRPr dirty="0"/>
-          </a:p>
-          <a:p>
-            <a:pPr>
-              <a:defRPr sz="2400"/>
-            </a:pPr>
-            <a:r>
-              <a:rPr dirty="0"/>
-              <a:t>Actions:</a:t>
-            </a:r>
-          </a:p>
-          <a:p>
-            <a:pPr marL="342900" indent="-342900">
-              <a:buSzPct val="100000"/>
-              <a:buFont typeface="Arial"/>
-              <a:buChar char="•"/>
-              <a:defRPr sz="2000"/>
-            </a:pPr>
-            <a:r>
-              <a:rPr lang="de-DE" dirty="0"/>
-              <a:t>I</a:t>
-            </a:r>
-            <a:r>
-              <a:rPr dirty="0" err="1"/>
-              <a:t>mplement</a:t>
-            </a:r>
-            <a:r>
-              <a:rPr dirty="0"/>
-              <a:t> parameter for k and counter in the algorithms</a:t>
-            </a:r>
-          </a:p>
-          <a:p>
-            <a:pPr marL="342900" indent="-342900">
-              <a:buSzPct val="100000"/>
-              <a:buFont typeface="Arial"/>
-              <a:buChar char="•"/>
-              <a:defRPr sz="2000"/>
-            </a:pPr>
-            <a:r>
-              <a:rPr lang="de-DE" dirty="0"/>
-              <a:t>C</a:t>
-            </a:r>
-            <a:r>
-              <a:rPr dirty="0"/>
-              <a:t>heck out results for different values for k and different </a:t>
-            </a:r>
-            <a:r>
-              <a:rPr dirty="0" err="1"/>
-              <a:t>topolog</a:t>
-            </a:r>
-            <a:r>
-              <a:rPr lang="de-DE" dirty="0" err="1"/>
-              <a:t>ie</a:t>
-            </a:r>
-            <a:r>
-              <a:rPr dirty="0"/>
-              <a:t>s</a:t>
-            </a:r>
-          </a:p>
-          <a:p>
-            <a:pPr>
-              <a:defRPr sz="2400"/>
-            </a:pPr>
-            <a:endParaRPr dirty="0"/>
-          </a:p>
-          <a:p>
-            <a:pPr>
-              <a:defRPr sz="2400"/>
-            </a:pPr>
-            <a:endParaRPr dirty="0"/>
-          </a:p>
-          <a:p>
-            <a:pPr>
-              <a:defRPr sz="2400"/>
-            </a:pPr>
-            <a:r>
-              <a:rPr dirty="0"/>
-              <a:t>Why this cloud be interesting? - Answers for the questions:</a:t>
-            </a:r>
-          </a:p>
-          <a:p>
-            <a:pPr marL="342900" indent="-342900">
-              <a:buSzPct val="100000"/>
-              <a:buFont typeface="Arial"/>
-              <a:buChar char="•"/>
-              <a:defRPr sz="2000"/>
-            </a:pPr>
-            <a:r>
-              <a:rPr dirty="0"/>
-              <a:t>What number of waypoints are useful for such a restriction?</a:t>
-            </a:r>
-          </a:p>
-          <a:p>
-            <a:pPr marL="342900" indent="-342900">
-              <a:buSzPct val="100000"/>
-              <a:buFont typeface="Arial"/>
-              <a:buChar char="•"/>
-              <a:defRPr sz="2000"/>
-            </a:pPr>
-            <a:r>
-              <a:rPr dirty="0"/>
-              <a:t>What influence do waypoints actually have on the performance? </a:t>
-            </a:r>
-          </a:p>
-          <a:p>
-            <a:pPr marL="342900" indent="-342900">
-              <a:buSzPct val="100000"/>
-              <a:buFont typeface="Arial"/>
-              <a:buChar char="•"/>
-              <a:defRPr sz="2000"/>
-            </a:pPr>
-            <a:endParaRPr dirty="0"/>
-          </a:p>
-          <a:p>
-            <a:pPr marL="342900" indent="-342900">
-              <a:buSzPct val="100000"/>
-              <a:buFont typeface="Arial"/>
-              <a:buChar char="•"/>
-              <a:defRPr sz="2000"/>
-            </a:pPr>
-            <a:endParaRPr dirty="0"/>
-          </a:p>
-        </p:txBody>
-      </p:sp>
+      <mc:AlternateContent xmlns:mc="http://schemas.openxmlformats.org/markup-compatibility/2006">
+        <mc:Choice xmlns:a14="http://schemas.microsoft.com/office/drawing/2010/main" Requires="a14">
+          <p:sp>
+            <p:nvSpPr>
+              <p:cNvPr id="243" name="Textfeld 7"/>
+              <p:cNvSpPr txBox="1"/>
+              <p:nvPr/>
+            </p:nvSpPr>
+            <p:spPr>
+              <a:xfrm>
+                <a:off x="879290" y="1496450"/>
+                <a:ext cx="10321146" cy="4893647"/>
+              </a:xfrm>
+              <a:prstGeom prst="rect">
+                <a:avLst/>
+              </a:prstGeom>
+              <a:ln w="12700">
+                <a:miter lim="400000"/>
+              </a:ln>
+              <a:extLst>
+                <a:ext uri="{C572A759-6A51-4108-AA02-DFA0A04FC94B}">
+                  <ma14:wrappingTextBoxFlag xmlns="" xmlns:m="http://schemas.openxmlformats.org/officeDocument/2006/math" xmlns:ma14="http://schemas.microsoft.com/office/mac/drawingml/2011/main" val="1"/>
+                </a:ext>
+              </a:extLst>
+            </p:spPr>
+            <p:txBody>
+              <a:bodyPr lIns="45719" rIns="45719">
+                <a:spAutoFit/>
+              </a:bodyPr>
+              <a:lstStyle/>
+              <a:p>
+                <a:pPr>
+                  <a:defRPr sz="2400"/>
+                </a:pPr>
+                <a:r>
+                  <a:rPr dirty="0"/>
+                  <a:t>Idea: Limit the number of usable </a:t>
+                </a:r>
+                <a:r>
+                  <a:rPr lang="de-DE" dirty="0"/>
+                  <a:t>w</a:t>
+                </a:r>
+                <a:r>
+                  <a:rPr dirty="0" err="1"/>
+                  <a:t>aypoints</a:t>
+                </a:r>
+                <a:r>
+                  <a:rPr dirty="0"/>
+                  <a:t> </a:t>
+                </a:r>
+                <a:r>
+                  <a:rPr lang="de-DE" dirty="0" err="1"/>
+                  <a:t>throughout</a:t>
+                </a:r>
+                <a:r>
+                  <a:rPr dirty="0"/>
+                  <a:t> the complete run of the algorithm </a:t>
+                </a:r>
+                <a:r>
+                  <a:rPr lang="de-DE" dirty="0" err="1"/>
+                  <a:t>for</a:t>
+                </a:r>
+                <a:r>
+                  <a:rPr lang="de-DE" dirty="0"/>
+                  <a:t> a </a:t>
+                </a:r>
+                <a:r>
+                  <a:rPr dirty="0"/>
+                  <a:t>topology to </a:t>
+                </a:r>
+                <a14:m>
+                  <m:oMath xmlns:m="http://schemas.openxmlformats.org/officeDocument/2006/math">
+                    <m:r>
+                      <a:rPr lang="de-DE" i="1" dirty="0" smtClean="0">
+                        <a:latin typeface="Cambria Math" panose="02040503050406030204" pitchFamily="18" charset="0"/>
+                      </a:rPr>
+                      <m:t>𝑘</m:t>
+                    </m:r>
+                    <m:r>
+                      <a:rPr lang="de-DE" i="1" dirty="0" smtClean="0">
+                        <a:latin typeface="Cambria Math" panose="02040503050406030204" pitchFamily="18" charset="0"/>
+                        <a:ea typeface="Cambria Math" panose="02040503050406030204" pitchFamily="18" charset="0"/>
+                      </a:rPr>
+                      <m:t>∈</m:t>
+                    </m:r>
+                    <m:r>
+                      <a:rPr lang="de-DE" i="1" dirty="0" smtClean="0">
+                        <a:latin typeface="Cambria Math" panose="02040503050406030204" pitchFamily="18" charset="0"/>
+                        <a:ea typeface="Cambria Math" panose="02040503050406030204" pitchFamily="18" charset="0"/>
+                      </a:rPr>
+                      <m:t>ℕ</m:t>
+                    </m:r>
+                  </m:oMath>
+                </a14:m>
+                <a:endParaRPr dirty="0"/>
+              </a:p>
+              <a:p>
+                <a:pPr>
+                  <a:defRPr sz="2400"/>
+                </a:pPr>
+                <a:endParaRPr dirty="0"/>
+              </a:p>
+              <a:p>
+                <a:pPr>
+                  <a:defRPr sz="2400"/>
+                </a:pPr>
+                <a:endParaRPr dirty="0"/>
+              </a:p>
+              <a:p>
+                <a:pPr>
+                  <a:defRPr sz="2400"/>
+                </a:pPr>
+                <a:r>
+                  <a:rPr dirty="0"/>
+                  <a:t>Actions:</a:t>
+                </a:r>
+              </a:p>
+              <a:p>
+                <a:pPr marL="342900" indent="-342900">
+                  <a:buSzPct val="100000"/>
+                  <a:buFont typeface="Arial"/>
+                  <a:buChar char="•"/>
+                  <a:defRPr sz="2000"/>
+                </a:pPr>
+                <a:r>
+                  <a:rPr lang="de-DE" dirty="0"/>
+                  <a:t>I</a:t>
+                </a:r>
+                <a:r>
+                  <a:rPr dirty="0" err="1"/>
+                  <a:t>mplement</a:t>
+                </a:r>
+                <a:r>
+                  <a:rPr dirty="0"/>
+                  <a:t> parameter k </a:t>
+                </a:r>
+                <a:r>
+                  <a:rPr lang="de-DE" dirty="0" err="1"/>
+                  <a:t>as</a:t>
+                </a:r>
+                <a:r>
+                  <a:rPr lang="de-DE" dirty="0"/>
+                  <a:t> a</a:t>
+                </a:r>
+                <a:r>
+                  <a:rPr dirty="0"/>
+                  <a:t> counter in the algorithms</a:t>
+                </a:r>
+              </a:p>
+              <a:p>
+                <a:pPr marL="342900" indent="-342900">
+                  <a:buSzPct val="100000"/>
+                  <a:buFont typeface="Arial"/>
+                  <a:buChar char="•"/>
+                  <a:defRPr sz="2000"/>
+                </a:pPr>
+                <a:r>
+                  <a:rPr lang="de-DE" dirty="0"/>
+                  <a:t>C</a:t>
+                </a:r>
+                <a:r>
+                  <a:rPr dirty="0"/>
+                  <a:t>heck out results for different values for k and different </a:t>
+                </a:r>
+                <a:r>
+                  <a:rPr dirty="0" err="1"/>
+                  <a:t>topolog</a:t>
+                </a:r>
+                <a:r>
+                  <a:rPr lang="de-DE" dirty="0" err="1"/>
+                  <a:t>ie</a:t>
+                </a:r>
+                <a:r>
+                  <a:rPr dirty="0"/>
+                  <a:t>s</a:t>
+                </a:r>
+              </a:p>
+              <a:p>
+                <a:pPr>
+                  <a:defRPr sz="2400"/>
+                </a:pPr>
+                <a:endParaRPr dirty="0"/>
+              </a:p>
+              <a:p>
+                <a:pPr>
+                  <a:defRPr sz="2400"/>
+                </a:pPr>
+                <a:endParaRPr dirty="0"/>
+              </a:p>
+              <a:p>
+                <a:pPr>
+                  <a:defRPr sz="2400"/>
+                </a:pPr>
+                <a:r>
+                  <a:rPr dirty="0"/>
+                  <a:t>Why </a:t>
+                </a:r>
+                <a:r>
+                  <a:rPr lang="de-DE" dirty="0" err="1"/>
+                  <a:t>could</a:t>
+                </a:r>
+                <a:r>
+                  <a:rPr lang="de-DE" dirty="0"/>
+                  <a:t> </a:t>
+                </a:r>
+                <a:r>
+                  <a:rPr lang="de-DE" dirty="0" err="1"/>
+                  <a:t>this</a:t>
+                </a:r>
+                <a:r>
+                  <a:rPr dirty="0"/>
+                  <a:t> be interesting? - Answers for the questions:</a:t>
+                </a:r>
+              </a:p>
+              <a:p>
+                <a:pPr marL="342900" indent="-342900">
+                  <a:buSzPct val="100000"/>
+                  <a:buFont typeface="Arial"/>
+                  <a:buChar char="•"/>
+                  <a:defRPr sz="2000"/>
+                </a:pPr>
+                <a:r>
+                  <a:rPr dirty="0"/>
+                  <a:t>What number of waypoints are useful for such a restriction?</a:t>
+                </a:r>
+              </a:p>
+              <a:p>
+                <a:pPr marL="342900" indent="-342900">
+                  <a:buSzPct val="100000"/>
+                  <a:buFont typeface="Arial"/>
+                  <a:buChar char="•"/>
+                  <a:defRPr sz="2000"/>
+                </a:pPr>
+                <a:r>
+                  <a:rPr dirty="0"/>
+                  <a:t>What influence do waypoints actually have on the performance? </a:t>
+                </a:r>
+              </a:p>
+              <a:p>
+                <a:pPr marL="342900" indent="-342900">
+                  <a:buSzPct val="100000"/>
+                  <a:buFont typeface="Arial"/>
+                  <a:buChar char="•"/>
+                  <a:defRPr sz="2000"/>
+                </a:pPr>
+                <a:endParaRPr dirty="0"/>
+              </a:p>
+              <a:p>
+                <a:pPr marL="342900" indent="-342900">
+                  <a:buSzPct val="100000"/>
+                  <a:buFont typeface="Arial"/>
+                  <a:buChar char="•"/>
+                  <a:defRPr sz="2000"/>
+                </a:pPr>
+                <a:endParaRPr dirty="0"/>
+              </a:p>
+            </p:txBody>
+          </p:sp>
+        </mc:Choice>
+        <mc:Fallback>
+          <p:sp>
+            <p:nvSpPr>
+              <p:cNvPr id="243" name="Textfeld 7"/>
+              <p:cNvSpPr txBox="1">
+                <a:spLocks noRot="1" noChangeAspect="1" noMove="1" noResize="1" noEditPoints="1" noAdjustHandles="1" noChangeArrowheads="1" noChangeShapeType="1" noTextEdit="1"/>
+              </p:cNvSpPr>
+              <p:nvPr/>
+            </p:nvSpPr>
+            <p:spPr>
+              <a:xfrm>
+                <a:off x="879290" y="1496450"/>
+                <a:ext cx="10321146" cy="4893647"/>
+              </a:xfrm>
+              <a:prstGeom prst="rect">
+                <a:avLst/>
+              </a:prstGeom>
+              <a:blipFill>
+                <a:blip r:embed="rId2"/>
+                <a:stretch>
+                  <a:fillRect l="-1359" t="-996"/>
+                </a:stretch>
+              </a:blipFill>
+              <a:ln w="12700">
+                <a:miter lim="400000"/>
+              </a:ln>
+              <a:extLst>
+                <a:ext uri="{C572A759-6A51-4108-AA02-DFA0A04FC94B}">
+                  <ma14:wrappingTextBoxFlag xmlns="" xmlns:m="http://schemas.openxmlformats.org/officeDocument/2006/math" xmlns:a14="http://schemas.microsoft.com/office/drawing/2010/main" xmlns:ma14="http://schemas.microsoft.com/office/mac/drawingml/2011/main" val="1"/>
+                </a:ext>
+              </a:extLst>
+            </p:spPr>
+            <p:txBody>
+              <a:bodyPr/>
+              <a:lstStyle/>
+              <a:p>
+                <a:r>
+                  <a:rPr lang="de-DE">
+                    <a:noFill/>
+                  </a:rPr>
+                  <a:t> </a:t>
+                </a:r>
+              </a:p>
+            </p:txBody>
+          </p:sp>
+        </mc:Fallback>
+      </mc:AlternateContent>
       <p:grpSp>
         <p:nvGrpSpPr>
           <p:cNvPr id="246" name="Rechteck 6"/>
@@ -4086,7 +4226,7 @@
             <a:effectLst/>
             <a:extLst>
               <a:ext uri="{C572A759-6A51-4108-AA02-DFA0A04FC94B}">
-                <ma14:wrappingTextBoxFlag xmlns:ma14="http://schemas.microsoft.com/office/mac/drawingml/2011/main" xmlns:a14="http://schemas.microsoft.com/office/drawing/2010/main" xmlns:m="http://schemas.openxmlformats.org/officeDocument/2006/math" xmlns="" val="1"/>
+                <ma14:wrappingTextBoxFlag xmlns="" xmlns:m="http://schemas.openxmlformats.org/officeDocument/2006/math" xmlns:a14="http://schemas.microsoft.com/office/drawing/2010/main" xmlns:ma14="http://schemas.microsoft.com/office/mac/drawingml/2011/main" val="1"/>
               </a:ext>
             </a:extLst>
           </p:spPr>
@@ -5173,7 +5313,14 @@
                               <a:latin typeface="Cambria Math" panose="02040503050406030204" pitchFamily="18" charset="0"/>
                               <a:ea typeface="Cambria Math" panose="02040503050406030204" pitchFamily="18" charset="0"/>
                             </a:rPr>
-                            <m:t>′,</m:t>
+                            <m:t>′</m:t>
+                          </m:r>
+                          <m:r>
+                            <a:rPr lang="de-DE" sz="1800" b="0" i="1" smtClean="0">
+                              <a:latin typeface="Cambria Math" panose="02040503050406030204" pitchFamily="18" charset="0"/>
+                              <a:ea typeface="Cambria Math" panose="02040503050406030204" pitchFamily="18" charset="0"/>
+                            </a:rPr>
+                            <m:t>,</m:t>
                           </m:r>
                           <m:r>
                             <a:rPr lang="de-DE" sz="1800" b="0" i="1" smtClean="0">
@@ -5567,7 +5714,13 @@
                         <a:rPr lang="de-DE" sz="1800" i="1">
                           <a:latin typeface="Cambria Math" panose="02040503050406030204" pitchFamily="18" charset="0"/>
                         </a:rPr>
-                        <m:t>𝑒𝑎𝑐h</m:t>
+                        <m:t>𝑒𝑎𝑐</m:t>
+                      </m:r>
+                      <m:r>
+                        <a:rPr lang="de-DE" sz="1800" i="1">
+                          <a:latin typeface="Cambria Math" panose="02040503050406030204" pitchFamily="18" charset="0"/>
+                        </a:rPr>
+                        <m:t>h</m:t>
                       </m:r>
                       <m:r>
                         <a:rPr lang="de-DE" sz="1800" i="1">
@@ -6128,6 +6281,1947 @@
       </p:grpSpPr>
       <p:sp>
         <p:nvSpPr>
+          <p:cNvPr id="304" name="Titel 1"/>
+          <p:cNvSpPr txBox="1">
+            <a:spLocks noGrp="1"/>
+          </p:cNvSpPr>
+          <p:nvPr>
+            <p:ph type="title"/>
+          </p:nvPr>
+        </p:nvSpPr>
+        <p:spPr>
+          <a:prstGeom prst="rect">
+            <a:avLst/>
+          </a:prstGeom>
+        </p:spPr>
+        <p:txBody>
+          <a:bodyPr/>
+          <a:lstStyle/>
+          <a:p>
+            <a:r>
+              <a:rPr dirty="0" err="1"/>
+              <a:t>kWP</a:t>
+            </a:r>
+            <a:r>
+              <a:rPr dirty="0"/>
+              <a:t> per Topology: Results</a:t>
+            </a:r>
+          </a:p>
+        </p:txBody>
+      </p:sp>
+      <mc:AlternateContent xmlns:mc="http://schemas.openxmlformats.org/markup-compatibility/2006">
+        <mc:Choice xmlns:a14="http://schemas.microsoft.com/office/drawing/2010/main" Requires="a14">
+          <p:sp>
+            <p:nvSpPr>
+              <p:cNvPr id="305" name="Textfeld 7"/>
+              <p:cNvSpPr txBox="1"/>
+              <p:nvPr/>
+            </p:nvSpPr>
+            <p:spPr>
+              <a:xfrm>
+                <a:off x="879290" y="1496451"/>
+                <a:ext cx="10321147" cy="4278090"/>
+              </a:xfrm>
+              <a:prstGeom prst="rect">
+                <a:avLst/>
+              </a:prstGeom>
+              <a:ln w="12700">
+                <a:miter lim="400000"/>
+              </a:ln>
+              <a:extLst>
+                <a:ext uri="{C572A759-6A51-4108-AA02-DFA0A04FC94B}">
+                  <ma14:wrappingTextBoxFlag xmlns:ma14="http://schemas.microsoft.com/office/mac/drawingml/2011/main" xmlns:m="http://schemas.openxmlformats.org/officeDocument/2006/math" xmlns="" val="1"/>
+                </a:ext>
+              </a:extLst>
+            </p:spPr>
+            <p:txBody>
+              <a:bodyPr lIns="45718" tIns="45718" rIns="45718" bIns="45718">
+                <a:spAutoFit/>
+              </a:bodyPr>
+              <a:lstStyle/>
+              <a:p>
+                <a:pPr>
+                  <a:defRPr sz="2400"/>
+                </a:pPr>
+                <a:endParaRPr lang="de-DE" dirty="0"/>
+              </a:p>
+              <a:p>
+                <a:pPr>
+                  <a:defRPr sz="2400"/>
+                </a:pPr>
+                <a:r>
+                  <a:rPr lang="de-DE" dirty="0"/>
+                  <a:t>Impressions:</a:t>
+                </a:r>
+              </a:p>
+              <a:p>
+                <a:pPr>
+                  <a:defRPr sz="2400"/>
+                </a:pPr>
+                <a:endParaRPr lang="de-DE" dirty="0"/>
+              </a:p>
+              <a:p>
+                <a:pPr marL="411480" indent="-411480">
+                  <a:buSzPct val="100000"/>
+                  <a:buFont typeface="Arial"/>
+                  <a:buChar char="•"/>
+                  <a:defRPr sz="2000"/>
+                </a:pPr>
+                <a:r>
+                  <a:rPr lang="de-DE" sz="2400" dirty="0"/>
+                  <a:t>The Limitation of the usable </a:t>
+                </a:r>
+                <a:r>
+                  <a:rPr lang="de-DE" sz="2400" dirty="0" err="1"/>
+                  <a:t>Waypoints</a:t>
+                </a:r>
+                <a:r>
+                  <a:rPr lang="de-DE" sz="2400" dirty="0"/>
+                  <a:t> </a:t>
+                </a:r>
+                <a:r>
+                  <a:rPr lang="de-DE" sz="2400" dirty="0" err="1"/>
+                  <a:t>cannot</a:t>
+                </a:r>
+                <a:r>
+                  <a:rPr lang="de-DE" sz="2400" dirty="0"/>
+                  <a:t> </a:t>
+                </a:r>
+                <a:r>
+                  <a:rPr lang="de-DE" sz="2400" dirty="0" err="1"/>
+                  <a:t>improve</a:t>
+                </a:r>
+                <a:r>
+                  <a:rPr lang="de-DE" sz="2400" dirty="0"/>
+                  <a:t> MLU</a:t>
+                </a:r>
+              </a:p>
+              <a:p>
+                <a:pPr marL="868680" lvl="1" indent="-411480">
+                  <a:buSzPct val="100000"/>
+                  <a:buFont typeface="Arial"/>
+                  <a:buChar char="•"/>
+                  <a:defRPr sz="2000"/>
+                </a:pPr>
+                <a14:m>
+                  <m:oMath xmlns:m="http://schemas.openxmlformats.org/officeDocument/2006/math">
+                    <m:sSub>
+                      <m:sSubPr>
+                        <m:ctrlPr>
+                          <a:rPr lang="ar-AE" sz="2400" i="1" smtClean="0">
+                            <a:latin typeface="Cambria Math" panose="02040503050406030204" pitchFamily="18" charset="0"/>
+                          </a:rPr>
+                        </m:ctrlPr>
+                      </m:sSubPr>
+                      <m:e>
+                        <m:r>
+                          <a:rPr lang="ar-AE" sz="2400" b="0" i="1" smtClean="0">
+                            <a:latin typeface="Cambria Math" panose="02040503050406030204" pitchFamily="18" charset="0"/>
+                          </a:rPr>
+                          <m:t>𝑀</m:t>
+                        </m:r>
+                        <m:r>
+                          <a:rPr lang="de-DE" sz="2400" b="0" i="1" smtClean="0">
+                            <a:latin typeface="Cambria Math" panose="02040503050406030204" pitchFamily="18" charset="0"/>
+                          </a:rPr>
+                          <m:t>𝐿𝑈</m:t>
+                        </m:r>
+                      </m:e>
+                      <m:sub>
+                        <m:r>
+                          <a:rPr lang="de-DE" sz="2400" b="0" i="1" smtClean="0">
+                            <a:latin typeface="Cambria Math" panose="02040503050406030204" pitchFamily="18" charset="0"/>
+                          </a:rPr>
+                          <m:t>𝑘</m:t>
+                        </m:r>
+                      </m:sub>
+                    </m:sSub>
+                    <m:r>
+                      <a:rPr lang="de-DE" sz="2400" b="0" i="1" smtClean="0">
+                        <a:latin typeface="Cambria Math" panose="02040503050406030204" pitchFamily="18" charset="0"/>
+                      </a:rPr>
+                      <m:t>≥</m:t>
+                    </m:r>
+                    <m:r>
+                      <a:rPr lang="de-DE" sz="2400" b="0" i="1" smtClean="0">
+                        <a:latin typeface="Cambria Math" panose="02040503050406030204" pitchFamily="18" charset="0"/>
+                      </a:rPr>
+                      <m:t>𝑀𝐿𝑈</m:t>
+                    </m:r>
+                  </m:oMath>
+                </a14:m>
+                <a:endParaRPr lang="ar-AE" sz="2400" dirty="0"/>
+              </a:p>
+              <a:p>
+                <a:pPr>
+                  <a:defRPr sz="2000"/>
+                </a:pPr>
+                <a:endParaRPr lang="ar-AE" sz="2400" dirty="0"/>
+              </a:p>
+              <a:p>
+                <a:pPr marL="342900" indent="-342900">
+                  <a:buSzPct val="100000"/>
+                  <a:buFont typeface="Arial"/>
+                  <a:buChar char="•"/>
+                  <a:defRPr sz="2400"/>
+                </a:pPr>
+                <a:r>
+                  <a:rPr lang="de-DE" dirty="0"/>
+                  <a:t>The </a:t>
+                </a:r>
+                <a:r>
+                  <a:rPr lang="de-DE" dirty="0" err="1"/>
+                  <a:t>impact</a:t>
+                </a:r>
+                <a:r>
+                  <a:rPr lang="de-DE" dirty="0"/>
+                  <a:t> </a:t>
+                </a:r>
+                <a:r>
+                  <a:rPr lang="de-DE" dirty="0" err="1"/>
+                  <a:t>of</a:t>
+                </a:r>
+                <a:r>
+                  <a:rPr lang="de-DE" dirty="0"/>
+                  <a:t> WP-limit </a:t>
+                </a:r>
+                <a:r>
+                  <a:rPr lang="de-DE" dirty="0" err="1"/>
+                  <a:t>depends</a:t>
+                </a:r>
+                <a:r>
+                  <a:rPr lang="de-DE" dirty="0"/>
+                  <a:t> on </a:t>
+                </a:r>
+                <a:r>
+                  <a:rPr lang="de-DE" dirty="0" err="1"/>
+                  <a:t>the</a:t>
+                </a:r>
+                <a:r>
+                  <a:rPr lang="de-DE" dirty="0"/>
+                  <a:t> </a:t>
+                </a:r>
+                <a:r>
+                  <a:rPr lang="de-DE" dirty="0" err="1"/>
+                  <a:t>topology</a:t>
+                </a:r>
+                <a:endParaRPr lang="de-DE" sz="2000" dirty="0"/>
+              </a:p>
+              <a:p>
+                <a:pPr>
+                  <a:defRPr sz="2400"/>
+                </a:pPr>
+                <a:endParaRPr lang="de-DE" sz="2000" dirty="0"/>
+              </a:p>
+              <a:p>
+                <a:pPr marL="342900" indent="-342900">
+                  <a:buSzPct val="100000"/>
+                  <a:buFont typeface="Arial"/>
+                  <a:buChar char="•"/>
+                  <a:defRPr sz="2400"/>
+                </a:pPr>
+                <a:r>
+                  <a:rPr lang="de-DE" dirty="0"/>
+                  <a:t>(</a:t>
+                </a:r>
+                <a:r>
+                  <a:rPr lang="de-DE" dirty="0" err="1"/>
+                  <a:t>Scaled</a:t>
+                </a:r>
+                <a:r>
+                  <a:rPr lang="de-DE" dirty="0"/>
+                  <a:t>-)Real </a:t>
+                </a:r>
+                <a:r>
+                  <a:rPr lang="de-DE" dirty="0" err="1"/>
+                  <a:t>demands</a:t>
+                </a:r>
+                <a:r>
+                  <a:rPr lang="de-DE" dirty="0"/>
+                  <a:t> </a:t>
+                </a:r>
+                <a:r>
+                  <a:rPr lang="de-DE" dirty="0" err="1"/>
+                  <a:t>show</a:t>
+                </a:r>
+                <a:r>
+                  <a:rPr lang="de-DE" dirty="0"/>
+                  <a:t> </a:t>
+                </a:r>
+                <a:r>
+                  <a:rPr lang="de-DE" dirty="0" err="1"/>
+                  <a:t>greater</a:t>
+                </a:r>
+                <a:r>
+                  <a:rPr lang="de-DE" dirty="0"/>
+                  <a:t> </a:t>
+                </a:r>
+                <a:r>
+                  <a:rPr lang="de-DE" dirty="0" err="1"/>
+                  <a:t>reaction</a:t>
+                </a:r>
+                <a:r>
+                  <a:rPr lang="de-DE" dirty="0"/>
+                  <a:t> </a:t>
+                </a:r>
+                <a:r>
+                  <a:rPr lang="de-DE" dirty="0" err="1"/>
+                  <a:t>to</a:t>
+                </a:r>
+                <a:r>
+                  <a:rPr lang="de-DE" dirty="0"/>
+                  <a:t> WP-restraints in </a:t>
+                </a:r>
+                <a:r>
+                  <a:rPr lang="de-DE" dirty="0" err="1"/>
+                  <a:t>JointHeur</a:t>
+                </a:r>
+                <a:endParaRPr lang="de-DE" dirty="0"/>
+              </a:p>
+              <a:p>
+                <a:pPr marL="342900" indent="-342900">
+                  <a:buSzPct val="100000"/>
+                  <a:buFont typeface="Arial"/>
+                  <a:buChar char="•"/>
+                  <a:defRPr sz="2000"/>
+                </a:pPr>
+                <a:endParaRPr lang="de-DE" dirty="0"/>
+              </a:p>
+              <a:p>
+                <a:pPr>
+                  <a:defRPr sz="2000"/>
+                </a:pPr>
+                <a:endParaRPr lang="de-DE" dirty="0"/>
+              </a:p>
+              <a:p>
+                <a:pPr marL="342900" indent="-342900">
+                  <a:buSzPct val="100000"/>
+                  <a:buFont typeface="Arial"/>
+                  <a:buChar char="•"/>
+                  <a:defRPr sz="2000"/>
+                </a:pPr>
+                <a:endParaRPr dirty="0"/>
+              </a:p>
+            </p:txBody>
+          </p:sp>
+        </mc:Choice>
+        <mc:Fallback>
+          <p:sp>
+            <p:nvSpPr>
+              <p:cNvPr id="305" name="Textfeld 7"/>
+              <p:cNvSpPr txBox="1">
+                <a:spLocks noRot="1" noChangeAspect="1" noMove="1" noResize="1" noEditPoints="1" noAdjustHandles="1" noChangeArrowheads="1" noChangeShapeType="1" noTextEdit="1"/>
+              </p:cNvSpPr>
+              <p:nvPr/>
+            </p:nvSpPr>
+            <p:spPr>
+              <a:xfrm>
+                <a:off x="879290" y="1496451"/>
+                <a:ext cx="10321147" cy="4278090"/>
+              </a:xfrm>
+              <a:prstGeom prst="rect">
+                <a:avLst/>
+              </a:prstGeom>
+              <a:blipFill>
+                <a:blip r:embed="rId2"/>
+                <a:stretch>
+                  <a:fillRect l="-1359"/>
+                </a:stretch>
+              </a:blipFill>
+              <a:ln w="12700">
+                <a:miter lim="400000"/>
+              </a:ln>
+              <a:extLst>
+                <a:ext uri="{C572A759-6A51-4108-AA02-DFA0A04FC94B}">
+                  <ma14:wrappingTextBoxFlag xmlns:ma14="http://schemas.microsoft.com/office/mac/drawingml/2011/main" xmlns:a14="http://schemas.microsoft.com/office/drawing/2010/main" xmlns:m="http://schemas.openxmlformats.org/officeDocument/2006/math" xmlns="" val="1"/>
+                </a:ext>
+              </a:extLst>
+            </p:spPr>
+            <p:txBody>
+              <a:bodyPr/>
+              <a:lstStyle/>
+              <a:p>
+                <a:r>
+                  <a:rPr lang="de-DE">
+                    <a:noFill/>
+                  </a:rPr>
+                  <a:t> </a:t>
+                </a:r>
+              </a:p>
+            </p:txBody>
+          </p:sp>
+        </mc:Fallback>
+      </mc:AlternateContent>
+      <p:grpSp>
+        <p:nvGrpSpPr>
+          <p:cNvPr id="308" name="Rechteck 6"/>
+          <p:cNvGrpSpPr/>
+          <p:nvPr/>
+        </p:nvGrpSpPr>
+        <p:grpSpPr>
+          <a:xfrm>
+            <a:off x="2" y="0"/>
+            <a:ext cx="1500330" cy="365125"/>
+            <a:chOff x="1" y="0"/>
+            <a:chExt cx="1500329" cy="365125"/>
+          </a:xfrm>
+        </p:grpSpPr>
+        <p:sp>
+          <p:nvSpPr>
+            <p:cNvPr id="306" name="Rechteck"/>
+            <p:cNvSpPr/>
+            <p:nvPr/>
+          </p:nvSpPr>
+          <p:spPr>
+            <a:xfrm>
+              <a:off x="1" y="0"/>
+              <a:ext cx="1500330" cy="365125"/>
+            </a:xfrm>
+            <a:prstGeom prst="rect">
+              <a:avLst/>
+            </a:prstGeom>
+            <a:gradFill flip="none" rotWithShape="1">
+              <a:gsLst>
+                <a:gs pos="0">
+                  <a:schemeClr val="accent3">
+                    <a:lumOff val="17344"/>
+                  </a:schemeClr>
+                </a:gs>
+                <a:gs pos="50000">
+                  <a:srgbClr val="C7C7C7"/>
+                </a:gs>
+                <a:gs pos="100000">
+                  <a:schemeClr val="accent3">
+                    <a:lumOff val="10616"/>
+                  </a:schemeClr>
+                </a:gs>
+              </a:gsLst>
+              <a:lin ang="5400000" scaled="0"/>
+            </a:gradFill>
+            <a:ln w="6350" cap="flat">
+              <a:solidFill>
+                <a:schemeClr val="accent3"/>
+              </a:solidFill>
+              <a:prstDash val="solid"/>
+              <a:miter lim="800000"/>
+            </a:ln>
+            <a:effectLst/>
+          </p:spPr>
+          <p:txBody>
+            <a:bodyPr wrap="square" lIns="45719" tIns="45719" rIns="45719" bIns="45719" numCol="1" anchor="ctr">
+              <a:noAutofit/>
+            </a:bodyPr>
+            <a:lstStyle/>
+            <a:p>
+              <a:pPr algn="ctr"/>
+              <a:endParaRPr/>
+            </a:p>
+          </p:txBody>
+        </p:sp>
+        <p:sp>
+          <p:nvSpPr>
+            <p:cNvPr id="307" name="Algorithm 2"/>
+            <p:cNvSpPr txBox="1"/>
+            <p:nvPr/>
+          </p:nvSpPr>
+          <p:spPr>
+            <a:xfrm>
+              <a:off x="48896" y="16018"/>
+              <a:ext cx="1402540" cy="333086"/>
+            </a:xfrm>
+            <a:prstGeom prst="rect">
+              <a:avLst/>
+            </a:prstGeom>
+            <a:noFill/>
+            <a:ln w="12700" cap="flat">
+              <a:noFill/>
+              <a:miter lim="400000"/>
+            </a:ln>
+            <a:effectLst/>
+            <a:extLst>
+              <a:ext uri="{C572A759-6A51-4108-AA02-DFA0A04FC94B}">
+                <ma14:wrappingTextBoxFlag xmlns:ma14="http://schemas.microsoft.com/office/mac/drawingml/2011/main" xmlns:a14="http://schemas.microsoft.com/office/drawing/2010/main" xmlns:m="http://schemas.openxmlformats.org/officeDocument/2006/math" xmlns="" val="1"/>
+              </a:ext>
+            </a:extLst>
+          </p:spPr>
+          <p:txBody>
+            <a:bodyPr wrap="square" lIns="45718" tIns="45718" rIns="45718" bIns="45718" numCol="1" anchor="ctr">
+              <a:spAutoFit/>
+            </a:bodyPr>
+            <a:lstStyle>
+              <a:lvl1pPr algn="ctr"/>
+            </a:lstStyle>
+            <a:p>
+              <a:r>
+                <a:t>Algorithm 2</a:t>
+              </a:r>
+            </a:p>
+          </p:txBody>
+        </p:sp>
+      </p:grpSp>
+    </p:spTree>
+  </p:cSld>
+  <p:clrMapOvr>
+    <a:masterClrMapping/>
+  </p:clrMapOvr>
+</p:sld>
+</file>
+
+<file path=ppt/slides/slide15.xml><?xml version="1.0" encoding="utf-8"?>
+<p:sld xmlns:a="http://schemas.openxmlformats.org/drawingml/2006/main" xmlns:r="http://schemas.openxmlformats.org/officeDocument/2006/relationships" xmlns:p="http://schemas.openxmlformats.org/presentationml/2006/main">
+  <p:cSld>
+    <p:spTree>
+      <p:nvGrpSpPr>
+        <p:cNvPr id="1" name=""/>
+        <p:cNvGrpSpPr/>
+        <p:nvPr/>
+      </p:nvGrpSpPr>
+      <p:grpSpPr>
+        <a:xfrm>
+          <a:off x="0" y="0"/>
+          <a:ext cx="0" cy="0"/>
+          <a:chOff x="0" y="0"/>
+          <a:chExt cx="0" cy="0"/>
+        </a:xfrm>
+      </p:grpSpPr>
+      <p:sp>
+        <p:nvSpPr>
+          <p:cNvPr id="310" name="Titel 1"/>
+          <p:cNvSpPr txBox="1">
+            <a:spLocks noGrp="1"/>
+          </p:cNvSpPr>
+          <p:nvPr>
+            <p:ph type="title"/>
+          </p:nvPr>
+        </p:nvSpPr>
+        <p:spPr>
+          <a:prstGeom prst="rect">
+            <a:avLst/>
+          </a:prstGeom>
+        </p:spPr>
+        <p:txBody>
+          <a:bodyPr/>
+          <a:lstStyle/>
+          <a:p>
+            <a:r>
+              <a:t>kWP per Topology: Results</a:t>
+            </a:r>
+          </a:p>
+        </p:txBody>
+      </p:sp>
+      <p:grpSp>
+        <p:nvGrpSpPr>
+          <p:cNvPr id="313" name="Rechteck 6"/>
+          <p:cNvGrpSpPr/>
+          <p:nvPr/>
+        </p:nvGrpSpPr>
+        <p:grpSpPr>
+          <a:xfrm>
+            <a:off x="2" y="0"/>
+            <a:ext cx="1500330" cy="365125"/>
+            <a:chOff x="1" y="0"/>
+            <a:chExt cx="1500329" cy="365125"/>
+          </a:xfrm>
+        </p:grpSpPr>
+        <p:sp>
+          <p:nvSpPr>
+            <p:cNvPr id="311" name="Rechteck"/>
+            <p:cNvSpPr/>
+            <p:nvPr/>
+          </p:nvSpPr>
+          <p:spPr>
+            <a:xfrm>
+              <a:off x="1" y="0"/>
+              <a:ext cx="1500330" cy="365125"/>
+            </a:xfrm>
+            <a:prstGeom prst="rect">
+              <a:avLst/>
+            </a:prstGeom>
+            <a:gradFill flip="none" rotWithShape="1">
+              <a:gsLst>
+                <a:gs pos="0">
+                  <a:schemeClr val="accent3">
+                    <a:lumOff val="17344"/>
+                  </a:schemeClr>
+                </a:gs>
+                <a:gs pos="50000">
+                  <a:srgbClr val="C7C7C7"/>
+                </a:gs>
+                <a:gs pos="100000">
+                  <a:schemeClr val="accent3">
+                    <a:lumOff val="10616"/>
+                  </a:schemeClr>
+                </a:gs>
+              </a:gsLst>
+              <a:lin ang="5400000" scaled="0"/>
+            </a:gradFill>
+            <a:ln w="6350" cap="flat">
+              <a:solidFill>
+                <a:schemeClr val="accent3"/>
+              </a:solidFill>
+              <a:prstDash val="solid"/>
+              <a:miter lim="800000"/>
+            </a:ln>
+            <a:effectLst/>
+          </p:spPr>
+          <p:txBody>
+            <a:bodyPr wrap="square" lIns="45719" tIns="45719" rIns="45719" bIns="45719" numCol="1" anchor="ctr">
+              <a:noAutofit/>
+            </a:bodyPr>
+            <a:lstStyle/>
+            <a:p>
+              <a:pPr algn="ctr"/>
+              <a:endParaRPr/>
+            </a:p>
+          </p:txBody>
+        </p:sp>
+        <p:sp>
+          <p:nvSpPr>
+            <p:cNvPr id="312" name="Algorithm 2"/>
+            <p:cNvSpPr txBox="1"/>
+            <p:nvPr/>
+          </p:nvSpPr>
+          <p:spPr>
+            <a:xfrm>
+              <a:off x="48896" y="16018"/>
+              <a:ext cx="1402540" cy="333086"/>
+            </a:xfrm>
+            <a:prstGeom prst="rect">
+              <a:avLst/>
+            </a:prstGeom>
+            <a:noFill/>
+            <a:ln w="12700" cap="flat">
+              <a:noFill/>
+              <a:miter lim="400000"/>
+            </a:ln>
+            <a:effectLst/>
+            <a:extLst>
+              <a:ext uri="{C572A759-6A51-4108-AA02-DFA0A04FC94B}">
+                <ma14:wrappingTextBoxFlag xmlns:ma14="http://schemas.microsoft.com/office/mac/drawingml/2011/main" xmlns:a14="http://schemas.microsoft.com/office/drawing/2010/main" xmlns:m="http://schemas.openxmlformats.org/officeDocument/2006/math" xmlns="" val="1"/>
+              </a:ext>
+            </a:extLst>
+          </p:spPr>
+          <p:txBody>
+            <a:bodyPr wrap="square" lIns="45718" tIns="45718" rIns="45718" bIns="45718" numCol="1" anchor="ctr">
+              <a:spAutoFit/>
+            </a:bodyPr>
+            <a:lstStyle>
+              <a:lvl1pPr algn="ctr"/>
+            </a:lstStyle>
+            <a:p>
+              <a:r>
+                <a:t>Algorithm 2</a:t>
+              </a:r>
+            </a:p>
+          </p:txBody>
+        </p:sp>
+      </p:grpSp>
+      <p:pic>
+        <p:nvPicPr>
+          <p:cNvPr id="314" name="kwp_all_algorithms_geant 2.pdf" descr="kwp_all_algorithms_geant 2.pdf"/>
+          <p:cNvPicPr>
+            <a:picLocks noChangeAspect="1"/>
+          </p:cNvPicPr>
+          <p:nvPr/>
+        </p:nvPicPr>
+        <p:blipFill>
+          <a:blip r:embed="rId2"/>
+          <a:stretch>
+            <a:fillRect/>
+          </a:stretch>
+        </p:blipFill>
+        <p:spPr>
+          <a:xfrm>
+            <a:off x="190774" y="2189237"/>
+            <a:ext cx="4629079" cy="3515215"/>
+          </a:xfrm>
+          <a:prstGeom prst="rect">
+            <a:avLst/>
+          </a:prstGeom>
+          <a:ln w="12700">
+            <a:miter lim="400000"/>
+          </a:ln>
+        </p:spPr>
+      </p:pic>
+      <p:pic>
+        <p:nvPicPr>
+          <p:cNvPr id="315" name="kwpo_real_demands 2.pdf" descr="kwpo_real_demands 2.pdf"/>
+          <p:cNvPicPr>
+            <a:picLocks noChangeAspect="1"/>
+          </p:cNvPicPr>
+          <p:nvPr/>
+        </p:nvPicPr>
+        <p:blipFill>
+          <a:blip r:embed="rId3"/>
+          <a:stretch>
+            <a:fillRect/>
+          </a:stretch>
+        </p:blipFill>
+        <p:spPr>
+          <a:xfrm>
+            <a:off x="16223466" y="9360158"/>
+            <a:ext cx="6185099" cy="4616573"/>
+          </a:xfrm>
+          <a:prstGeom prst="rect">
+            <a:avLst/>
+          </a:prstGeom>
+          <a:ln w="12700">
+            <a:miter lim="400000"/>
+          </a:ln>
+        </p:spPr>
+      </p:pic>
+      <p:sp>
+        <p:nvSpPr>
+          <p:cNvPr id="316" name="Synthetic Demands :…"/>
+          <p:cNvSpPr txBox="1"/>
+          <p:nvPr/>
+        </p:nvSpPr>
+        <p:spPr>
+          <a:xfrm>
+            <a:off x="5855122" y="2153323"/>
+            <a:ext cx="5768395" cy="1061829"/>
+          </a:xfrm>
+          <a:prstGeom prst="rect">
+            <a:avLst/>
+          </a:prstGeom>
+          <a:ln w="12700">
+            <a:miter lim="400000"/>
+          </a:ln>
+          <a:extLst>
+            <a:ext uri="{C572A759-6A51-4108-AA02-DFA0A04FC94B}">
+              <ma14:wrappingTextBoxFlag xmlns:ma14="http://schemas.microsoft.com/office/mac/drawingml/2011/main" xmlns:a14="http://schemas.microsoft.com/office/drawing/2010/main" xmlns:m="http://schemas.openxmlformats.org/officeDocument/2006/math" xmlns="" val="1"/>
+            </a:ext>
+          </a:extLst>
+        </p:spPr>
+        <p:txBody>
+          <a:bodyPr lIns="45719" rIns="45719">
+            <a:spAutoFit/>
+          </a:bodyPr>
+          <a:lstStyle/>
+          <a:p>
+            <a:pPr>
+              <a:defRPr sz="2100"/>
+            </a:pPr>
+            <a:r>
+              <a:rPr dirty="0"/>
+              <a:t>Synthetic Demands : </a:t>
+            </a:r>
+          </a:p>
+          <a:p>
+            <a:pPr>
+              <a:defRPr sz="2100"/>
+            </a:pPr>
+            <a:endParaRPr dirty="0"/>
+          </a:p>
+          <a:p>
+            <a:pPr>
+              <a:defRPr sz="2100"/>
+            </a:pPr>
+            <a:r>
+              <a:rPr lang="de-DE" dirty="0"/>
+              <a:t>        </a:t>
+            </a:r>
+            <a:r>
+              <a:rPr dirty="0"/>
+              <a:t>Limitation seems </a:t>
+            </a:r>
+            <a:r>
+              <a:rPr lang="de-DE" dirty="0" err="1"/>
+              <a:t>to</a:t>
+            </a:r>
+            <a:r>
+              <a:rPr lang="de-DE" dirty="0"/>
+              <a:t> </a:t>
+            </a:r>
+            <a:r>
+              <a:rPr dirty="0"/>
+              <a:t>not </a:t>
+            </a:r>
+            <a:r>
+              <a:rPr lang="de-DE" dirty="0" err="1"/>
+              <a:t>affect</a:t>
+            </a:r>
+            <a:r>
+              <a:rPr lang="de-DE" dirty="0"/>
+              <a:t> </a:t>
+            </a:r>
+            <a:r>
+              <a:rPr dirty="0"/>
+              <a:t>MLU</a:t>
+            </a:r>
+          </a:p>
+        </p:txBody>
+      </p:sp>
+      <p:sp>
+        <p:nvSpPr>
+          <p:cNvPr id="2" name="Pfeil: nach rechts 1">
+            <a:extLst>
+              <a:ext uri="{FF2B5EF4-FFF2-40B4-BE49-F238E27FC236}">
+                <a16:creationId xmlns:a16="http://schemas.microsoft.com/office/drawing/2014/main" id="{3DEFC34B-B061-8261-84A6-6B78E4B16D2D}"/>
+              </a:ext>
+            </a:extLst>
+          </p:cNvPr>
+          <p:cNvSpPr/>
+          <p:nvPr/>
+        </p:nvSpPr>
+        <p:spPr>
+          <a:xfrm>
+            <a:off x="5923184" y="2890981"/>
+            <a:ext cx="345631" cy="230909"/>
+          </a:xfrm>
+          <a:prstGeom prst="rightArrow">
+            <a:avLst/>
+          </a:prstGeom>
+          <a:ln>
+            <a:solidFill>
+              <a:schemeClr val="bg1"/>
+            </a:solidFill>
+          </a:ln>
+        </p:spPr>
+        <p:style>
+          <a:lnRef idx="2">
+            <a:schemeClr val="accent3">
+              <a:shade val="50000"/>
+            </a:schemeClr>
+          </a:lnRef>
+          <a:fillRef idx="1">
+            <a:schemeClr val="accent3"/>
+          </a:fillRef>
+          <a:effectRef idx="0">
+            <a:schemeClr val="accent3"/>
+          </a:effectRef>
+          <a:fontRef idx="minor">
+            <a:schemeClr val="lt1"/>
+          </a:fontRef>
+        </p:style>
+        <p:txBody>
+          <a:bodyPr rtlCol="0" anchor="ctr"/>
+          <a:lstStyle/>
+          <a:p>
+            <a:pPr algn="ctr"/>
+            <a:endParaRPr lang="de-DE"/>
+          </a:p>
+        </p:txBody>
+      </p:sp>
+    </p:spTree>
+  </p:cSld>
+  <p:clrMapOvr>
+    <a:masterClrMapping/>
+  </p:clrMapOvr>
+</p:sld>
+</file>
+
+<file path=ppt/slides/slide16.xml><?xml version="1.0" encoding="utf-8"?>
+<p:sld xmlns:a="http://schemas.openxmlformats.org/drawingml/2006/main" xmlns:r="http://schemas.openxmlformats.org/officeDocument/2006/relationships" xmlns:p="http://schemas.openxmlformats.org/presentationml/2006/main">
+  <p:cSld>
+    <p:spTree>
+      <p:nvGrpSpPr>
+        <p:cNvPr id="1" name=""/>
+        <p:cNvGrpSpPr/>
+        <p:nvPr/>
+      </p:nvGrpSpPr>
+      <p:grpSpPr>
+        <a:xfrm>
+          <a:off x="0" y="0"/>
+          <a:ext cx="0" cy="0"/>
+          <a:chOff x="0" y="0"/>
+          <a:chExt cx="0" cy="0"/>
+        </a:xfrm>
+      </p:grpSpPr>
+      <p:sp>
+        <p:nvSpPr>
+          <p:cNvPr id="318" name="Titel 1"/>
+          <p:cNvSpPr txBox="1">
+            <a:spLocks noGrp="1"/>
+          </p:cNvSpPr>
+          <p:nvPr>
+            <p:ph type="title"/>
+          </p:nvPr>
+        </p:nvSpPr>
+        <p:spPr>
+          <a:prstGeom prst="rect">
+            <a:avLst/>
+          </a:prstGeom>
+        </p:spPr>
+        <p:txBody>
+          <a:bodyPr/>
+          <a:lstStyle/>
+          <a:p>
+            <a:r>
+              <a:t>kWP per Topology: Results</a:t>
+            </a:r>
+          </a:p>
+        </p:txBody>
+      </p:sp>
+      <p:grpSp>
+        <p:nvGrpSpPr>
+          <p:cNvPr id="321" name="Rechteck 6"/>
+          <p:cNvGrpSpPr/>
+          <p:nvPr/>
+        </p:nvGrpSpPr>
+        <p:grpSpPr>
+          <a:xfrm>
+            <a:off x="2" y="0"/>
+            <a:ext cx="1500330" cy="365125"/>
+            <a:chOff x="1" y="0"/>
+            <a:chExt cx="1500329" cy="365125"/>
+          </a:xfrm>
+        </p:grpSpPr>
+        <p:sp>
+          <p:nvSpPr>
+            <p:cNvPr id="319" name="Rechteck"/>
+            <p:cNvSpPr/>
+            <p:nvPr/>
+          </p:nvSpPr>
+          <p:spPr>
+            <a:xfrm>
+              <a:off x="1" y="0"/>
+              <a:ext cx="1500330" cy="365125"/>
+            </a:xfrm>
+            <a:prstGeom prst="rect">
+              <a:avLst/>
+            </a:prstGeom>
+            <a:gradFill flip="none" rotWithShape="1">
+              <a:gsLst>
+                <a:gs pos="0">
+                  <a:schemeClr val="accent3">
+                    <a:lumOff val="17344"/>
+                  </a:schemeClr>
+                </a:gs>
+                <a:gs pos="50000">
+                  <a:srgbClr val="C7C7C7"/>
+                </a:gs>
+                <a:gs pos="100000">
+                  <a:schemeClr val="accent3">
+                    <a:lumOff val="10616"/>
+                  </a:schemeClr>
+                </a:gs>
+              </a:gsLst>
+              <a:lin ang="5400000" scaled="0"/>
+            </a:gradFill>
+            <a:ln w="6350" cap="flat">
+              <a:solidFill>
+                <a:schemeClr val="accent3"/>
+              </a:solidFill>
+              <a:prstDash val="solid"/>
+              <a:miter lim="800000"/>
+            </a:ln>
+            <a:effectLst/>
+          </p:spPr>
+          <p:txBody>
+            <a:bodyPr wrap="square" lIns="45719" tIns="45719" rIns="45719" bIns="45719" numCol="1" anchor="ctr">
+              <a:noAutofit/>
+            </a:bodyPr>
+            <a:lstStyle/>
+            <a:p>
+              <a:pPr algn="ctr"/>
+              <a:endParaRPr/>
+            </a:p>
+          </p:txBody>
+        </p:sp>
+        <p:sp>
+          <p:nvSpPr>
+            <p:cNvPr id="320" name="Algorithm 2"/>
+            <p:cNvSpPr txBox="1"/>
+            <p:nvPr/>
+          </p:nvSpPr>
+          <p:spPr>
+            <a:xfrm>
+              <a:off x="48896" y="16018"/>
+              <a:ext cx="1402540" cy="333086"/>
+            </a:xfrm>
+            <a:prstGeom prst="rect">
+              <a:avLst/>
+            </a:prstGeom>
+            <a:noFill/>
+            <a:ln w="12700" cap="flat">
+              <a:noFill/>
+              <a:miter lim="400000"/>
+            </a:ln>
+            <a:effectLst/>
+            <a:extLst>
+              <a:ext uri="{C572A759-6A51-4108-AA02-DFA0A04FC94B}">
+                <ma14:wrappingTextBoxFlag xmlns:ma14="http://schemas.microsoft.com/office/mac/drawingml/2011/main" xmlns:a14="http://schemas.microsoft.com/office/drawing/2010/main" xmlns:m="http://schemas.openxmlformats.org/officeDocument/2006/math" xmlns="" val="1"/>
+              </a:ext>
+            </a:extLst>
+          </p:spPr>
+          <p:txBody>
+            <a:bodyPr wrap="square" lIns="45718" tIns="45718" rIns="45718" bIns="45718" numCol="1" anchor="ctr">
+              <a:spAutoFit/>
+            </a:bodyPr>
+            <a:lstStyle>
+              <a:lvl1pPr algn="ctr"/>
+            </a:lstStyle>
+            <a:p>
+              <a:r>
+                <a:t>Algorithm 2</a:t>
+              </a:r>
+            </a:p>
+          </p:txBody>
+        </p:sp>
+      </p:grpSp>
+      <p:pic>
+        <p:nvPicPr>
+          <p:cNvPr id="322" name="kwpo_real_demands 2.pdf" descr="kwpo_real_demands 2.pdf"/>
+          <p:cNvPicPr>
+            <a:picLocks noChangeAspect="1"/>
+          </p:cNvPicPr>
+          <p:nvPr/>
+        </p:nvPicPr>
+        <p:blipFill>
+          <a:blip r:embed="rId2"/>
+          <a:stretch>
+            <a:fillRect/>
+          </a:stretch>
+        </p:blipFill>
+        <p:spPr>
+          <a:xfrm>
+            <a:off x="16223467" y="9360158"/>
+            <a:ext cx="6185099" cy="4616573"/>
+          </a:xfrm>
+          <a:prstGeom prst="rect">
+            <a:avLst/>
+          </a:prstGeom>
+          <a:ln w="12700">
+            <a:miter lim="400000"/>
+          </a:ln>
+        </p:spPr>
+      </p:pic>
+      <p:sp>
+        <p:nvSpPr>
+          <p:cNvPr id="323" name="Synthetic Demands :…"/>
+          <p:cNvSpPr txBox="1"/>
+          <p:nvPr/>
+        </p:nvSpPr>
+        <p:spPr>
+          <a:xfrm>
+            <a:off x="5855122" y="2153323"/>
+            <a:ext cx="6185099" cy="1061829"/>
+          </a:xfrm>
+          <a:prstGeom prst="rect">
+            <a:avLst/>
+          </a:prstGeom>
+          <a:ln w="12700">
+            <a:miter lim="400000"/>
+          </a:ln>
+          <a:extLst>
+            <a:ext uri="{C572A759-6A51-4108-AA02-DFA0A04FC94B}">
+              <ma14:wrappingTextBoxFlag xmlns:ma14="http://schemas.microsoft.com/office/mac/drawingml/2011/main" xmlns:a14="http://schemas.microsoft.com/office/drawing/2010/main" xmlns:m="http://schemas.openxmlformats.org/officeDocument/2006/math" xmlns="" val="1"/>
+            </a:ext>
+          </a:extLst>
+        </p:spPr>
+        <p:txBody>
+          <a:bodyPr lIns="45719" rIns="45719">
+            <a:spAutoFit/>
+          </a:bodyPr>
+          <a:lstStyle/>
+          <a:p>
+            <a:pPr>
+              <a:defRPr sz="2100"/>
+            </a:pPr>
+            <a:r>
+              <a:rPr lang="de-DE" dirty="0"/>
+              <a:t>Real</a:t>
+            </a:r>
+            <a:r>
+              <a:rPr dirty="0"/>
+              <a:t> Demands : </a:t>
+            </a:r>
+          </a:p>
+          <a:p>
+            <a:pPr>
+              <a:defRPr sz="2100"/>
+            </a:pPr>
+            <a:r>
+              <a:rPr lang="de-DE" dirty="0"/>
+              <a:t>       </a:t>
+            </a:r>
+            <a:r>
+              <a:rPr dirty="0"/>
+              <a:t> MLU improves with </a:t>
+            </a:r>
+            <a:r>
+              <a:rPr lang="de-DE" dirty="0" err="1"/>
+              <a:t>each</a:t>
+            </a:r>
+            <a:r>
+              <a:rPr lang="de-DE" dirty="0"/>
+              <a:t> </a:t>
+            </a:r>
+            <a:r>
+              <a:rPr lang="de-DE" dirty="0" err="1"/>
+              <a:t>waypoint</a:t>
+            </a:r>
+            <a:endParaRPr dirty="0"/>
+          </a:p>
+          <a:p>
+            <a:pPr>
+              <a:defRPr sz="2100"/>
+            </a:pPr>
+            <a:r>
+              <a:rPr lang="de-DE" dirty="0"/>
+              <a:t>        </a:t>
+            </a:r>
+            <a:r>
+              <a:rPr dirty="0" err="1"/>
+              <a:t>JointHeur</a:t>
+            </a:r>
+            <a:r>
+              <a:rPr lang="en-US" dirty="0"/>
+              <a:t> shows measurable reaction to limit</a:t>
+            </a:r>
+            <a:endParaRPr dirty="0"/>
+          </a:p>
+        </p:txBody>
+      </p:sp>
+      <p:pic>
+        <p:nvPicPr>
+          <p:cNvPr id="324" name="kwpo_real_demands 2.pdf" descr="kwpo_real_demands 2.pdf"/>
+          <p:cNvPicPr>
+            <a:picLocks noChangeAspect="1"/>
+          </p:cNvPicPr>
+          <p:nvPr/>
+        </p:nvPicPr>
+        <p:blipFill>
+          <a:blip r:embed="rId2"/>
+          <a:stretch>
+            <a:fillRect/>
+          </a:stretch>
+        </p:blipFill>
+        <p:spPr>
+          <a:xfrm>
+            <a:off x="122967" y="1693541"/>
+            <a:ext cx="5520751" cy="4120702"/>
+          </a:xfrm>
+          <a:prstGeom prst="rect">
+            <a:avLst/>
+          </a:prstGeom>
+          <a:ln w="12700">
+            <a:miter lim="400000"/>
+          </a:ln>
+        </p:spPr>
+      </p:pic>
+      <p:sp>
+        <p:nvSpPr>
+          <p:cNvPr id="9" name="Pfeil: nach rechts 8">
+            <a:extLst>
+              <a:ext uri="{FF2B5EF4-FFF2-40B4-BE49-F238E27FC236}">
+                <a16:creationId xmlns:a16="http://schemas.microsoft.com/office/drawing/2014/main" id="{F5A4998C-3C2F-FC9C-90E7-1D405C8B4F5E}"/>
+              </a:ext>
+            </a:extLst>
+          </p:cNvPr>
+          <p:cNvSpPr/>
+          <p:nvPr/>
+        </p:nvSpPr>
+        <p:spPr>
+          <a:xfrm>
+            <a:off x="5923183" y="2884709"/>
+            <a:ext cx="345631" cy="230909"/>
+          </a:xfrm>
+          <a:prstGeom prst="rightArrow">
+            <a:avLst/>
+          </a:prstGeom>
+          <a:ln>
+            <a:solidFill>
+              <a:schemeClr val="bg1"/>
+            </a:solidFill>
+          </a:ln>
+        </p:spPr>
+        <p:style>
+          <a:lnRef idx="2">
+            <a:schemeClr val="accent3">
+              <a:shade val="50000"/>
+            </a:schemeClr>
+          </a:lnRef>
+          <a:fillRef idx="1">
+            <a:schemeClr val="accent3"/>
+          </a:fillRef>
+          <a:effectRef idx="0">
+            <a:schemeClr val="accent3"/>
+          </a:effectRef>
+          <a:fontRef idx="minor">
+            <a:schemeClr val="lt1"/>
+          </a:fontRef>
+        </p:style>
+        <p:txBody>
+          <a:bodyPr rtlCol="0" anchor="ctr"/>
+          <a:lstStyle/>
+          <a:p>
+            <a:pPr algn="ctr"/>
+            <a:endParaRPr lang="de-DE"/>
+          </a:p>
+        </p:txBody>
+      </p:sp>
+      <p:sp>
+        <p:nvSpPr>
+          <p:cNvPr id="10" name="Pfeil: nach rechts 9">
+            <a:extLst>
+              <a:ext uri="{FF2B5EF4-FFF2-40B4-BE49-F238E27FC236}">
+                <a16:creationId xmlns:a16="http://schemas.microsoft.com/office/drawing/2014/main" id="{DE63414F-98FC-2CA4-ABF3-634E7D53C187}"/>
+              </a:ext>
+            </a:extLst>
+          </p:cNvPr>
+          <p:cNvSpPr/>
+          <p:nvPr/>
+        </p:nvSpPr>
+        <p:spPr>
+          <a:xfrm>
+            <a:off x="5923184" y="2587201"/>
+            <a:ext cx="345631" cy="230909"/>
+          </a:xfrm>
+          <a:prstGeom prst="rightArrow">
+            <a:avLst/>
+          </a:prstGeom>
+          <a:ln>
+            <a:solidFill>
+              <a:schemeClr val="bg1"/>
+            </a:solidFill>
+          </a:ln>
+        </p:spPr>
+        <p:style>
+          <a:lnRef idx="2">
+            <a:schemeClr val="accent3">
+              <a:shade val="50000"/>
+            </a:schemeClr>
+          </a:lnRef>
+          <a:fillRef idx="1">
+            <a:schemeClr val="accent3"/>
+          </a:fillRef>
+          <a:effectRef idx="0">
+            <a:schemeClr val="accent3"/>
+          </a:effectRef>
+          <a:fontRef idx="minor">
+            <a:schemeClr val="lt1"/>
+          </a:fontRef>
+        </p:style>
+        <p:txBody>
+          <a:bodyPr rtlCol="0" anchor="ctr"/>
+          <a:lstStyle/>
+          <a:p>
+            <a:pPr algn="ctr"/>
+            <a:endParaRPr lang="de-DE"/>
+          </a:p>
+        </p:txBody>
+      </p:sp>
+    </p:spTree>
+  </p:cSld>
+  <p:clrMapOvr>
+    <a:masterClrMapping/>
+  </p:clrMapOvr>
+</p:sld>
+</file>
+
+<file path=ppt/slides/slide17.xml><?xml version="1.0" encoding="utf-8"?>
+<p:sld xmlns:a="http://schemas.openxmlformats.org/drawingml/2006/main" xmlns:r="http://schemas.openxmlformats.org/officeDocument/2006/relationships" xmlns:p="http://schemas.openxmlformats.org/presentationml/2006/main">
+  <p:cSld>
+    <p:spTree>
+      <p:nvGrpSpPr>
+        <p:cNvPr id="1" name=""/>
+        <p:cNvGrpSpPr/>
+        <p:nvPr/>
+      </p:nvGrpSpPr>
+      <p:grpSpPr>
+        <a:xfrm>
+          <a:off x="0" y="0"/>
+          <a:ext cx="0" cy="0"/>
+          <a:chOff x="0" y="0"/>
+          <a:chExt cx="0" cy="0"/>
+        </a:xfrm>
+      </p:grpSpPr>
+      <p:sp>
+        <p:nvSpPr>
+          <p:cNvPr id="326" name="Titel 1"/>
+          <p:cNvSpPr txBox="1">
+            <a:spLocks noGrp="1"/>
+          </p:cNvSpPr>
+          <p:nvPr>
+            <p:ph type="title"/>
+          </p:nvPr>
+        </p:nvSpPr>
+        <p:spPr>
+          <a:prstGeom prst="rect">
+            <a:avLst/>
+          </a:prstGeom>
+        </p:spPr>
+        <p:txBody>
+          <a:bodyPr/>
+          <a:lstStyle/>
+          <a:p>
+            <a:r>
+              <a:t>kWP per Topology: Results</a:t>
+            </a:r>
+          </a:p>
+        </p:txBody>
+      </p:sp>
+      <p:grpSp>
+        <p:nvGrpSpPr>
+          <p:cNvPr id="329" name="Rechteck 6"/>
+          <p:cNvGrpSpPr/>
+          <p:nvPr/>
+        </p:nvGrpSpPr>
+        <p:grpSpPr>
+          <a:xfrm>
+            <a:off x="2" y="0"/>
+            <a:ext cx="1500330" cy="365125"/>
+            <a:chOff x="1" y="0"/>
+            <a:chExt cx="1500329" cy="365125"/>
+          </a:xfrm>
+        </p:grpSpPr>
+        <p:sp>
+          <p:nvSpPr>
+            <p:cNvPr id="327" name="Rechteck"/>
+            <p:cNvSpPr/>
+            <p:nvPr/>
+          </p:nvSpPr>
+          <p:spPr>
+            <a:xfrm>
+              <a:off x="1" y="0"/>
+              <a:ext cx="1500330" cy="365125"/>
+            </a:xfrm>
+            <a:prstGeom prst="rect">
+              <a:avLst/>
+            </a:prstGeom>
+            <a:gradFill flip="none" rotWithShape="1">
+              <a:gsLst>
+                <a:gs pos="0">
+                  <a:schemeClr val="accent3">
+                    <a:lumOff val="17344"/>
+                  </a:schemeClr>
+                </a:gs>
+                <a:gs pos="50000">
+                  <a:srgbClr val="C7C7C7"/>
+                </a:gs>
+                <a:gs pos="100000">
+                  <a:schemeClr val="accent3">
+                    <a:lumOff val="10616"/>
+                  </a:schemeClr>
+                </a:gs>
+              </a:gsLst>
+              <a:lin ang="5400000" scaled="0"/>
+            </a:gradFill>
+            <a:ln w="6350" cap="flat">
+              <a:solidFill>
+                <a:schemeClr val="accent3"/>
+              </a:solidFill>
+              <a:prstDash val="solid"/>
+              <a:miter lim="800000"/>
+            </a:ln>
+            <a:effectLst/>
+          </p:spPr>
+          <p:txBody>
+            <a:bodyPr wrap="square" lIns="45719" tIns="45719" rIns="45719" bIns="45719" numCol="1" anchor="ctr">
+              <a:noAutofit/>
+            </a:bodyPr>
+            <a:lstStyle/>
+            <a:p>
+              <a:pPr algn="ctr"/>
+              <a:endParaRPr/>
+            </a:p>
+          </p:txBody>
+        </p:sp>
+        <p:sp>
+          <p:nvSpPr>
+            <p:cNvPr id="328" name="Algorithm 2"/>
+            <p:cNvSpPr txBox="1"/>
+            <p:nvPr/>
+          </p:nvSpPr>
+          <p:spPr>
+            <a:xfrm>
+              <a:off x="48896" y="16018"/>
+              <a:ext cx="1402540" cy="333086"/>
+            </a:xfrm>
+            <a:prstGeom prst="rect">
+              <a:avLst/>
+            </a:prstGeom>
+            <a:noFill/>
+            <a:ln w="12700" cap="flat">
+              <a:noFill/>
+              <a:miter lim="400000"/>
+            </a:ln>
+            <a:effectLst/>
+            <a:extLst>
+              <a:ext uri="{C572A759-6A51-4108-AA02-DFA0A04FC94B}">
+                <ma14:wrappingTextBoxFlag xmlns:ma14="http://schemas.microsoft.com/office/mac/drawingml/2011/main" xmlns:a14="http://schemas.microsoft.com/office/drawing/2010/main" xmlns:m="http://schemas.openxmlformats.org/officeDocument/2006/math" xmlns="" val="1"/>
+              </a:ext>
+            </a:extLst>
+          </p:spPr>
+          <p:txBody>
+            <a:bodyPr wrap="square" lIns="45718" tIns="45718" rIns="45718" bIns="45718" numCol="1" anchor="ctr">
+              <a:spAutoFit/>
+            </a:bodyPr>
+            <a:lstStyle>
+              <a:lvl1pPr algn="ctr"/>
+            </a:lstStyle>
+            <a:p>
+              <a:r>
+                <a:t>Algorithm 2</a:t>
+              </a:r>
+            </a:p>
+          </p:txBody>
+        </p:sp>
+      </p:grpSp>
+      <p:pic>
+        <p:nvPicPr>
+          <p:cNvPr id="330" name="kwp_all_topologies 3.pdf" descr="kwp_all_topologies 3.pdf"/>
+          <p:cNvPicPr>
+            <a:picLocks noChangeAspect="1"/>
+          </p:cNvPicPr>
+          <p:nvPr/>
+        </p:nvPicPr>
+        <p:blipFill>
+          <a:blip r:embed="rId2"/>
+          <a:stretch>
+            <a:fillRect/>
+          </a:stretch>
+        </p:blipFill>
+        <p:spPr>
+          <a:xfrm>
+            <a:off x="84504" y="2030186"/>
+            <a:ext cx="12192001" cy="4029877"/>
+          </a:xfrm>
+          <a:prstGeom prst="rect">
+            <a:avLst/>
+          </a:prstGeom>
+          <a:ln w="12700">
+            <a:miter lim="400000"/>
+          </a:ln>
+        </p:spPr>
+      </p:pic>
+    </p:spTree>
+  </p:cSld>
+  <p:clrMapOvr>
+    <a:masterClrMapping/>
+  </p:clrMapOvr>
+</p:sld>
+</file>
+
+<file path=ppt/slides/slide18.xml><?xml version="1.0" encoding="utf-8"?>
+<p:sld xmlns:a="http://schemas.openxmlformats.org/drawingml/2006/main" xmlns:r="http://schemas.openxmlformats.org/officeDocument/2006/relationships" xmlns:p="http://schemas.openxmlformats.org/presentationml/2006/main">
+  <p:cSld>
+    <p:spTree>
+      <p:nvGrpSpPr>
+        <p:cNvPr id="1" name=""/>
+        <p:cNvGrpSpPr/>
+        <p:nvPr/>
+      </p:nvGrpSpPr>
+      <p:grpSpPr>
+        <a:xfrm>
+          <a:off x="0" y="0"/>
+          <a:ext cx="0" cy="0"/>
+          <a:chOff x="0" y="0"/>
+          <a:chExt cx="0" cy="0"/>
+        </a:xfrm>
+      </p:grpSpPr>
+      <p:sp>
+        <p:nvSpPr>
+          <p:cNvPr id="332" name="Titel 1"/>
+          <p:cNvSpPr txBox="1">
+            <a:spLocks noGrp="1"/>
+          </p:cNvSpPr>
+          <p:nvPr>
+            <p:ph type="title"/>
+          </p:nvPr>
+        </p:nvSpPr>
+        <p:spPr>
+          <a:prstGeom prst="rect">
+            <a:avLst/>
+          </a:prstGeom>
+        </p:spPr>
+        <p:txBody>
+          <a:bodyPr/>
+          <a:lstStyle/>
+          <a:p>
+            <a:r>
+              <a:rPr dirty="0" err="1"/>
+              <a:t>kWP</a:t>
+            </a:r>
+            <a:r>
+              <a:rPr dirty="0"/>
+              <a:t> per Topology: Results</a:t>
+            </a:r>
+          </a:p>
+        </p:txBody>
+      </p:sp>
+      <p:grpSp>
+        <p:nvGrpSpPr>
+          <p:cNvPr id="335" name="Rechteck 6"/>
+          <p:cNvGrpSpPr/>
+          <p:nvPr/>
+        </p:nvGrpSpPr>
+        <p:grpSpPr>
+          <a:xfrm>
+            <a:off x="2" y="0"/>
+            <a:ext cx="1500330" cy="365125"/>
+            <a:chOff x="1" y="0"/>
+            <a:chExt cx="1500329" cy="365125"/>
+          </a:xfrm>
+        </p:grpSpPr>
+        <p:sp>
+          <p:nvSpPr>
+            <p:cNvPr id="333" name="Rechteck"/>
+            <p:cNvSpPr/>
+            <p:nvPr/>
+          </p:nvSpPr>
+          <p:spPr>
+            <a:xfrm>
+              <a:off x="1" y="0"/>
+              <a:ext cx="1500330" cy="365125"/>
+            </a:xfrm>
+            <a:prstGeom prst="rect">
+              <a:avLst/>
+            </a:prstGeom>
+            <a:gradFill flip="none" rotWithShape="1">
+              <a:gsLst>
+                <a:gs pos="0">
+                  <a:schemeClr val="accent3">
+                    <a:lumOff val="17344"/>
+                  </a:schemeClr>
+                </a:gs>
+                <a:gs pos="50000">
+                  <a:srgbClr val="C7C7C7"/>
+                </a:gs>
+                <a:gs pos="100000">
+                  <a:schemeClr val="accent3">
+                    <a:lumOff val="10616"/>
+                  </a:schemeClr>
+                </a:gs>
+              </a:gsLst>
+              <a:lin ang="5400000" scaled="0"/>
+            </a:gradFill>
+            <a:ln w="6350" cap="flat">
+              <a:solidFill>
+                <a:schemeClr val="accent3"/>
+              </a:solidFill>
+              <a:prstDash val="solid"/>
+              <a:miter lim="800000"/>
+            </a:ln>
+            <a:effectLst/>
+          </p:spPr>
+          <p:txBody>
+            <a:bodyPr wrap="square" lIns="45719" tIns="45719" rIns="45719" bIns="45719" numCol="1" anchor="ctr">
+              <a:noAutofit/>
+            </a:bodyPr>
+            <a:lstStyle/>
+            <a:p>
+              <a:pPr algn="ctr"/>
+              <a:endParaRPr/>
+            </a:p>
+          </p:txBody>
+        </p:sp>
+        <p:sp>
+          <p:nvSpPr>
+            <p:cNvPr id="334" name="Algorithm 2"/>
+            <p:cNvSpPr txBox="1"/>
+            <p:nvPr/>
+          </p:nvSpPr>
+          <p:spPr>
+            <a:xfrm>
+              <a:off x="48896" y="16018"/>
+              <a:ext cx="1402540" cy="333086"/>
+            </a:xfrm>
+            <a:prstGeom prst="rect">
+              <a:avLst/>
+            </a:prstGeom>
+            <a:noFill/>
+            <a:ln w="12700" cap="flat">
+              <a:noFill/>
+              <a:miter lim="400000"/>
+            </a:ln>
+            <a:effectLst/>
+            <a:extLst>
+              <a:ext uri="{C572A759-6A51-4108-AA02-DFA0A04FC94B}">
+                <ma14:wrappingTextBoxFlag xmlns:ma14="http://schemas.microsoft.com/office/mac/drawingml/2011/main" xmlns:a14="http://schemas.microsoft.com/office/drawing/2010/main" xmlns:m="http://schemas.openxmlformats.org/officeDocument/2006/math" xmlns="" val="1"/>
+              </a:ext>
+            </a:extLst>
+          </p:spPr>
+          <p:txBody>
+            <a:bodyPr wrap="square" lIns="45718" tIns="45718" rIns="45718" bIns="45718" numCol="1" anchor="ctr">
+              <a:spAutoFit/>
+            </a:bodyPr>
+            <a:lstStyle>
+              <a:lvl1pPr algn="ctr"/>
+            </a:lstStyle>
+            <a:p>
+              <a:r>
+                <a:t>Algorithm 2</a:t>
+              </a:r>
+            </a:p>
+          </p:txBody>
+        </p:sp>
+      </p:grpSp>
+      <p:pic>
+        <p:nvPicPr>
+          <p:cNvPr id="336" name="Bildschirmfoto 2022-05-23 um 12.23.19.png" descr="Bildschirmfoto 2022-05-23 um 12.23.19.png"/>
+          <p:cNvPicPr>
+            <a:picLocks noChangeAspect="1"/>
+          </p:cNvPicPr>
+          <p:nvPr/>
+        </p:nvPicPr>
+        <p:blipFill>
+          <a:blip r:embed="rId2"/>
+          <a:stretch>
+            <a:fillRect/>
+          </a:stretch>
+        </p:blipFill>
+        <p:spPr>
+          <a:xfrm>
+            <a:off x="5175580" y="1586573"/>
+            <a:ext cx="2082801" cy="4864101"/>
+          </a:xfrm>
+          <a:prstGeom prst="rect">
+            <a:avLst/>
+          </a:prstGeom>
+          <a:ln w="12700">
+            <a:miter lim="400000"/>
+          </a:ln>
+        </p:spPr>
+      </p:pic>
+      <p:pic>
+        <p:nvPicPr>
+          <p:cNvPr id="337" name="Bildschirmfoto 2022-05-23 um 12.23.01.png" descr="Bildschirmfoto 2022-05-23 um 12.23.01.png"/>
+          <p:cNvPicPr>
+            <a:picLocks noChangeAspect="1"/>
+          </p:cNvPicPr>
+          <p:nvPr/>
+        </p:nvPicPr>
+        <p:blipFill>
+          <a:blip r:embed="rId3"/>
+          <a:stretch>
+            <a:fillRect/>
+          </a:stretch>
+        </p:blipFill>
+        <p:spPr>
+          <a:xfrm>
+            <a:off x="2895599" y="1513548"/>
+            <a:ext cx="2082801" cy="4864101"/>
+          </a:xfrm>
+          <a:prstGeom prst="rect">
+            <a:avLst/>
+          </a:prstGeom>
+          <a:ln w="12700">
+            <a:miter lim="400000"/>
+          </a:ln>
+        </p:spPr>
+      </p:pic>
+      <p:pic>
+        <p:nvPicPr>
+          <p:cNvPr id="338" name="Bildschirmfoto 2022-05-23 um 12.22.51.png" descr="Bildschirmfoto 2022-05-23 um 12.22.51.png"/>
+          <p:cNvPicPr>
+            <a:picLocks noChangeAspect="1"/>
+          </p:cNvPicPr>
+          <p:nvPr/>
+        </p:nvPicPr>
+        <p:blipFill>
+          <a:blip r:embed="rId4"/>
+          <a:stretch>
+            <a:fillRect/>
+          </a:stretch>
+        </p:blipFill>
+        <p:spPr>
+          <a:xfrm>
+            <a:off x="691819" y="1586573"/>
+            <a:ext cx="2006601" cy="4864101"/>
+          </a:xfrm>
+          <a:prstGeom prst="rect">
+            <a:avLst/>
+          </a:prstGeom>
+          <a:ln w="12700">
+            <a:miter lim="400000"/>
+          </a:ln>
+        </p:spPr>
+      </p:pic>
+      <mc:AlternateContent xmlns:mc="http://schemas.openxmlformats.org/markup-compatibility/2006">
+        <mc:Choice xmlns:a14="http://schemas.microsoft.com/office/drawing/2010/main" Requires="a14">
+          <p:sp>
+            <p:nvSpPr>
+              <p:cNvPr id="339" name="All Topologies:…"/>
+              <p:cNvSpPr txBox="1"/>
+              <p:nvPr/>
+            </p:nvSpPr>
+            <p:spPr>
+              <a:xfrm>
+                <a:off x="7902389" y="1963518"/>
+                <a:ext cx="4146736" cy="738664"/>
+              </a:xfrm>
+              <a:prstGeom prst="rect">
+                <a:avLst/>
+              </a:prstGeom>
+              <a:ln w="12700">
+                <a:miter lim="400000"/>
+              </a:ln>
+              <a:extLst>
+                <a:ext uri="{C572A759-6A51-4108-AA02-DFA0A04FC94B}">
+                  <ma14:wrappingTextBoxFlag xmlns:ma14="http://schemas.microsoft.com/office/mac/drawingml/2011/main" xmlns:m="http://schemas.openxmlformats.org/officeDocument/2006/math" xmlns="" val="1"/>
+                </a:ext>
+              </a:extLst>
+            </p:spPr>
+            <p:txBody>
+              <a:bodyPr wrap="square" lIns="45719" rIns="45719">
+                <a:spAutoFit/>
+              </a:bodyPr>
+              <a:lstStyle/>
+              <a:p>
+                <a:pPr>
+                  <a:defRPr sz="2100"/>
+                </a:pPr>
+                <a:r>
+                  <a:rPr lang="en-US" dirty="0"/>
+                  <a:t>most Topologies create </a:t>
+                </a:r>
+                <a14:m>
+                  <m:oMath xmlns:m="http://schemas.openxmlformats.org/officeDocument/2006/math">
+                    <m:r>
+                      <a:rPr lang="en-US" b="0" i="1" smtClean="0">
+                        <a:latin typeface="Cambria Math" panose="02040503050406030204" pitchFamily="18" charset="0"/>
+                      </a:rPr>
+                      <m:t>≤</m:t>
+                    </m:r>
+                    <m:r>
+                      <a:rPr lang="de-DE" b="0" i="1" smtClean="0">
+                        <a:latin typeface="Cambria Math" panose="02040503050406030204" pitchFamily="18" charset="0"/>
+                      </a:rPr>
+                      <m:t>3</m:t>
+                    </m:r>
+                    <m:r>
+                      <a:rPr lang="de-DE" b="0" i="1" smtClean="0">
+                        <a:latin typeface="Cambria Math" panose="02040503050406030204" pitchFamily="18" charset="0"/>
+                      </a:rPr>
+                      <m:t> </m:t>
+                    </m:r>
+                    <m:r>
+                      <a:rPr lang="de-DE" b="0" i="1" smtClean="0">
+                        <a:latin typeface="Cambria Math" panose="02040503050406030204" pitchFamily="18" charset="0"/>
+                      </a:rPr>
+                      <m:t>𝑊𝑃</m:t>
+                    </m:r>
+                  </m:oMath>
+                </a14:m>
+                <a:endParaRPr lang="en-US" dirty="0"/>
+              </a:p>
+              <a:p>
+                <a:pPr>
+                  <a:defRPr sz="2100"/>
+                </a:pPr>
+                <a:r>
+                  <a:rPr lang="en-US" dirty="0"/>
+                  <a:t>others are clearly missing useful WPs </a:t>
+                </a:r>
+                <a:endParaRPr dirty="0"/>
+              </a:p>
+            </p:txBody>
+          </p:sp>
+        </mc:Choice>
+        <mc:Fallback>
+          <p:sp>
+            <p:nvSpPr>
+              <p:cNvPr id="339" name="All Topologies:…"/>
+              <p:cNvSpPr txBox="1">
+                <a:spLocks noRot="1" noChangeAspect="1" noMove="1" noResize="1" noEditPoints="1" noAdjustHandles="1" noChangeArrowheads="1" noChangeShapeType="1" noTextEdit="1"/>
+              </p:cNvSpPr>
+              <p:nvPr/>
+            </p:nvSpPr>
+            <p:spPr>
+              <a:xfrm>
+                <a:off x="7902389" y="1963518"/>
+                <a:ext cx="4146736" cy="738664"/>
+              </a:xfrm>
+              <a:prstGeom prst="rect">
+                <a:avLst/>
+              </a:prstGeom>
+              <a:blipFill>
+                <a:blip r:embed="rId5"/>
+                <a:stretch>
+                  <a:fillRect l="-2790" t="-4959" r="-3084" b="-15702"/>
+                </a:stretch>
+              </a:blipFill>
+              <a:ln w="12700">
+                <a:miter lim="400000"/>
+              </a:ln>
+              <a:extLst>
+                <a:ext uri="{C572A759-6A51-4108-AA02-DFA0A04FC94B}">
+                  <ma14:wrappingTextBoxFlag xmlns:ma14="http://schemas.microsoft.com/office/mac/drawingml/2011/main" xmlns:a14="http://schemas.microsoft.com/office/drawing/2010/main" xmlns:m="http://schemas.openxmlformats.org/officeDocument/2006/math" xmlns="" val="1"/>
+                </a:ext>
+              </a:extLst>
+            </p:spPr>
+            <p:txBody>
+              <a:bodyPr/>
+              <a:lstStyle/>
+              <a:p>
+                <a:r>
+                  <a:rPr lang="de-DE">
+                    <a:noFill/>
+                  </a:rPr>
+                  <a:t> </a:t>
+                </a:r>
+              </a:p>
+            </p:txBody>
+          </p:sp>
+        </mc:Fallback>
+      </mc:AlternateContent>
+      <p:sp>
+        <p:nvSpPr>
+          <p:cNvPr id="10" name="Pfeil: nach rechts 9">
+            <a:extLst>
+              <a:ext uri="{FF2B5EF4-FFF2-40B4-BE49-F238E27FC236}">
+                <a16:creationId xmlns:a16="http://schemas.microsoft.com/office/drawing/2014/main" id="{2AFE4EA0-8615-2A73-1EE1-048A97BD92DC}"/>
+              </a:ext>
+            </a:extLst>
+          </p:cNvPr>
+          <p:cNvSpPr/>
+          <p:nvPr/>
+        </p:nvSpPr>
+        <p:spPr>
+          <a:xfrm>
+            <a:off x="7556759" y="2070624"/>
+            <a:ext cx="348265" cy="230909"/>
+          </a:xfrm>
+          <a:prstGeom prst="rightArrow">
+            <a:avLst/>
+          </a:prstGeom>
+          <a:ln>
+            <a:solidFill>
+              <a:schemeClr val="bg1"/>
+            </a:solidFill>
+          </a:ln>
+        </p:spPr>
+        <p:style>
+          <a:lnRef idx="2">
+            <a:schemeClr val="accent3">
+              <a:shade val="50000"/>
+            </a:schemeClr>
+          </a:lnRef>
+          <a:fillRef idx="1">
+            <a:schemeClr val="accent3"/>
+          </a:fillRef>
+          <a:effectRef idx="0">
+            <a:schemeClr val="accent3"/>
+          </a:effectRef>
+          <a:fontRef idx="minor">
+            <a:schemeClr val="lt1"/>
+          </a:fontRef>
+        </p:style>
+        <p:txBody>
+          <a:bodyPr rtlCol="0" anchor="ctr"/>
+          <a:lstStyle/>
+          <a:p>
+            <a:pPr algn="ctr"/>
+            <a:endParaRPr lang="de-DE"/>
+          </a:p>
+        </p:txBody>
+      </p:sp>
+      <p:sp>
+        <p:nvSpPr>
+          <p:cNvPr id="11" name="Pfeil: nach rechts 10">
+            <a:extLst>
+              <a:ext uri="{FF2B5EF4-FFF2-40B4-BE49-F238E27FC236}">
+                <a16:creationId xmlns:a16="http://schemas.microsoft.com/office/drawing/2014/main" id="{8C288D48-E086-1230-8D2C-B523409EBB76}"/>
+              </a:ext>
+            </a:extLst>
+          </p:cNvPr>
+          <p:cNvSpPr/>
+          <p:nvPr/>
+        </p:nvSpPr>
+        <p:spPr>
+          <a:xfrm>
+            <a:off x="7556758" y="2408639"/>
+            <a:ext cx="348265" cy="230909"/>
+          </a:xfrm>
+          <a:prstGeom prst="rightArrow">
+            <a:avLst/>
+          </a:prstGeom>
+          <a:ln>
+            <a:solidFill>
+              <a:schemeClr val="bg1"/>
+            </a:solidFill>
+          </a:ln>
+        </p:spPr>
+        <p:style>
+          <a:lnRef idx="2">
+            <a:schemeClr val="accent3">
+              <a:shade val="50000"/>
+            </a:schemeClr>
+          </a:lnRef>
+          <a:fillRef idx="1">
+            <a:schemeClr val="accent3"/>
+          </a:fillRef>
+          <a:effectRef idx="0">
+            <a:schemeClr val="accent3"/>
+          </a:effectRef>
+          <a:fontRef idx="minor">
+            <a:schemeClr val="lt1"/>
+          </a:fontRef>
+        </p:style>
+        <p:txBody>
+          <a:bodyPr rtlCol="0" anchor="ctr"/>
+          <a:lstStyle/>
+          <a:p>
+            <a:pPr algn="ctr"/>
+            <a:endParaRPr lang="de-DE"/>
+          </a:p>
+        </p:txBody>
+      </p:sp>
+      <p:sp>
+        <p:nvSpPr>
+          <p:cNvPr id="2" name="Textfeld 1">
+            <a:extLst>
+              <a:ext uri="{FF2B5EF4-FFF2-40B4-BE49-F238E27FC236}">
+                <a16:creationId xmlns:a16="http://schemas.microsoft.com/office/drawing/2014/main" id="{A6C3C612-ECC5-8D4E-9E94-7C23443A393B}"/>
+              </a:ext>
+            </a:extLst>
+          </p:cNvPr>
+          <p:cNvSpPr txBox="1"/>
+          <p:nvPr/>
+        </p:nvSpPr>
+        <p:spPr>
+          <a:xfrm>
+            <a:off x="7409323" y="1640315"/>
+            <a:ext cx="3502094" cy="415498"/>
+          </a:xfrm>
+          <a:prstGeom prst="rect">
+            <a:avLst/>
+          </a:prstGeom>
+          <a:noFill/>
+        </p:spPr>
+        <p:txBody>
+          <a:bodyPr wrap="square" rtlCol="0">
+            <a:spAutoFit/>
+          </a:bodyPr>
+          <a:lstStyle/>
+          <a:p>
+            <a:r>
+              <a:rPr lang="en-US" sz="2100" dirty="0"/>
+              <a:t>Test over multiple Topologies:</a:t>
+            </a:r>
+          </a:p>
+        </p:txBody>
+      </p:sp>
+    </p:spTree>
+  </p:cSld>
+  <p:clrMapOvr>
+    <a:masterClrMapping/>
+  </p:clrMapOvr>
+</p:sld>
+</file>
+
+<file path=ppt/slides/slide19.xml><?xml version="1.0" encoding="utf-8"?>
+<p:sld xmlns:a="http://schemas.openxmlformats.org/drawingml/2006/main" xmlns:r="http://schemas.openxmlformats.org/officeDocument/2006/relationships" xmlns:p="http://schemas.openxmlformats.org/presentationml/2006/main">
+  <p:cSld>
+    <p:spTree>
+      <p:nvGrpSpPr>
+        <p:cNvPr id="1" name=""/>
+        <p:cNvGrpSpPr/>
+        <p:nvPr/>
+      </p:nvGrpSpPr>
+      <p:grpSpPr>
+        <a:xfrm>
+          <a:off x="0" y="0"/>
+          <a:ext cx="0" cy="0"/>
+          <a:chOff x="0" y="0"/>
+          <a:chExt cx="0" cy="0"/>
+        </a:xfrm>
+      </p:grpSpPr>
+      <p:sp>
+        <p:nvSpPr>
           <p:cNvPr id="242" name="Titel 1"/>
           <p:cNvSpPr txBox="1">
             <a:spLocks noGrp="1"/>
@@ -6186,7 +8280,7 @@
               </a:ln>
               <a:extLst>
                 <a:ext uri="{C572A759-6A51-4108-AA02-DFA0A04FC94B}">
-                  <ma14:wrappingTextBoxFlag xmlns:ma14="http://schemas.microsoft.com/office/mac/drawingml/2011/main" xmlns:m="http://schemas.openxmlformats.org/officeDocument/2006/math" xmlns="" val="1"/>
+                  <ma14:wrappingTextBoxFlag xmlns="" xmlns:m="http://schemas.openxmlformats.org/officeDocument/2006/math" xmlns:ma14="http://schemas.microsoft.com/office/mac/drawingml/2011/main" val="1"/>
                 </a:ext>
               </a:extLst>
             </p:spPr>
@@ -6761,7 +8855,7 @@
             <a:effectLst/>
             <a:extLst>
               <a:ext uri="{C572A759-6A51-4108-AA02-DFA0A04FC94B}">
-                <ma14:wrappingTextBoxFlag xmlns:ma14="http://schemas.microsoft.com/office/mac/drawingml/2011/main" xmlns:a14="http://schemas.microsoft.com/office/drawing/2010/main" xmlns:m="http://schemas.openxmlformats.org/officeDocument/2006/math" xmlns="" val="1"/>
+                <ma14:wrappingTextBoxFlag xmlns="" xmlns:m="http://schemas.openxmlformats.org/officeDocument/2006/math" xmlns:a14="http://schemas.microsoft.com/office/drawing/2010/main" xmlns:ma14="http://schemas.microsoft.com/office/mac/drawingml/2011/main" val="1"/>
               </a:ext>
             </a:extLst>
           </p:spPr>
@@ -6799,7 +8893,162 @@
 </p:sld>
 </file>
 
-<file path=ppt/slides/slide15.xml><?xml version="1.0" encoding="utf-8"?>
+<file path=ppt/slides/slide2.xml><?xml version="1.0" encoding="utf-8"?>
+<p:sld xmlns:a="http://schemas.openxmlformats.org/drawingml/2006/main" xmlns:r="http://schemas.openxmlformats.org/officeDocument/2006/relationships" xmlns:p="http://schemas.openxmlformats.org/presentationml/2006/main">
+  <p:cSld>
+    <p:spTree>
+      <p:nvGrpSpPr>
+        <p:cNvPr id="1" name=""/>
+        <p:cNvGrpSpPr/>
+        <p:nvPr/>
+      </p:nvGrpSpPr>
+      <p:grpSpPr>
+        <a:xfrm>
+          <a:off x="0" y="0"/>
+          <a:ext cx="0" cy="0"/>
+          <a:chOff x="0" y="0"/>
+          <a:chExt cx="0" cy="0"/>
+        </a:xfrm>
+      </p:grpSpPr>
+      <p:sp>
+        <p:nvSpPr>
+          <p:cNvPr id="2" name="Titel 1">
+            <a:extLst>
+              <a:ext uri="{FF2B5EF4-FFF2-40B4-BE49-F238E27FC236}">
+                <a16:creationId xmlns:a16="http://schemas.microsoft.com/office/drawing/2014/main" id="{F00CFE46-E3DF-4C24-9233-D380C5DC2F13}"/>
+              </a:ext>
+            </a:extLst>
+          </p:cNvPr>
+          <p:cNvSpPr>
+            <a:spLocks noGrp="1"/>
+          </p:cNvSpPr>
+          <p:nvPr>
+            <p:ph type="title"/>
+          </p:nvPr>
+        </p:nvSpPr>
+        <p:spPr/>
+        <p:txBody>
+          <a:bodyPr/>
+          <a:lstStyle/>
+          <a:p>
+            <a:r>
+              <a:rPr lang="de-DE" dirty="0"/>
+              <a:t>Table </a:t>
+            </a:r>
+            <a:r>
+              <a:rPr lang="de-DE" dirty="0" err="1"/>
+              <a:t>of</a:t>
+            </a:r>
+            <a:r>
+              <a:rPr lang="de-DE" dirty="0"/>
+              <a:t> Contents</a:t>
+            </a:r>
+          </a:p>
+        </p:txBody>
+      </p:sp>
+      <p:sp>
+        <p:nvSpPr>
+          <p:cNvPr id="3" name="Inhaltsplatzhalter 2">
+            <a:extLst>
+              <a:ext uri="{FF2B5EF4-FFF2-40B4-BE49-F238E27FC236}">
+                <a16:creationId xmlns:a16="http://schemas.microsoft.com/office/drawing/2014/main" id="{37A1CA1C-0043-AE66-1D26-FE3EE9D8FA01}"/>
+              </a:ext>
+            </a:extLst>
+          </p:cNvPr>
+          <p:cNvSpPr>
+            <a:spLocks noGrp="1"/>
+          </p:cNvSpPr>
+          <p:nvPr>
+            <p:ph idx="1"/>
+          </p:nvPr>
+        </p:nvSpPr>
+        <p:spPr/>
+        <p:txBody>
+          <a:bodyPr>
+            <a:normAutofit/>
+          </a:bodyPr>
+          <a:lstStyle/>
+          <a:p>
+            <a:r>
+              <a:rPr lang="de-DE" dirty="0" err="1"/>
+              <a:t>Foundation</a:t>
+            </a:r>
+            <a:endParaRPr lang="de-DE" dirty="0"/>
+          </a:p>
+          <a:p>
+            <a:r>
+              <a:rPr lang="de-DE" dirty="0" err="1"/>
+              <a:t>Algorithm</a:t>
+            </a:r>
+            <a:r>
+              <a:rPr lang="de-DE" dirty="0"/>
+              <a:t> 1 : </a:t>
+            </a:r>
+            <a:r>
+              <a:rPr lang="de-DE" dirty="0" err="1"/>
+              <a:t>kWPO-JointHeur</a:t>
+            </a:r>
+            <a:endParaRPr lang="de-DE" dirty="0"/>
+          </a:p>
+          <a:p>
+            <a:r>
+              <a:rPr lang="de-DE" dirty="0" err="1"/>
+              <a:t>Algorithm</a:t>
+            </a:r>
+            <a:r>
+              <a:rPr lang="de-DE" dirty="0"/>
+              <a:t> 2 : </a:t>
+            </a:r>
+            <a:r>
+              <a:rPr lang="de-DE" dirty="0" err="1"/>
+              <a:t>Topo_kWP-JointHeur</a:t>
+            </a:r>
+            <a:endParaRPr lang="de-DE" dirty="0"/>
+          </a:p>
+          <a:p>
+            <a:r>
+              <a:rPr lang="de-DE" dirty="0" err="1"/>
+              <a:t>Algorithm</a:t>
+            </a:r>
+            <a:r>
+              <a:rPr lang="de-DE" dirty="0"/>
+              <a:t> 3 : </a:t>
+            </a:r>
+            <a:r>
+              <a:rPr lang="de-DE" dirty="0" err="1"/>
+              <a:t>Nodes_kWP-JointHeur</a:t>
+            </a:r>
+            <a:endParaRPr lang="de-DE" dirty="0"/>
+          </a:p>
+          <a:p>
+            <a:r>
+              <a:rPr lang="de-DE" dirty="0" err="1"/>
+              <a:t>Conclusion</a:t>
+            </a:r>
+            <a:endParaRPr lang="de-DE" dirty="0"/>
+          </a:p>
+          <a:p>
+            <a:r>
+              <a:rPr lang="de-DE" dirty="0"/>
+              <a:t>Replication: Other Group</a:t>
+            </a:r>
+          </a:p>
+        </p:txBody>
+      </p:sp>
+    </p:spTree>
+    <p:extLst>
+      <p:ext uri="{BB962C8B-B14F-4D97-AF65-F5344CB8AC3E}">
+        <p14:creationId xmlns:p14="http://schemas.microsoft.com/office/powerpoint/2010/main" val="2041517187"/>
+      </p:ext>
+    </p:extLst>
+  </p:cSld>
+  <p:clrMapOvr>
+    <a:masterClrMapping/>
+  </p:clrMapOvr>
+</p:sld>
+</file>
+
+<file path=ppt/slides/slide20.xml><?xml version="1.0" encoding="utf-8"?>
 <p:sld xmlns:a="http://schemas.openxmlformats.org/drawingml/2006/main" xmlns:r="http://schemas.openxmlformats.org/officeDocument/2006/relationships" xmlns:p="http://schemas.openxmlformats.org/presentationml/2006/main">
   <p:cSld>
     <p:spTree>
@@ -6856,8 +9105,8 @@
           </a:p>
         </p:txBody>
       </p:sp>
-      <mc:AlternateContent xmlns:mc="http://schemas.openxmlformats.org/markup-compatibility/2006">
-        <mc:Choice xmlns:a14="http://schemas.microsoft.com/office/drawing/2010/main" Requires="a14">
+      <mc:AlternateContent xmlns:mc="http://schemas.openxmlformats.org/markup-compatibility/2006" xmlns:a14="http://schemas.microsoft.com/office/drawing/2010/main">
+        <mc:Choice Requires="a14">
           <p:sp>
             <p:nvSpPr>
               <p:cNvPr id="3" name="Inhaltsplatzhalter 2">
@@ -8693,7 +10942,7 @@
             </p:txBody>
           </p:sp>
         </mc:Choice>
-        <mc:Fallback>
+        <mc:Fallback xmlns="">
           <p:sp>
             <p:nvSpPr>
               <p:cNvPr id="3" name="Inhaltsplatzhalter 2">
@@ -8841,7 +11090,7 @@
 </p:sld>
 </file>
 
-<file path=ppt/slides/slide16.xml><?xml version="1.0" encoding="utf-8"?>
+<file path=ppt/slides/slide21.xml><?xml version="1.0" encoding="utf-8"?>
 <p:sld xmlns:a="http://schemas.openxmlformats.org/drawingml/2006/main" xmlns:r="http://schemas.openxmlformats.org/officeDocument/2006/relationships" xmlns:p="http://schemas.openxmlformats.org/presentationml/2006/main">
   <p:cSld>
     <p:spTree>
@@ -9110,7 +11359,7 @@
 </p:sld>
 </file>
 
-<file path=ppt/slides/slide17.xml><?xml version="1.0" encoding="utf-8"?>
+<file path=ppt/slides/slide22.xml><?xml version="1.0" encoding="utf-8"?>
 <p:sld xmlns:a="http://schemas.openxmlformats.org/drawingml/2006/main" xmlns:r="http://schemas.openxmlformats.org/officeDocument/2006/relationships" xmlns:p="http://schemas.openxmlformats.org/presentationml/2006/main">
   <p:cSld>
     <p:spTree>
@@ -9149,16 +11398,20 @@
           <a:lstStyle/>
           <a:p>
             <a:r>
-              <a:rPr lang="de-DE" dirty="0" err="1"/>
-              <a:t>Conclusion</a:t>
-            </a:r>
-            <a:r>
               <a:rPr lang="de-DE" dirty="0"/>
-              <a:t> – Future </a:t>
+              <a:t>Future </a:t>
             </a:r>
             <a:r>
               <a:rPr lang="de-DE" dirty="0" err="1"/>
               <a:t>Idea</a:t>
+            </a:r>
+            <a:r>
+              <a:rPr lang="de-DE" dirty="0"/>
+              <a:t> - </a:t>
+            </a:r>
+            <a:r>
+              <a:rPr lang="de-DE" dirty="0" err="1"/>
+              <a:t>Combination</a:t>
             </a:r>
             <a:endParaRPr lang="de-DE" dirty="0"/>
           </a:p>
@@ -9230,8 +11483,8 @@
         </p:nvSpPr>
         <p:spPr>
           <a:xfrm>
-            <a:off x="1171575" y="1434584"/>
-            <a:ext cx="923926" cy="400110"/>
+            <a:off x="1171574" y="1434584"/>
+            <a:ext cx="1581151" cy="400110"/>
           </a:xfrm>
           <a:prstGeom prst="rect">
             <a:avLst/>
@@ -9246,10 +11499,13 @@
           </a:bodyPr>
           <a:lstStyle/>
           <a:p>
-            <a:pPr algn="ctr"/>
             <a:r>
               <a:rPr lang="de-DE" sz="2000" dirty="0"/>
-              <a:t>ALG1</a:t>
+              <a:t>ALG1: </a:t>
+            </a:r>
+            <a:r>
+              <a:rPr lang="de-DE" sz="2000" dirty="0" err="1"/>
+              <a:t>kWPO</a:t>
             </a:r>
             <a:endParaRPr lang="de-DE" dirty="0"/>
           </a:p>
@@ -9398,105 +11654,168 @@
           </a:p>
         </p:txBody>
       </p:sp>
-      <p:sp>
-        <p:nvSpPr>
-          <p:cNvPr id="11" name="Textfeld 10">
-            <a:extLst>
-              <a:ext uri="{FF2B5EF4-FFF2-40B4-BE49-F238E27FC236}">
-                <a16:creationId xmlns:a16="http://schemas.microsoft.com/office/drawing/2014/main" id="{AFB9A370-57A2-5246-2ABD-66DCE5567681}"/>
-              </a:ext>
-            </a:extLst>
-          </p:cNvPr>
-          <p:cNvSpPr txBox="1"/>
-          <p:nvPr/>
-        </p:nvSpPr>
-        <p:spPr>
-          <a:xfrm>
-            <a:off x="2457450" y="2512239"/>
-            <a:ext cx="8677275" cy="369332"/>
-          </a:xfrm>
-          <a:prstGeom prst="rect">
-            <a:avLst/>
-          </a:prstGeom>
-          <a:noFill/>
-        </p:spPr>
-        <p:txBody>
-          <a:bodyPr wrap="square" rtlCol="0">
-            <a:spAutoFit/>
-          </a:bodyPr>
-          <a:lstStyle/>
-          <a:p>
-            <a:r>
-              <a:rPr lang="de-DE" dirty="0"/>
-              <a:t>Problem: </a:t>
-            </a:r>
-            <a:r>
-              <a:rPr lang="de-DE" dirty="0" err="1"/>
-              <a:t>Number</a:t>
-            </a:r>
-            <a:r>
-              <a:rPr lang="de-DE" dirty="0"/>
-              <a:t> </a:t>
-            </a:r>
-            <a:r>
-              <a:rPr lang="de-DE" dirty="0" err="1"/>
-              <a:t>of</a:t>
-            </a:r>
-            <a:r>
-              <a:rPr lang="de-DE" dirty="0"/>
-              <a:t> </a:t>
-            </a:r>
-            <a:r>
-              <a:rPr lang="de-DE" dirty="0" err="1"/>
-              <a:t>waypoints</a:t>
-            </a:r>
-            <a:r>
-              <a:rPr lang="de-DE" dirty="0"/>
-              <a:t> per </a:t>
-            </a:r>
-            <a:r>
-              <a:rPr lang="de-DE" dirty="0" err="1"/>
-              <a:t>iteration</a:t>
-            </a:r>
-            <a:r>
-              <a:rPr lang="de-DE" dirty="0"/>
-              <a:t> not </a:t>
-            </a:r>
-            <a:r>
-              <a:rPr lang="de-DE" dirty="0" err="1"/>
-              <a:t>predictable</a:t>
-            </a:r>
-            <a:r>
-              <a:rPr lang="de-DE" dirty="0"/>
-              <a:t>=&gt; </a:t>
-            </a:r>
-            <a:r>
-              <a:rPr lang="de-DE" dirty="0" err="1"/>
-              <a:t>How</a:t>
-            </a:r>
-            <a:r>
-              <a:rPr lang="de-DE" dirty="0"/>
-              <a:t> </a:t>
-            </a:r>
-            <a:r>
-              <a:rPr lang="de-DE" dirty="0" err="1"/>
-              <a:t>many</a:t>
-            </a:r>
-            <a:r>
-              <a:rPr lang="de-DE" dirty="0"/>
-              <a:t> </a:t>
-            </a:r>
-            <a:r>
-              <a:rPr lang="de-DE" dirty="0" err="1"/>
-              <a:t>iterations</a:t>
-            </a:r>
-            <a:r>
-              <a:rPr lang="de-DE" dirty="0"/>
-              <a:t>?</a:t>
-            </a:r>
-          </a:p>
-        </p:txBody>
-      </p:sp>
+      <mc:AlternateContent xmlns:mc="http://schemas.openxmlformats.org/markup-compatibility/2006">
+        <mc:Choice xmlns:a14="http://schemas.microsoft.com/office/drawing/2010/main" Requires="a14">
+          <p:sp>
+            <p:nvSpPr>
+              <p:cNvPr id="11" name="Textfeld 10">
+                <a:extLst>
+                  <a:ext uri="{FF2B5EF4-FFF2-40B4-BE49-F238E27FC236}">
+                    <a16:creationId xmlns:a16="http://schemas.microsoft.com/office/drawing/2014/main" id="{AFB9A370-57A2-5246-2ABD-66DCE5567681}"/>
+                  </a:ext>
+                </a:extLst>
+              </p:cNvPr>
+              <p:cNvSpPr txBox="1"/>
+              <p:nvPr/>
+            </p:nvSpPr>
+            <p:spPr>
+              <a:xfrm>
+                <a:off x="2457450" y="2512239"/>
+                <a:ext cx="8677275" cy="369332"/>
+              </a:xfrm>
+              <a:prstGeom prst="rect">
+                <a:avLst/>
+              </a:prstGeom>
+              <a:noFill/>
+            </p:spPr>
+            <p:txBody>
+              <a:bodyPr wrap="square" rtlCol="0">
+                <a:spAutoFit/>
+              </a:bodyPr>
+              <a:lstStyle/>
+              <a:p>
+                <a:r>
+                  <a:rPr lang="de-DE" dirty="0"/>
+                  <a:t>Problem: </a:t>
+                </a:r>
+                <a:r>
+                  <a:rPr lang="de-DE" dirty="0" err="1"/>
+                  <a:t>Number</a:t>
+                </a:r>
+                <a:r>
+                  <a:rPr lang="de-DE" dirty="0"/>
+                  <a:t> </a:t>
+                </a:r>
+                <a:r>
+                  <a:rPr lang="de-DE" dirty="0" err="1"/>
+                  <a:t>of</a:t>
+                </a:r>
+                <a:r>
+                  <a:rPr lang="de-DE" dirty="0"/>
+                  <a:t> </a:t>
+                </a:r>
+                <a:r>
+                  <a:rPr lang="de-DE" dirty="0" err="1"/>
+                  <a:t>waypoints</a:t>
+                </a:r>
+                <a:r>
+                  <a:rPr lang="de-DE" dirty="0"/>
+                  <a:t> per </a:t>
+                </a:r>
+                <a:r>
+                  <a:rPr lang="de-DE" dirty="0" err="1"/>
+                  <a:t>iteration</a:t>
+                </a:r>
+                <a:r>
+                  <a:rPr lang="de-DE" dirty="0"/>
+                  <a:t> not </a:t>
+                </a:r>
+                <a:r>
+                  <a:rPr lang="de-DE" dirty="0" err="1"/>
+                  <a:t>predictable</a:t>
+                </a:r>
+                <a:r>
+                  <a:rPr lang="de-DE" dirty="0"/>
+                  <a:t> </a:t>
+                </a:r>
+                <a14:m>
+                  <m:oMath xmlns:m="http://schemas.openxmlformats.org/officeDocument/2006/math">
+                    <m:r>
+                      <a:rPr lang="de-DE" i="1" dirty="0" smtClean="0">
+                        <a:latin typeface="Cambria Math" panose="02040503050406030204" pitchFamily="18" charset="0"/>
+                        <a:ea typeface="Cambria Math" panose="02040503050406030204" pitchFamily="18" charset="0"/>
+                      </a:rPr>
+                      <m:t>→</m:t>
+                    </m:r>
+                  </m:oMath>
+                </a14:m>
+                <a:r>
+                  <a:rPr lang="de-DE" dirty="0"/>
+                  <a:t> </a:t>
+                </a:r>
+                <a:r>
+                  <a:rPr lang="de-DE" dirty="0" err="1"/>
+                  <a:t>How</a:t>
+                </a:r>
+                <a:r>
+                  <a:rPr lang="de-DE" dirty="0"/>
+                  <a:t> </a:t>
+                </a:r>
+                <a:r>
+                  <a:rPr lang="de-DE" dirty="0" err="1"/>
+                  <a:t>many</a:t>
+                </a:r>
+                <a:r>
+                  <a:rPr lang="de-DE" dirty="0"/>
+                  <a:t> </a:t>
+                </a:r>
+                <a:r>
+                  <a:rPr lang="de-DE" dirty="0" err="1"/>
+                  <a:t>iterations</a:t>
+                </a:r>
+                <a:r>
+                  <a:rPr lang="de-DE" dirty="0"/>
+                  <a:t>?</a:t>
+                </a:r>
+              </a:p>
+            </p:txBody>
+          </p:sp>
+        </mc:Choice>
+        <mc:Fallback>
+          <p:sp>
+            <p:nvSpPr>
+              <p:cNvPr id="11" name="Textfeld 10">
+                <a:extLst>
+                  <a:ext uri="{FF2B5EF4-FFF2-40B4-BE49-F238E27FC236}">
+                    <a16:creationId xmlns:a16="http://schemas.microsoft.com/office/drawing/2014/main" id="{AFB9A370-57A2-5246-2ABD-66DCE5567681}"/>
+                  </a:ext>
+                </a:extLst>
+              </p:cNvPr>
+              <p:cNvSpPr txBox="1">
+                <a:spLocks noRot="1" noChangeAspect="1" noMove="1" noResize="1" noEditPoints="1" noAdjustHandles="1" noChangeArrowheads="1" noChangeShapeType="1" noTextEdit="1"/>
+              </p:cNvSpPr>
+              <p:nvPr/>
+            </p:nvSpPr>
+            <p:spPr>
+              <a:xfrm>
+                <a:off x="2457450" y="2512239"/>
+                <a:ext cx="8677275" cy="369332"/>
+              </a:xfrm>
+              <a:prstGeom prst="rect">
+                <a:avLst/>
+              </a:prstGeom>
+              <a:blipFill>
+                <a:blip r:embed="rId2"/>
+                <a:stretch>
+                  <a:fillRect l="-562" t="-8197" b="-24590"/>
+                </a:stretch>
+              </a:blipFill>
+            </p:spPr>
+            <p:txBody>
+              <a:bodyPr/>
+              <a:lstStyle/>
+              <a:p>
+                <a:r>
+                  <a:rPr lang="de-DE">
+                    <a:noFill/>
+                  </a:rPr>
+                  <a:t> </a:t>
+                </a:r>
+              </a:p>
+            </p:txBody>
+          </p:sp>
+        </mc:Fallback>
+      </mc:AlternateContent>
       <p:sp>
         <p:nvSpPr>
           <p:cNvPr id="24" name="Rechteck 23">
@@ -9564,7 +11883,7 @@
         <p:spPr>
           <a:xfrm>
             <a:off x="1171575" y="3150097"/>
-            <a:ext cx="923926" cy="400110"/>
+            <a:ext cx="1962150" cy="400110"/>
           </a:xfrm>
           <a:prstGeom prst="rect">
             <a:avLst/>
@@ -9579,10 +11898,13 @@
           </a:bodyPr>
           <a:lstStyle/>
           <a:p>
-            <a:pPr algn="ctr"/>
             <a:r>
               <a:rPr lang="de-DE" sz="2000" dirty="0"/>
-              <a:t>ALG2</a:t>
+              <a:t>ALG2: </a:t>
+            </a:r>
+            <a:r>
+              <a:rPr lang="de-DE" sz="2000" dirty="0" err="1"/>
+              <a:t>Topo-kWP</a:t>
             </a:r>
             <a:endParaRPr lang="de-DE" dirty="0"/>
           </a:p>
@@ -9898,7 +12220,7 @@
         <p:spPr>
           <a:xfrm>
             <a:off x="1171575" y="4861165"/>
-            <a:ext cx="923926" cy="400110"/>
+            <a:ext cx="2124075" cy="400110"/>
           </a:xfrm>
           <a:prstGeom prst="rect">
             <a:avLst/>
@@ -9913,10 +12235,13 @@
           </a:bodyPr>
           <a:lstStyle/>
           <a:p>
-            <a:pPr algn="ctr"/>
             <a:r>
               <a:rPr lang="de-DE" sz="2000" dirty="0"/>
-              <a:t>ALG3</a:t>
+              <a:t>ALG3: Nodes-</a:t>
+            </a:r>
+            <a:r>
+              <a:rPr lang="de-DE" sz="2000" dirty="0" err="1"/>
+              <a:t>kWP</a:t>
             </a:r>
             <a:endParaRPr lang="de-DE" dirty="0"/>
           </a:p>
@@ -10317,7 +12642,7 @@
 </p:sld>
 </file>
 
-<file path=ppt/slides/slide18.xml><?xml version="1.0" encoding="utf-8"?>
+<file path=ppt/slides/slide23.xml><?xml version="1.0" encoding="utf-8"?>
 <p:sld xmlns:a="http://schemas.openxmlformats.org/drawingml/2006/main" xmlns:r="http://schemas.openxmlformats.org/officeDocument/2006/relationships" xmlns:p="http://schemas.openxmlformats.org/presentationml/2006/main">
   <p:cSld>
     <p:spTree>
@@ -10639,40 +12964,47 @@
               </a:rPr>
               <a:t>plots</a:t>
             </a:r>
+            <a:endParaRPr lang="de-DE" dirty="0">
+              <a:latin typeface="Cambria Math" panose="02040503050406030204" pitchFamily="18" charset="0"/>
+              <a:ea typeface="Cambria Math" panose="02040503050406030204" pitchFamily="18" charset="0"/>
+            </a:endParaRPr>
+          </a:p>
+          <a:p>
+            <a:pPr lvl="1"/>
             <a:r>
               <a:rPr lang="de-DE" dirty="0">
                 <a:latin typeface="Cambria Math" panose="02040503050406030204" pitchFamily="18" charset="0"/>
                 <a:ea typeface="Cambria Math" panose="02040503050406030204" pitchFamily="18" charset="0"/>
               </a:rPr>
-              <a:t>(</a:t>
+              <a:t>Plots </a:t>
             </a:r>
             <a:r>
               <a:rPr lang="de-DE" dirty="0" err="1">
                 <a:latin typeface="Cambria Math" panose="02040503050406030204" pitchFamily="18" charset="0"/>
                 <a:ea typeface="Cambria Math" panose="02040503050406030204" pitchFamily="18" charset="0"/>
               </a:rPr>
-              <a:t>no</a:t>
+              <a:t>illustrating</a:t>
             </a:r>
             <a:r>
               <a:rPr lang="de-DE" dirty="0">
                 <a:latin typeface="Cambria Math" panose="02040503050406030204" pitchFamily="18" charset="0"/>
                 <a:ea typeface="Cambria Math" panose="02040503050406030204" pitchFamily="18" charset="0"/>
               </a:rPr>
-              <a:t> additional </a:t>
+              <a:t> </a:t>
             </a:r>
             <a:r>
               <a:rPr lang="de-DE" dirty="0" err="1">
                 <a:latin typeface="Cambria Math" panose="02040503050406030204" pitchFamily="18" charset="0"/>
                 <a:ea typeface="Cambria Math" panose="02040503050406030204" pitchFamily="18" charset="0"/>
               </a:rPr>
-              <a:t>plots</a:t>
+              <a:t>processing</a:t>
             </a:r>
             <a:r>
               <a:rPr lang="de-DE" dirty="0">
                 <a:latin typeface="Cambria Math" panose="02040503050406030204" pitchFamily="18" charset="0"/>
                 <a:ea typeface="Cambria Math" panose="02040503050406030204" pitchFamily="18" charset="0"/>
               </a:rPr>
-              <a:t>)</a:t>
+              <a:t> time</a:t>
             </a:r>
           </a:p>
           <a:p>
@@ -10696,7 +13028,7 @@
 </p:sld>
 </file>
 
-<file path=ppt/slides/slide19.xml><?xml version="1.0" encoding="utf-8"?>
+<file path=ppt/slides/slide24.xml><?xml version="1.0" encoding="utf-8"?>
 <p:sld xmlns:a="http://schemas.openxmlformats.org/drawingml/2006/main" xmlns:r="http://schemas.openxmlformats.org/officeDocument/2006/relationships" xmlns:p="http://schemas.openxmlformats.org/presentationml/2006/main">
   <p:cSld>
     <p:spTree>
@@ -10832,162 +13164,7 @@
 </p:sld>
 </file>
 
-<file path=ppt/slides/slide2.xml><?xml version="1.0" encoding="utf-8"?>
-<p:sld xmlns:a="http://schemas.openxmlformats.org/drawingml/2006/main" xmlns:r="http://schemas.openxmlformats.org/officeDocument/2006/relationships" xmlns:p="http://schemas.openxmlformats.org/presentationml/2006/main">
-  <p:cSld>
-    <p:spTree>
-      <p:nvGrpSpPr>
-        <p:cNvPr id="1" name=""/>
-        <p:cNvGrpSpPr/>
-        <p:nvPr/>
-      </p:nvGrpSpPr>
-      <p:grpSpPr>
-        <a:xfrm>
-          <a:off x="0" y="0"/>
-          <a:ext cx="0" cy="0"/>
-          <a:chOff x="0" y="0"/>
-          <a:chExt cx="0" cy="0"/>
-        </a:xfrm>
-      </p:grpSpPr>
-      <p:sp>
-        <p:nvSpPr>
-          <p:cNvPr id="2" name="Titel 1">
-            <a:extLst>
-              <a:ext uri="{FF2B5EF4-FFF2-40B4-BE49-F238E27FC236}">
-                <a16:creationId xmlns:a16="http://schemas.microsoft.com/office/drawing/2014/main" id="{F00CFE46-E3DF-4C24-9233-D380C5DC2F13}"/>
-              </a:ext>
-            </a:extLst>
-          </p:cNvPr>
-          <p:cNvSpPr>
-            <a:spLocks noGrp="1"/>
-          </p:cNvSpPr>
-          <p:nvPr>
-            <p:ph type="title"/>
-          </p:nvPr>
-        </p:nvSpPr>
-        <p:spPr/>
-        <p:txBody>
-          <a:bodyPr/>
-          <a:lstStyle/>
-          <a:p>
-            <a:r>
-              <a:rPr lang="de-DE" dirty="0"/>
-              <a:t>Table </a:t>
-            </a:r>
-            <a:r>
-              <a:rPr lang="de-DE" dirty="0" err="1"/>
-              <a:t>of</a:t>
-            </a:r>
-            <a:r>
-              <a:rPr lang="de-DE" dirty="0"/>
-              <a:t> Contents</a:t>
-            </a:r>
-          </a:p>
-        </p:txBody>
-      </p:sp>
-      <p:sp>
-        <p:nvSpPr>
-          <p:cNvPr id="3" name="Inhaltsplatzhalter 2">
-            <a:extLst>
-              <a:ext uri="{FF2B5EF4-FFF2-40B4-BE49-F238E27FC236}">
-                <a16:creationId xmlns:a16="http://schemas.microsoft.com/office/drawing/2014/main" id="{37A1CA1C-0043-AE66-1D26-FE3EE9D8FA01}"/>
-              </a:ext>
-            </a:extLst>
-          </p:cNvPr>
-          <p:cNvSpPr>
-            <a:spLocks noGrp="1"/>
-          </p:cNvSpPr>
-          <p:nvPr>
-            <p:ph idx="1"/>
-          </p:nvPr>
-        </p:nvSpPr>
-        <p:spPr/>
-        <p:txBody>
-          <a:bodyPr>
-            <a:normAutofit/>
-          </a:bodyPr>
-          <a:lstStyle/>
-          <a:p>
-            <a:r>
-              <a:rPr lang="de-DE" dirty="0" err="1"/>
-              <a:t>Foundation</a:t>
-            </a:r>
-            <a:endParaRPr lang="de-DE" dirty="0"/>
-          </a:p>
-          <a:p>
-            <a:r>
-              <a:rPr lang="de-DE" dirty="0" err="1"/>
-              <a:t>Algorithm</a:t>
-            </a:r>
-            <a:r>
-              <a:rPr lang="de-DE" dirty="0"/>
-              <a:t> 1 : </a:t>
-            </a:r>
-            <a:r>
-              <a:rPr lang="de-DE" dirty="0" err="1"/>
-              <a:t>kWPO-JointHeur</a:t>
-            </a:r>
-            <a:endParaRPr lang="de-DE" dirty="0"/>
-          </a:p>
-          <a:p>
-            <a:r>
-              <a:rPr lang="de-DE" dirty="0" err="1"/>
-              <a:t>Algorithm</a:t>
-            </a:r>
-            <a:r>
-              <a:rPr lang="de-DE" dirty="0"/>
-              <a:t> 2 : </a:t>
-            </a:r>
-            <a:r>
-              <a:rPr lang="de-DE" dirty="0" err="1"/>
-              <a:t>Topo_kWP-JointHeur</a:t>
-            </a:r>
-            <a:endParaRPr lang="de-DE" dirty="0"/>
-          </a:p>
-          <a:p>
-            <a:r>
-              <a:rPr lang="de-DE" dirty="0" err="1"/>
-              <a:t>Algorithm</a:t>
-            </a:r>
-            <a:r>
-              <a:rPr lang="de-DE" dirty="0"/>
-              <a:t> 3 : </a:t>
-            </a:r>
-            <a:r>
-              <a:rPr lang="de-DE" dirty="0" err="1"/>
-              <a:t>Nodes_kWP-JointHeur</a:t>
-            </a:r>
-            <a:endParaRPr lang="de-DE" dirty="0"/>
-          </a:p>
-          <a:p>
-            <a:r>
-              <a:rPr lang="de-DE" dirty="0" err="1"/>
-              <a:t>Conclusion</a:t>
-            </a:r>
-            <a:endParaRPr lang="de-DE" dirty="0"/>
-          </a:p>
-          <a:p>
-            <a:r>
-              <a:rPr lang="de-DE" dirty="0"/>
-              <a:t>Other Group</a:t>
-            </a:r>
-          </a:p>
-        </p:txBody>
-      </p:sp>
-    </p:spTree>
-    <p:extLst>
-      <p:ext uri="{BB962C8B-B14F-4D97-AF65-F5344CB8AC3E}">
-        <p14:creationId xmlns:p14="http://schemas.microsoft.com/office/powerpoint/2010/main" val="2041517187"/>
-      </p:ext>
-    </p:extLst>
-  </p:cSld>
-  <p:clrMapOvr>
-    <a:masterClrMapping/>
-  </p:clrMapOvr>
-</p:sld>
-</file>
-
-<file path=ppt/slides/slide20.xml><?xml version="1.0" encoding="utf-8"?>
+<file path=ppt/slides/slide25.xml><?xml version="1.0" encoding="utf-8"?>
 <p:sld xmlns:a="http://schemas.openxmlformats.org/drawingml/2006/main" xmlns:r="http://schemas.openxmlformats.org/officeDocument/2006/relationships" xmlns:p="http://schemas.openxmlformats.org/presentationml/2006/main">
   <p:cSld>
     <p:spTree>
@@ -11237,8 +13414,8 @@
           </a:p>
         </p:txBody>
       </p:sp>
-      <mc:AlternateContent xmlns:mc="http://schemas.openxmlformats.org/markup-compatibility/2006" xmlns:a14="http://schemas.microsoft.com/office/drawing/2010/main">
-        <mc:Choice Requires="a14">
+      <mc:AlternateContent xmlns:mc="http://schemas.openxmlformats.org/markup-compatibility/2006">
+        <mc:Choice xmlns:a14="http://schemas.microsoft.com/office/drawing/2010/main" Requires="a14">
           <p:sp>
             <p:nvSpPr>
               <p:cNvPr id="3" name="Inhaltsplatzhalter 2">
@@ -11417,7 +13594,14 @@
                             <a:latin typeface="Cambria Math" panose="02040503050406030204" pitchFamily="18" charset="0"/>
                             <a:ea typeface="Cambria Math" panose="02040503050406030204" pitchFamily="18" charset="0"/>
                           </a:rPr>
-                          <m:t>𝑤𝑖𝑡h</m:t>
+                          <m:t>𝑤𝑖𝑡</m:t>
+                        </m:r>
+                        <m:r>
+                          <a:rPr lang="de-DE" b="0" i="1" smtClean="0">
+                            <a:latin typeface="Cambria Math" panose="02040503050406030204" pitchFamily="18" charset="0"/>
+                            <a:ea typeface="Cambria Math" panose="02040503050406030204" pitchFamily="18" charset="0"/>
+                          </a:rPr>
+                          <m:t>h</m:t>
                         </m:r>
                         <m:r>
                           <a:rPr lang="de-DE" b="0" i="1" smtClean="0">
@@ -11485,7 +13669,21 @@
                           <a:latin typeface="Cambria Math" panose="02040503050406030204" pitchFamily="18" charset="0"/>
                           <a:ea typeface="Cambria Math" panose="02040503050406030204" pitchFamily="18" charset="0"/>
                         </a:rPr>
-                        <m:t>𝑊𝑒𝑖𝑔h𝑡</m:t>
+                        <m:t>𝑊𝑒𝑖𝑔</m:t>
+                      </m:r>
+                      <m:r>
+                        <a:rPr lang="de-DE" i="1">
+                          <a:latin typeface="Cambria Math" panose="02040503050406030204" pitchFamily="18" charset="0"/>
+                          <a:ea typeface="Cambria Math" panose="02040503050406030204" pitchFamily="18" charset="0"/>
+                        </a:rPr>
+                        <m:t>h</m:t>
+                      </m:r>
+                      <m:r>
+                        <a:rPr lang="de-DE" i="1">
+                          <a:latin typeface="Cambria Math" panose="02040503050406030204" pitchFamily="18" charset="0"/>
+                          <a:ea typeface="Cambria Math" panose="02040503050406030204" pitchFamily="18" charset="0"/>
+                        </a:rPr>
+                        <m:t>𝑡</m:t>
                       </m:r>
                       <m:r>
                         <a:rPr lang="de-DE" i="1">
@@ -11625,11 +13823,18 @@
               </a:p>
               <a:p>
                 <a:r>
+                  <a:rPr lang="de-DE" dirty="0" err="1">
+                    <a:latin typeface="Cambria Math" panose="02040503050406030204" pitchFamily="18" charset="0"/>
+                    <a:ea typeface="Cambria Math" panose="02040503050406030204" pitchFamily="18" charset="0"/>
+                  </a:rPr>
+                  <a:t>Our</a:t>
+                </a:r>
+                <a:r>
                   <a:rPr lang="de-DE" dirty="0">
                     <a:latin typeface="Cambria Math" panose="02040503050406030204" pitchFamily="18" charset="0"/>
                     <a:ea typeface="Cambria Math" panose="02040503050406030204" pitchFamily="18" charset="0"/>
                   </a:rPr>
-                  <a:t>Focus: Control </a:t>
+                  <a:t> Focus: Control </a:t>
                 </a:r>
                 <a:r>
                   <a:rPr lang="de-DE" dirty="0" err="1">
@@ -11694,7 +13899,7 @@
             </p:txBody>
           </p:sp>
         </mc:Choice>
-        <mc:Fallback xmlns="">
+        <mc:Fallback>
           <p:sp>
             <p:nvSpPr>
               <p:cNvPr id="3" name="Inhaltsplatzhalter 2">
@@ -16841,8 +19046,8 @@
           </a:p>
         </p:txBody>
       </p:sp>
-      <mc:AlternateContent xmlns:mc="http://schemas.openxmlformats.org/markup-compatibility/2006">
-        <mc:Choice xmlns:a14="http://schemas.microsoft.com/office/drawing/2010/main" Requires="a14">
+      <mc:AlternateContent xmlns:mc="http://schemas.openxmlformats.org/markup-compatibility/2006" xmlns:a14="http://schemas.microsoft.com/office/drawing/2010/main">
+        <mc:Choice Requires="a14">
           <p:sp>
             <p:nvSpPr>
               <p:cNvPr id="120" name="Textfeld 119">
@@ -16888,7 +19093,13 @@
                         <a:rPr lang="de-DE" b="0" i="1" smtClean="0">
                           <a:latin typeface="Cambria Math" panose="02040503050406030204" pitchFamily="18" charset="0"/>
                         </a:rPr>
-                        <m:t>=0</m:t>
+                        <m:t>=</m:t>
+                      </m:r>
+                      <m:r>
+                        <a:rPr lang="de-DE" b="0" i="1" smtClean="0">
+                          <a:latin typeface="Cambria Math" panose="02040503050406030204" pitchFamily="18" charset="0"/>
+                        </a:rPr>
+                        <m:t>0</m:t>
                       </m:r>
                     </m:oMath>
                   </m:oMathPara>
@@ -16958,7 +19169,14 @@
                           <a:latin typeface="Cambria Math" panose="02040503050406030204" pitchFamily="18" charset="0"/>
                           <a:ea typeface="Cambria Math" panose="02040503050406030204" pitchFamily="18" charset="0"/>
                         </a:rPr>
-                        <m:t>=1</m:t>
+                        <m:t>=</m:t>
+                      </m:r>
+                      <m:r>
+                        <a:rPr lang="de-DE" b="0" i="1" smtClean="0">
+                          <a:latin typeface="Cambria Math" panose="02040503050406030204" pitchFamily="18" charset="0"/>
+                          <a:ea typeface="Cambria Math" panose="02040503050406030204" pitchFamily="18" charset="0"/>
+                        </a:rPr>
+                        <m:t>1</m:t>
                       </m:r>
                     </m:oMath>
                   </m:oMathPara>
@@ -17026,7 +19244,14 @@
                           <a:latin typeface="Cambria Math" panose="02040503050406030204" pitchFamily="18" charset="0"/>
                           <a:ea typeface="Cambria Math" panose="02040503050406030204" pitchFamily="18" charset="0"/>
                         </a:rPr>
-                        <m:t>&gt;1</m:t>
+                        <m:t>&gt;</m:t>
+                      </m:r>
+                      <m:r>
+                        <a:rPr lang="de-DE" b="0" i="1" smtClean="0">
+                          <a:latin typeface="Cambria Math" panose="02040503050406030204" pitchFamily="18" charset="0"/>
+                          <a:ea typeface="Cambria Math" panose="02040503050406030204" pitchFamily="18" charset="0"/>
+                        </a:rPr>
+                        <m:t>1</m:t>
                       </m:r>
                     </m:oMath>
                   </m:oMathPara>
@@ -17079,7 +19304,14 @@
                               <a:latin typeface="Cambria Math" panose="02040503050406030204" pitchFamily="18" charset="0"/>
                               <a:ea typeface="Cambria Math" panose="02040503050406030204" pitchFamily="18" charset="0"/>
                             </a:rPr>
-                            <m:t> 2</m:t>
+                            <m:t> </m:t>
+                          </m:r>
+                          <m:r>
+                            <a:rPr lang="de-DE" b="0" i="1" smtClean="0">
+                              <a:latin typeface="Cambria Math" panose="02040503050406030204" pitchFamily="18" charset="0"/>
+                              <a:ea typeface="Cambria Math" panose="02040503050406030204" pitchFamily="18" charset="0"/>
+                            </a:rPr>
+                            <m:t>2</m:t>
                           </m:r>
                         </m:e>
                         <m:sup>
@@ -17097,7 +19329,21 @@
                           <a:latin typeface="Cambria Math" panose="02040503050406030204" pitchFamily="18" charset="0"/>
                           <a:ea typeface="Cambria Math" panose="02040503050406030204" pitchFamily="18" charset="0"/>
                         </a:rPr>
-                        <m:t>−1 </m:t>
+                        <m:t>−</m:t>
+                      </m:r>
+                      <m:r>
+                        <a:rPr lang="de-DE" b="0" i="1" smtClean="0">
+                          <a:latin typeface="Cambria Math" panose="02040503050406030204" pitchFamily="18" charset="0"/>
+                          <a:ea typeface="Cambria Math" panose="02040503050406030204" pitchFamily="18" charset="0"/>
+                        </a:rPr>
+                        <m:t>1</m:t>
+                      </m:r>
+                      <m:r>
+                        <a:rPr lang="de-DE" b="0" i="1" smtClean="0">
+                          <a:latin typeface="Cambria Math" panose="02040503050406030204" pitchFamily="18" charset="0"/>
+                          <a:ea typeface="Cambria Math" panose="02040503050406030204" pitchFamily="18" charset="0"/>
+                        </a:rPr>
+                        <m:t> </m:t>
                       </m:r>
                       <m:r>
                         <a:rPr lang="de-DE" b="0" i="1" smtClean="0">
@@ -17166,7 +19412,7 @@
             </p:txBody>
           </p:sp>
         </mc:Choice>
-        <mc:Fallback>
+        <mc:Fallback xmlns="">
           <p:sp>
             <p:nvSpPr>
               <p:cNvPr id="120" name="Textfeld 119">
@@ -22669,8 +24915,8 @@
           </a:p>
         </p:txBody>
       </p:sp>
-      <mc:AlternateContent xmlns:mc="http://schemas.openxmlformats.org/markup-compatibility/2006">
-        <mc:Choice xmlns:a14="http://schemas.microsoft.com/office/drawing/2010/main" Requires="a14">
+      <mc:AlternateContent xmlns:mc="http://schemas.openxmlformats.org/markup-compatibility/2006" xmlns:a14="http://schemas.microsoft.com/office/drawing/2010/main">
+        <mc:Choice Requires="a14">
           <p:sp>
             <p:nvSpPr>
               <p:cNvPr id="59" name="Textfeld 58">
@@ -22699,6 +24945,7 @@
               </a:bodyPr>
               <a:lstStyle/>
               <a:p>
+                <a:pPr/>
                 <a14:m>
                   <m:oMathPara xmlns:m="http://schemas.openxmlformats.org/officeDocument/2006/math">
                     <m:oMathParaPr>
@@ -22743,7 +24990,7 @@
             </p:txBody>
           </p:sp>
         </mc:Choice>
-        <mc:Fallback>
+        <mc:Fallback xmlns="">
           <p:sp>
             <p:nvSpPr>
               <p:cNvPr id="59" name="Textfeld 58">
@@ -24099,7 +26346,14 @@
                               <a:latin typeface="Cambria Math" panose="02040503050406030204" pitchFamily="18" charset="0"/>
                               <a:ea typeface="Cambria Math" panose="02040503050406030204" pitchFamily="18" charset="0"/>
                             </a:rPr>
-                            <m:t>′,</m:t>
+                            <m:t>′</m:t>
+                          </m:r>
+                          <m:r>
+                            <a:rPr lang="de-DE" sz="1800" b="0" i="1" smtClean="0">
+                              <a:latin typeface="Cambria Math" panose="02040503050406030204" pitchFamily="18" charset="0"/>
+                              <a:ea typeface="Cambria Math" panose="02040503050406030204" pitchFamily="18" charset="0"/>
+                            </a:rPr>
+                            <m:t>,</m:t>
                           </m:r>
                           <m:r>
                             <a:rPr lang="de-DE" sz="1800" b="0" i="1" smtClean="0">
@@ -24359,7 +26613,13 @@
                         <a:rPr lang="de-DE" sz="1800" b="0" i="1" smtClean="0">
                           <a:latin typeface="Cambria Math" panose="02040503050406030204" pitchFamily="18" charset="0"/>
                         </a:rPr>
-                        <m:t>𝑒𝑎𝑐h</m:t>
+                        <m:t>𝑒𝑎𝑐</m:t>
+                      </m:r>
+                      <m:r>
+                        <a:rPr lang="de-DE" sz="1800" b="0" i="1" smtClean="0">
+                          <a:latin typeface="Cambria Math" panose="02040503050406030204" pitchFamily="18" charset="0"/>
+                        </a:rPr>
+                        <m:t>h</m:t>
                       </m:r>
                       <m:r>
                         <a:rPr lang="de-DE" sz="1800" b="0" i="1" smtClean="0">
@@ -25366,8 +27626,8 @@
           </a:p>
         </p:txBody>
       </p:sp>
-      <mc:AlternateContent xmlns:mc="http://schemas.openxmlformats.org/markup-compatibility/2006" xmlns:a14="http://schemas.microsoft.com/office/drawing/2010/main">
-        <mc:Choice Requires="a14">
+      <mc:AlternateContent xmlns:mc="http://schemas.openxmlformats.org/markup-compatibility/2006">
+        <mc:Choice xmlns:a14="http://schemas.microsoft.com/office/drawing/2010/main" Requires="a14">
           <p:sp>
             <p:nvSpPr>
               <p:cNvPr id="10" name="Inhaltsplatzhalter 2">
@@ -25859,7 +28119,7 @@
                           <a:latin typeface="Cambria Math" panose="02040503050406030204" pitchFamily="18" charset="0"/>
                           <a:ea typeface="Cambria Math" panose="02040503050406030204" pitchFamily="18" charset="0"/>
                         </a:rPr>
-                        <m:t>𝑜𝑢𝑡𝑔𝑜𝑖𝑛𝑔</m:t>
+                        <m:t>𝑐𝑜𝑛𝑛𝑒𝑐𝑡𝑒𝑑</m:t>
                       </m:r>
                       <m:r>
                         <a:rPr lang="de-DE" sz="2000" b="0" i="1" smtClean="0">
@@ -25920,7 +28180,7 @@
             </p:txBody>
           </p:sp>
         </mc:Choice>
-        <mc:Fallback xmlns="">
+        <mc:Fallback>
           <p:sp>
             <p:nvSpPr>
               <p:cNvPr id="10" name="Inhaltsplatzhalter 2">

--- a/Presentation/Fachprojekt_Presentation1_Final.pptx
+++ b/Presentation/Fachprojekt_Presentation1_Final.pptx
@@ -24,12 +24,16 @@
     <p:sldId id="283" r:id="rId18"/>
     <p:sldId id="273" r:id="rId19"/>
     <p:sldId id="274" r:id="rId20"/>
-    <p:sldId id="275" r:id="rId21"/>
-    <p:sldId id="278" r:id="rId22"/>
-    <p:sldId id="279" r:id="rId23"/>
-    <p:sldId id="280" r:id="rId24"/>
-    <p:sldId id="281" r:id="rId25"/>
-    <p:sldId id="268" r:id="rId26"/>
+    <p:sldId id="286" r:id="rId21"/>
+    <p:sldId id="275" r:id="rId22"/>
+    <p:sldId id="284" r:id="rId23"/>
+    <p:sldId id="287" r:id="rId24"/>
+    <p:sldId id="285" r:id="rId25"/>
+    <p:sldId id="278" r:id="rId26"/>
+    <p:sldId id="279" r:id="rId27"/>
+    <p:sldId id="280" r:id="rId28"/>
+    <p:sldId id="281" r:id="rId29"/>
+    <p:sldId id="268" r:id="rId30"/>
   </p:sldIdLst>
   <p:sldSz cx="12192000" cy="6858000"/>
   <p:notesSz cx="6858000" cy="9144000"/>
@@ -3842,7 +3846,7 @@
             </p:nvSpPr>
             <p:spPr>
               <a:xfrm>
-                <a:off x="879290" y="1496450"/>
+                <a:off x="838200" y="1690688"/>
                 <a:ext cx="10321146" cy="4893647"/>
               </a:xfrm>
               <a:prstGeom prst="rect">
@@ -3853,7 +3857,7 @@
               </a:ln>
               <a:extLst>
                 <a:ext uri="{C572A759-6A51-4108-AA02-DFA0A04FC94B}">
-                  <ma14:wrappingTextBoxFlag xmlns="" xmlns:m="http://schemas.openxmlformats.org/officeDocument/2006/math" xmlns:ma14="http://schemas.microsoft.com/office/mac/drawingml/2011/main" val="1"/>
+                  <ma14:wrappingTextBoxFlag xmlns:ma14="http://schemas.microsoft.com/office/mac/drawingml/2011/main" xmlns:m="http://schemas.openxmlformats.org/officeDocument/2006/math" xmlns="" val="1"/>
                 </a:ext>
               </a:extLst>
             </p:spPr>
@@ -4102,7 +4106,7 @@
             </p:nvSpPr>
             <p:spPr>
               <a:xfrm>
-                <a:off x="879290" y="1496450"/>
+                <a:off x="838200" y="1690688"/>
                 <a:ext cx="10321146" cy="4893647"/>
               </a:xfrm>
               <a:prstGeom prst="rect">
@@ -4119,7 +4123,7 @@
               </a:ln>
               <a:extLst>
                 <a:ext uri="{C572A759-6A51-4108-AA02-DFA0A04FC94B}">
-                  <ma14:wrappingTextBoxFlag xmlns="" xmlns:m="http://schemas.openxmlformats.org/officeDocument/2006/math" xmlns:a14="http://schemas.microsoft.com/office/drawing/2010/main" xmlns:ma14="http://schemas.microsoft.com/office/mac/drawingml/2011/main" val="1"/>
+                  <ma14:wrappingTextBoxFlag xmlns:ma14="http://schemas.microsoft.com/office/mac/drawingml/2011/main" xmlns:m="http://schemas.openxmlformats.org/officeDocument/2006/math" xmlns="" xmlns:a14="http://schemas.microsoft.com/office/drawing/2010/main" val="1"/>
                 </a:ext>
               </a:extLst>
             </p:spPr>
@@ -4226,7 +4230,7 @@
             <a:effectLst/>
             <a:extLst>
               <a:ext uri="{C572A759-6A51-4108-AA02-DFA0A04FC94B}">
-                <ma14:wrappingTextBoxFlag xmlns="" xmlns:m="http://schemas.openxmlformats.org/officeDocument/2006/math" xmlns:a14="http://schemas.microsoft.com/office/drawing/2010/main" xmlns:ma14="http://schemas.microsoft.com/office/mac/drawingml/2011/main" val="1"/>
+                <ma14:wrappingTextBoxFlag xmlns:ma14="http://schemas.microsoft.com/office/mac/drawingml/2011/main" xmlns:a14="http://schemas.microsoft.com/office/drawing/2010/main" xmlns:m="http://schemas.openxmlformats.org/officeDocument/2006/math" xmlns="" val="1"/>
               </a:ext>
             </a:extLst>
           </p:spPr>
@@ -5313,14 +5317,7 @@
                               <a:latin typeface="Cambria Math" panose="02040503050406030204" pitchFamily="18" charset="0"/>
                               <a:ea typeface="Cambria Math" panose="02040503050406030204" pitchFamily="18" charset="0"/>
                             </a:rPr>
-                            <m:t>′</m:t>
-                          </m:r>
-                          <m:r>
-                            <a:rPr lang="de-DE" sz="1800" b="0" i="1" smtClean="0">
-                              <a:latin typeface="Cambria Math" panose="02040503050406030204" pitchFamily="18" charset="0"/>
-                              <a:ea typeface="Cambria Math" panose="02040503050406030204" pitchFamily="18" charset="0"/>
-                            </a:rPr>
-                            <m:t>,</m:t>
+                            <m:t>′,</m:t>
                           </m:r>
                           <m:r>
                             <a:rPr lang="de-DE" sz="1800" b="0" i="1" smtClean="0">
@@ -5714,13 +5711,7 @@
                         <a:rPr lang="de-DE" sz="1800" i="1">
                           <a:latin typeface="Cambria Math" panose="02040503050406030204" pitchFamily="18" charset="0"/>
                         </a:rPr>
-                        <m:t>𝑒𝑎𝑐</m:t>
-                      </m:r>
-                      <m:r>
-                        <a:rPr lang="de-DE" sz="1800" i="1">
-                          <a:latin typeface="Cambria Math" panose="02040503050406030204" pitchFamily="18" charset="0"/>
-                        </a:rPr>
-                        <m:t>h</m:t>
+                        <m:t>𝑒𝑎𝑐h</m:t>
                       </m:r>
                       <m:r>
                         <a:rPr lang="de-DE" sz="1800" i="1">
@@ -6319,8 +6310,8 @@
             </p:nvSpPr>
             <p:spPr>
               <a:xfrm>
-                <a:off x="879290" y="1496451"/>
-                <a:ext cx="10321147" cy="4278090"/>
+                <a:off x="838200" y="1690688"/>
+                <a:ext cx="10321147" cy="3908758"/>
               </a:xfrm>
               <a:prstGeom prst="rect">
                 <a:avLst/>
@@ -6330,7 +6321,7 @@
               </a:ln>
               <a:extLst>
                 <a:ext uri="{C572A759-6A51-4108-AA02-DFA0A04FC94B}">
-                  <ma14:wrappingTextBoxFlag xmlns:ma14="http://schemas.microsoft.com/office/mac/drawingml/2011/main" xmlns:m="http://schemas.openxmlformats.org/officeDocument/2006/math" xmlns="" val="1"/>
+                  <ma14:wrappingTextBoxFlag xmlns="" xmlns:m="http://schemas.openxmlformats.org/officeDocument/2006/math" xmlns:ma14="http://schemas.microsoft.com/office/mac/drawingml/2011/main" val="1"/>
                 </a:ext>
               </a:extLst>
             </p:spPr>
@@ -6343,15 +6334,13 @@
                 <a:pPr>
                   <a:defRPr sz="2400"/>
                 </a:pPr>
-                <a:endParaRPr lang="de-DE" dirty="0"/>
-              </a:p>
-              <a:p>
-                <a:pPr>
-                  <a:defRPr sz="2400"/>
-                </a:pPr>
+                <a:r>
+                  <a:rPr lang="de-DE" dirty="0" err="1"/>
+                  <a:t>Impressions</a:t>
+                </a:r>
                 <a:r>
                   <a:rPr lang="de-DE" dirty="0"/>
-                  <a:t>Impressions:</a:t>
+                  <a:t>:</a:t>
                 </a:r>
               </a:p>
               <a:p>
@@ -6616,8 +6605,8 @@
             </p:nvSpPr>
             <p:spPr>
               <a:xfrm>
-                <a:off x="879290" y="1496451"/>
-                <a:ext cx="10321147" cy="4278090"/>
+                <a:off x="838200" y="1690688"/>
+                <a:ext cx="10321147" cy="3908758"/>
               </a:xfrm>
               <a:prstGeom prst="rect">
                 <a:avLst/>
@@ -6625,7 +6614,7 @@
               <a:blipFill>
                 <a:blip r:embed="rId2"/>
                 <a:stretch>
-                  <a:fillRect l="-1359"/>
+                  <a:fillRect l="-1359" t="-1246"/>
                 </a:stretch>
               </a:blipFill>
               <a:ln w="12700">
@@ -6633,7 +6622,7 @@
               </a:ln>
               <a:extLst>
                 <a:ext uri="{C572A759-6A51-4108-AA02-DFA0A04FC94B}">
-                  <ma14:wrappingTextBoxFlag xmlns:ma14="http://schemas.microsoft.com/office/mac/drawingml/2011/main" xmlns:a14="http://schemas.microsoft.com/office/drawing/2010/main" xmlns:m="http://schemas.openxmlformats.org/officeDocument/2006/math" xmlns="" val="1"/>
+                  <ma14:wrappingTextBoxFlag xmlns="" xmlns:m="http://schemas.openxmlformats.org/officeDocument/2006/math" xmlns:ma14="http://schemas.microsoft.com/office/mac/drawingml/2011/main" xmlns:a14="http://schemas.microsoft.com/office/drawing/2010/main" val="1"/>
                 </a:ext>
               </a:extLst>
             </p:spPr>
@@ -6740,7 +6729,7 @@
             <a:effectLst/>
             <a:extLst>
               <a:ext uri="{C572A759-6A51-4108-AA02-DFA0A04FC94B}">
-                <ma14:wrappingTextBoxFlag xmlns:ma14="http://schemas.microsoft.com/office/mac/drawingml/2011/main" xmlns:a14="http://schemas.microsoft.com/office/drawing/2010/main" xmlns:m="http://schemas.openxmlformats.org/officeDocument/2006/math" xmlns="" val="1"/>
+                <ma14:wrappingTextBoxFlag xmlns="" xmlns:m="http://schemas.openxmlformats.org/officeDocument/2006/math" xmlns:a14="http://schemas.microsoft.com/office/drawing/2010/main" xmlns:ma14="http://schemas.microsoft.com/office/mac/drawingml/2011/main" val="1"/>
               </a:ext>
             </a:extLst>
           </p:spPr>
@@ -6897,7 +6886,7 @@
             <a:effectLst/>
             <a:extLst>
               <a:ext uri="{C572A759-6A51-4108-AA02-DFA0A04FC94B}">
-                <ma14:wrappingTextBoxFlag xmlns:ma14="http://schemas.microsoft.com/office/mac/drawingml/2011/main" xmlns:a14="http://schemas.microsoft.com/office/drawing/2010/main" xmlns:m="http://schemas.openxmlformats.org/officeDocument/2006/math" xmlns="" val="1"/>
+                <ma14:wrappingTextBoxFlag xmlns="" xmlns:m="http://schemas.openxmlformats.org/officeDocument/2006/math" xmlns:a14="http://schemas.microsoft.com/office/drawing/2010/main" xmlns:ma14="http://schemas.microsoft.com/office/mac/drawingml/2011/main" val="1"/>
               </a:ext>
             </a:extLst>
           </p:spPr>
@@ -6989,7 +6978,7 @@
           </a:ln>
           <a:extLst>
             <a:ext uri="{C572A759-6A51-4108-AA02-DFA0A04FC94B}">
-              <ma14:wrappingTextBoxFlag xmlns:ma14="http://schemas.microsoft.com/office/mac/drawingml/2011/main" xmlns:a14="http://schemas.microsoft.com/office/drawing/2010/main" xmlns:m="http://schemas.openxmlformats.org/officeDocument/2006/math" xmlns="" val="1"/>
+              <ma14:wrappingTextBoxFlag xmlns="" xmlns:m="http://schemas.openxmlformats.org/officeDocument/2006/math" xmlns:a14="http://schemas.microsoft.com/office/drawing/2010/main" xmlns:ma14="http://schemas.microsoft.com/office/mac/drawingml/2011/main" val="1"/>
             </a:ext>
           </a:extLst>
         </p:spPr>
@@ -7241,7 +7230,7 @@
             <a:effectLst/>
             <a:extLst>
               <a:ext uri="{C572A759-6A51-4108-AA02-DFA0A04FC94B}">
-                <ma14:wrappingTextBoxFlag xmlns:ma14="http://schemas.microsoft.com/office/mac/drawingml/2011/main" xmlns:a14="http://schemas.microsoft.com/office/drawing/2010/main" xmlns:m="http://schemas.openxmlformats.org/officeDocument/2006/math" xmlns="" val="1"/>
+                <ma14:wrappingTextBoxFlag xmlns="" xmlns:m="http://schemas.openxmlformats.org/officeDocument/2006/math" xmlns:a14="http://schemas.microsoft.com/office/drawing/2010/main" xmlns:ma14="http://schemas.microsoft.com/office/mac/drawingml/2011/main" val="1"/>
               </a:ext>
             </a:extLst>
           </p:spPr>
@@ -7306,7 +7295,7 @@
           </a:ln>
           <a:extLst>
             <a:ext uri="{C572A759-6A51-4108-AA02-DFA0A04FC94B}">
-              <ma14:wrappingTextBoxFlag xmlns:ma14="http://schemas.microsoft.com/office/mac/drawingml/2011/main" xmlns:a14="http://schemas.microsoft.com/office/drawing/2010/main" xmlns:m="http://schemas.openxmlformats.org/officeDocument/2006/math" xmlns="" val="1"/>
+              <ma14:wrappingTextBoxFlag xmlns="" xmlns:m="http://schemas.openxmlformats.org/officeDocument/2006/math" xmlns:a14="http://schemas.microsoft.com/office/drawing/2010/main" xmlns:ma14="http://schemas.microsoft.com/office/mac/drawingml/2011/main" val="1"/>
             </a:ext>
           </a:extLst>
         </p:spPr>
@@ -7641,7 +7630,7 @@
             <a:effectLst/>
             <a:extLst>
               <a:ext uri="{C572A759-6A51-4108-AA02-DFA0A04FC94B}">
-                <ma14:wrappingTextBoxFlag xmlns:ma14="http://schemas.microsoft.com/office/mac/drawingml/2011/main" xmlns:a14="http://schemas.microsoft.com/office/drawing/2010/main" xmlns:m="http://schemas.openxmlformats.org/officeDocument/2006/math" xmlns="" val="1"/>
+                <ma14:wrappingTextBoxFlag xmlns="" xmlns:m="http://schemas.openxmlformats.org/officeDocument/2006/math" xmlns:a14="http://schemas.microsoft.com/office/drawing/2010/main" xmlns:ma14="http://schemas.microsoft.com/office/mac/drawingml/2011/main" val="1"/>
               </a:ext>
             </a:extLst>
           </p:spPr>
@@ -7676,8 +7665,8 @@
         </p:blipFill>
         <p:spPr>
           <a:xfrm>
-            <a:off x="84504" y="2030186"/>
-            <a:ext cx="12192001" cy="4029877"/>
+            <a:off x="145825" y="2055813"/>
+            <a:ext cx="11900350" cy="3933476"/>
           </a:xfrm>
           <a:prstGeom prst="rect">
             <a:avLst/>
@@ -7830,7 +7819,7 @@
             <a:effectLst/>
             <a:extLst>
               <a:ext uri="{C572A759-6A51-4108-AA02-DFA0A04FC94B}">
-                <ma14:wrappingTextBoxFlag xmlns:ma14="http://schemas.microsoft.com/office/mac/drawingml/2011/main" xmlns:a14="http://schemas.microsoft.com/office/drawing/2010/main" xmlns:m="http://schemas.openxmlformats.org/officeDocument/2006/math" xmlns="" val="1"/>
+                <ma14:wrappingTextBoxFlag xmlns="" xmlns:m="http://schemas.openxmlformats.org/officeDocument/2006/math" xmlns:a14="http://schemas.microsoft.com/office/drawing/2010/main" xmlns:ma14="http://schemas.microsoft.com/office/mac/drawingml/2011/main" val="1"/>
               </a:ext>
             </a:extLst>
           </p:spPr>
@@ -7930,8 +7919,8 @@
           </a:ln>
         </p:spPr>
       </p:pic>
-      <mc:AlternateContent xmlns:mc="http://schemas.openxmlformats.org/markup-compatibility/2006">
-        <mc:Choice xmlns:a14="http://schemas.microsoft.com/office/drawing/2010/main" Requires="a14">
+      <mc:AlternateContent xmlns:mc="http://schemas.openxmlformats.org/markup-compatibility/2006" xmlns:a14="http://schemas.microsoft.com/office/drawing/2010/main">
+        <mc:Choice Requires="a14">
           <p:sp>
             <p:nvSpPr>
               <p:cNvPr id="339" name="All Topologies:…"/>
@@ -7951,7 +7940,7 @@
               </a:ln>
               <a:extLst>
                 <a:ext uri="{C572A759-6A51-4108-AA02-DFA0A04FC94B}">
-                  <ma14:wrappingTextBoxFlag xmlns:ma14="http://schemas.microsoft.com/office/mac/drawingml/2011/main" xmlns:m="http://schemas.openxmlformats.org/officeDocument/2006/math" xmlns="" val="1"/>
+                  <ma14:wrappingTextBoxFlag xmlns="" xmlns:m="http://schemas.openxmlformats.org/officeDocument/2006/math" xmlns:ma14="http://schemas.microsoft.com/office/mac/drawingml/2011/main" val="1"/>
                 </a:ext>
               </a:extLst>
             </p:spPr>
@@ -7980,13 +7969,7 @@
                       <a:rPr lang="de-DE" b="0" i="1" smtClean="0">
                         <a:latin typeface="Cambria Math" panose="02040503050406030204" pitchFamily="18" charset="0"/>
                       </a:rPr>
-                      <m:t>3</m:t>
-                    </m:r>
-                    <m:r>
-                      <a:rPr lang="de-DE" b="0" i="1" smtClean="0">
-                        <a:latin typeface="Cambria Math" panose="02040503050406030204" pitchFamily="18" charset="0"/>
-                      </a:rPr>
-                      <m:t> </m:t>
+                      <m:t>3 </m:t>
                     </m:r>
                     <m:r>
                       <a:rPr lang="de-DE" b="0" i="1" smtClean="0">
@@ -8011,7 +7994,7 @@
             </p:txBody>
           </p:sp>
         </mc:Choice>
-        <mc:Fallback>
+        <mc:Fallback xmlns="">
           <p:sp>
             <p:nvSpPr>
               <p:cNvPr id="339" name="All Topologies:…"/>
@@ -8259,8 +8242,8 @@
           </a:p>
         </p:txBody>
       </p:sp>
-      <mc:AlternateContent xmlns:mc="http://schemas.openxmlformats.org/markup-compatibility/2006" xmlns:a14="http://schemas.microsoft.com/office/drawing/2010/main">
-        <mc:Choice Requires="a14">
+      <mc:AlternateContent xmlns:mc="http://schemas.openxmlformats.org/markup-compatibility/2006">
+        <mc:Choice xmlns:a14="http://schemas.microsoft.com/office/drawing/2010/main" Requires="a14">
           <p:sp>
             <p:nvSpPr>
               <p:cNvPr id="243" name="Textfeld 7"/>
@@ -8269,8 +8252,8 @@
             </p:nvSpPr>
             <p:spPr>
               <a:xfrm>
-                <a:off x="879290" y="1496450"/>
-                <a:ext cx="10321146" cy="5201424"/>
+                <a:off x="838200" y="1690688"/>
+                <a:ext cx="10321146" cy="4585871"/>
               </a:xfrm>
               <a:prstGeom prst="rect">
                 <a:avLst/>
@@ -8280,7 +8263,7 @@
               </a:ln>
               <a:extLst>
                 <a:ext uri="{C572A759-6A51-4108-AA02-DFA0A04FC94B}">
-                  <ma14:wrappingTextBoxFlag xmlns="" xmlns:m="http://schemas.openxmlformats.org/officeDocument/2006/math" xmlns:ma14="http://schemas.microsoft.com/office/mac/drawingml/2011/main" val="1"/>
+                  <ma14:wrappingTextBoxFlag xmlns:ma14="http://schemas.microsoft.com/office/mac/drawingml/2011/main" xmlns:m="http://schemas.openxmlformats.org/officeDocument/2006/math" xmlns="" val="1"/>
                 </a:ext>
               </a:extLst>
             </p:spPr>
@@ -8372,7 +8355,7 @@
                 </a:pPr>
                 <a:r>
                   <a:rPr lang="en-US" dirty="0"/>
-                  <a:t>Actions:</a:t>
+                  <a:t>Strategy:</a:t>
                 </a:r>
               </a:p>
               <a:p>
@@ -8617,7 +8600,7 @@
                 </a:pPr>
                 <a:r>
                   <a:rPr lang="en-US" dirty="0"/>
-                  <a:t>Why this cloud be interesting? - Answers for the questions:</a:t>
+                  <a:t>Why could this be interesting? - Answers for the questions:</a:t>
                 </a:r>
               </a:p>
               <a:p>
@@ -8699,28 +8682,10 @@
                   <a:t> </a:t>
                 </a:r>
               </a:p>
-              <a:p>
-                <a:pPr marL="342900" indent="-342900">
-                  <a:buSzPct val="100000"/>
-                  <a:buFont typeface="Arial"/>
-                  <a:buChar char="•"/>
-                  <a:defRPr sz="2000"/>
-                </a:pPr>
-                <a:endParaRPr lang="en-US" dirty="0"/>
-              </a:p>
-              <a:p>
-                <a:pPr marL="342900" indent="-342900">
-                  <a:buSzPct val="100000"/>
-                  <a:buFont typeface="Arial"/>
-                  <a:buChar char="•"/>
-                  <a:defRPr sz="2000"/>
-                </a:pPr>
-                <a:endParaRPr dirty="0"/>
-              </a:p>
             </p:txBody>
           </p:sp>
         </mc:Choice>
-        <mc:Fallback xmlns="">
+        <mc:Fallback>
           <p:sp>
             <p:nvSpPr>
               <p:cNvPr id="243" name="Textfeld 7"/>
@@ -8731,8 +8696,8 @@
             </p:nvSpPr>
             <p:spPr>
               <a:xfrm>
-                <a:off x="879290" y="1496450"/>
-                <a:ext cx="10321146" cy="5201424"/>
+                <a:off x="838200" y="1690688"/>
+                <a:ext cx="10321146" cy="4585871"/>
               </a:xfrm>
               <a:prstGeom prst="rect">
                 <a:avLst/>
@@ -8740,7 +8705,7 @@
               <a:blipFill>
                 <a:blip r:embed="rId2"/>
                 <a:stretch>
-                  <a:fillRect l="-1359" t="-937" r="-709"/>
+                  <a:fillRect l="-1359" t="-1062" r="-650" b="-1328"/>
                 </a:stretch>
               </a:blipFill>
               <a:ln w="12700">
@@ -8748,7 +8713,7 @@
               </a:ln>
               <a:extLst>
                 <a:ext uri="{C572A759-6A51-4108-AA02-DFA0A04FC94B}">
-                  <ma14:wrappingTextBoxFlag xmlns:ma14="http://schemas.microsoft.com/office/mac/drawingml/2011/main" xmlns:a14="http://schemas.microsoft.com/office/drawing/2010/main" xmlns:m="http://schemas.openxmlformats.org/officeDocument/2006/math" xmlns="" val="1"/>
+                  <ma14:wrappingTextBoxFlag xmlns:ma14="http://schemas.microsoft.com/office/mac/drawingml/2011/main" xmlns:m="http://schemas.openxmlformats.org/officeDocument/2006/math" xmlns="" xmlns:a14="http://schemas.microsoft.com/office/drawing/2010/main" val="1"/>
                 </a:ext>
               </a:extLst>
             </p:spPr>
@@ -8855,7 +8820,7 @@
             <a:effectLst/>
             <a:extLst>
               <a:ext uri="{C572A759-6A51-4108-AA02-DFA0A04FC94B}">
-                <ma14:wrappingTextBoxFlag xmlns="" xmlns:m="http://schemas.openxmlformats.org/officeDocument/2006/math" xmlns:a14="http://schemas.microsoft.com/office/drawing/2010/main" xmlns:ma14="http://schemas.microsoft.com/office/mac/drawingml/2011/main" val="1"/>
+                <ma14:wrappingTextBoxFlag xmlns:ma14="http://schemas.microsoft.com/office/mac/drawingml/2011/main" xmlns:a14="http://schemas.microsoft.com/office/drawing/2010/main" xmlns:m="http://schemas.openxmlformats.org/officeDocument/2006/math" xmlns="" val="1"/>
               </a:ext>
             </a:extLst>
           </p:spPr>
@@ -9067,6 +9032,891 @@
       </p:grpSpPr>
       <p:sp>
         <p:nvSpPr>
+          <p:cNvPr id="242" name="Titel 1"/>
+          <p:cNvSpPr txBox="1">
+            <a:spLocks noGrp="1"/>
+          </p:cNvSpPr>
+          <p:nvPr>
+            <p:ph type="title"/>
+          </p:nvPr>
+        </p:nvSpPr>
+        <p:spPr>
+          <a:prstGeom prst="rect">
+            <a:avLst/>
+          </a:prstGeom>
+        </p:spPr>
+        <p:txBody>
+          <a:bodyPr/>
+          <a:lstStyle/>
+          <a:p>
+            <a:r>
+              <a:rPr dirty="0" err="1"/>
+              <a:t>kWP</a:t>
+            </a:r>
+            <a:r>
+              <a:rPr dirty="0"/>
+              <a:t> per </a:t>
+            </a:r>
+            <a:r>
+              <a:rPr lang="de-DE" dirty="0" err="1"/>
+              <a:t>Node</a:t>
+            </a:r>
+            <a:r>
+              <a:rPr lang="de-DE" dirty="0"/>
+              <a:t>: </a:t>
+            </a:r>
+            <a:r>
+              <a:rPr lang="de-DE" dirty="0" err="1"/>
+              <a:t>Practical</a:t>
+            </a:r>
+            <a:endParaRPr dirty="0"/>
+          </a:p>
+        </p:txBody>
+      </p:sp>
+      <mc:AlternateContent xmlns:mc="http://schemas.openxmlformats.org/markup-compatibility/2006">
+        <mc:Choice xmlns:a14="http://schemas.microsoft.com/office/drawing/2010/main" Requires="a14">
+          <p:sp>
+            <p:nvSpPr>
+              <p:cNvPr id="243" name="Textfeld 7"/>
+              <p:cNvSpPr txBox="1"/>
+              <p:nvPr/>
+            </p:nvSpPr>
+            <p:spPr>
+              <a:xfrm>
+                <a:off x="838200" y="1690688"/>
+                <a:ext cx="10321146" cy="4587794"/>
+              </a:xfrm>
+              <a:prstGeom prst="rect">
+                <a:avLst/>
+              </a:prstGeom>
+              <a:ln w="12700">
+                <a:miter lim="400000"/>
+              </a:ln>
+              <a:extLst>
+                <a:ext uri="{C572A759-6A51-4108-AA02-DFA0A04FC94B}">
+                  <ma14:wrappingTextBoxFlag xmlns:ma14="http://schemas.microsoft.com/office/mac/drawingml/2011/main" xmlns:m="http://schemas.openxmlformats.org/officeDocument/2006/math" xmlns="" val="1"/>
+                </a:ext>
+              </a:extLst>
+            </p:spPr>
+            <p:txBody>
+              <a:bodyPr lIns="45719" rIns="45719">
+                <a:spAutoFit/>
+              </a:bodyPr>
+              <a:lstStyle/>
+              <a:p>
+                <a:pPr marL="342900" indent="-342900">
+                  <a:buFont typeface="Arial" panose="020B0604020202020204" pitchFamily="34" charset="0"/>
+                  <a:buChar char="•"/>
+                  <a:defRPr sz="2400"/>
+                </a:pPr>
+                <a:r>
+                  <a:rPr lang="en-US" dirty="0"/>
+                  <a:t>Issue: How to define K for multiple Topologies in our experiment?</a:t>
+                </a:r>
+              </a:p>
+              <a:p>
+                <a:pPr>
+                  <a:defRPr sz="2400"/>
+                </a:pPr>
+                <a:endParaRPr lang="en-US" dirty="0"/>
+              </a:p>
+              <a:p>
+                <a:pPr marL="342900" indent="-342900">
+                  <a:buFont typeface="Arial" panose="020B0604020202020204" pitchFamily="34" charset="0"/>
+                  <a:buChar char="•"/>
+                  <a:defRPr sz="2400"/>
+                </a:pPr>
+                <a:r>
+                  <a:rPr lang="en-US" dirty="0"/>
+                  <a:t>Solution: Generate K using common rules for all topologies</a:t>
+                </a:r>
+              </a:p>
+              <a:p>
+                <a:pPr>
+                  <a:defRPr sz="2400"/>
+                </a:pPr>
+                <a:endParaRPr lang="en-US" dirty="0"/>
+              </a:p>
+              <a:p>
+                <a:pPr>
+                  <a:buSzPct val="100000"/>
+                  <a:defRPr sz="2000"/>
+                </a:pPr>
+                <a:r>
+                  <a:rPr lang="en-US" dirty="0"/>
+                  <a:t>	Choose key-value </a:t>
+                </a:r>
+                <a14:m>
+                  <m:oMath xmlns:m="http://schemas.openxmlformats.org/officeDocument/2006/math">
+                    <m:sSub>
+                      <m:sSubPr>
+                        <m:ctrlPr>
+                          <a:rPr lang="de-DE" b="0" i="1" smtClean="0">
+                            <a:latin typeface="Cambria Math" panose="02040503050406030204" pitchFamily="18" charset="0"/>
+                          </a:rPr>
+                        </m:ctrlPr>
+                      </m:sSubPr>
+                      <m:e>
+                        <m:r>
+                          <a:rPr lang="de-DE" b="0" i="1" smtClean="0">
+                            <a:latin typeface="Cambria Math" panose="02040503050406030204" pitchFamily="18" charset="0"/>
+                          </a:rPr>
+                          <m:t>𝑐</m:t>
+                        </m:r>
+                      </m:e>
+                      <m:sub>
+                        <m:r>
+                          <a:rPr lang="de-DE" b="0" i="1" smtClean="0">
+                            <a:latin typeface="Cambria Math" panose="02040503050406030204" pitchFamily="18" charset="0"/>
+                          </a:rPr>
+                          <m:t>𝑔𝑒𝑛</m:t>
+                        </m:r>
+                      </m:sub>
+                    </m:sSub>
+                    <m:r>
+                      <a:rPr lang="de-DE" b="0" i="1" smtClean="0">
+                        <a:latin typeface="Cambria Math" panose="02040503050406030204" pitchFamily="18" charset="0"/>
+                        <a:ea typeface="Cambria Math" panose="02040503050406030204" pitchFamily="18" charset="0"/>
+                      </a:rPr>
+                      <m:t>∈</m:t>
+                    </m:r>
+                    <m:r>
+                      <a:rPr lang="de-DE" b="0" i="1" smtClean="0">
+                        <a:latin typeface="Cambria Math" panose="02040503050406030204" pitchFamily="18" charset="0"/>
+                        <a:ea typeface="Cambria Math" panose="02040503050406030204" pitchFamily="18" charset="0"/>
+                      </a:rPr>
+                      <m:t>ℕ</m:t>
+                    </m:r>
+                  </m:oMath>
+                </a14:m>
+                <a:endParaRPr lang="en-US" dirty="0"/>
+              </a:p>
+              <a:p>
+                <a:pPr>
+                  <a:buSzPct val="100000"/>
+                  <a:defRPr sz="2000"/>
+                </a:pPr>
+                <a:endParaRPr lang="en-US" dirty="0"/>
+              </a:p>
+              <a:p>
+                <a:pPr>
+                  <a:buSzPct val="100000"/>
+                  <a:defRPr sz="2000"/>
+                </a:pPr>
+                <a:r>
+                  <a:rPr lang="en-US" dirty="0"/>
+                  <a:t>	Let </a:t>
+                </a:r>
+                <a14:m>
+                  <m:oMath xmlns:m="http://schemas.openxmlformats.org/officeDocument/2006/math">
+                    <m:r>
+                      <a:rPr lang="de-DE" b="0" i="1" smtClean="0">
+                        <a:latin typeface="Cambria Math" panose="02040503050406030204" pitchFamily="18" charset="0"/>
+                      </a:rPr>
+                      <m:t>𝐾</m:t>
+                    </m:r>
+                    <m:r>
+                      <a:rPr lang="de-DE" b="0" i="1" smtClean="0">
+                        <a:latin typeface="Cambria Math" panose="02040503050406030204" pitchFamily="18" charset="0"/>
+                      </a:rPr>
+                      <m:t>=</m:t>
+                    </m:r>
+                    <m:d>
+                      <m:dPr>
+                        <m:begChr m:val="{"/>
+                        <m:endChr m:val="|"/>
+                        <m:ctrlPr>
+                          <a:rPr lang="de-DE" i="1" smtClean="0">
+                            <a:latin typeface="Cambria Math" panose="02040503050406030204" pitchFamily="18" charset="0"/>
+                          </a:rPr>
+                        </m:ctrlPr>
+                      </m:dPr>
+                      <m:e>
+                        <m:sSub>
+                          <m:sSubPr>
+                            <m:ctrlPr>
+                              <a:rPr lang="de-DE" i="1" smtClean="0">
+                                <a:latin typeface="Cambria Math" panose="02040503050406030204" pitchFamily="18" charset="0"/>
+                              </a:rPr>
+                            </m:ctrlPr>
+                          </m:sSubPr>
+                          <m:e>
+                            <m:r>
+                              <a:rPr lang="de-DE" b="0" i="1" smtClean="0">
+                                <a:latin typeface="Cambria Math" panose="02040503050406030204" pitchFamily="18" charset="0"/>
+                              </a:rPr>
+                              <m:t>𝑘</m:t>
+                            </m:r>
+                          </m:e>
+                          <m:sub>
+                            <m:r>
+                              <a:rPr lang="de-DE" b="0" i="1" smtClean="0">
+                                <a:latin typeface="Cambria Math" panose="02040503050406030204" pitchFamily="18" charset="0"/>
+                              </a:rPr>
+                              <m:t>𝑣</m:t>
+                            </m:r>
+                          </m:sub>
+                        </m:sSub>
+                        <m:r>
+                          <a:rPr lang="de-DE" b="0" i="1" smtClean="0">
+                            <a:latin typeface="Cambria Math" panose="02040503050406030204" pitchFamily="18" charset="0"/>
+                            <a:ea typeface="Cambria Math" panose="02040503050406030204" pitchFamily="18" charset="0"/>
+                          </a:rPr>
+                          <m:t>∈</m:t>
+                        </m:r>
+                        <m:r>
+                          <a:rPr lang="de-DE" b="0" i="1" smtClean="0">
+                            <a:latin typeface="Cambria Math" panose="02040503050406030204" pitchFamily="18" charset="0"/>
+                            <a:ea typeface="Cambria Math" panose="02040503050406030204" pitchFamily="18" charset="0"/>
+                          </a:rPr>
+                          <m:t>ℕ</m:t>
+                        </m:r>
+                        <m:r>
+                          <a:rPr lang="de-DE" b="0" i="1" smtClean="0">
+                            <a:latin typeface="Cambria Math" panose="02040503050406030204" pitchFamily="18" charset="0"/>
+                            <a:ea typeface="Cambria Math" panose="02040503050406030204" pitchFamily="18" charset="0"/>
+                          </a:rPr>
+                          <m:t> </m:t>
+                        </m:r>
+                      </m:e>
+                    </m:d>
+                    <m:r>
+                      <a:rPr lang="de-DE" b="0" i="1" smtClean="0">
+                        <a:latin typeface="Cambria Math" panose="02040503050406030204" pitchFamily="18" charset="0"/>
+                        <a:ea typeface="Cambria Math" panose="02040503050406030204" pitchFamily="18" charset="0"/>
+                      </a:rPr>
+                      <m:t> </m:t>
+                    </m:r>
+                    <m:sSub>
+                      <m:sSubPr>
+                        <m:ctrlPr>
+                          <a:rPr lang="de-DE" i="1" smtClean="0">
+                            <a:latin typeface="Cambria Math" panose="02040503050406030204" pitchFamily="18" charset="0"/>
+                            <a:ea typeface="Cambria Math" panose="02040503050406030204" pitchFamily="18" charset="0"/>
+                          </a:rPr>
+                        </m:ctrlPr>
+                      </m:sSubPr>
+                      <m:e>
+                        <m:r>
+                          <a:rPr lang="de-DE" b="0" i="1" smtClean="0">
+                            <a:latin typeface="Cambria Math" panose="02040503050406030204" pitchFamily="18" charset="0"/>
+                            <a:ea typeface="Cambria Math" panose="02040503050406030204" pitchFamily="18" charset="0"/>
+                          </a:rPr>
+                          <m:t>𝑘</m:t>
+                        </m:r>
+                      </m:e>
+                      <m:sub>
+                        <m:r>
+                          <a:rPr lang="de-DE" b="0" i="1" smtClean="0">
+                            <a:latin typeface="Cambria Math" panose="02040503050406030204" pitchFamily="18" charset="0"/>
+                            <a:ea typeface="Cambria Math" panose="02040503050406030204" pitchFamily="18" charset="0"/>
+                          </a:rPr>
+                          <m:t>𝑣</m:t>
+                        </m:r>
+                      </m:sub>
+                    </m:sSub>
+                    <m:r>
+                      <a:rPr lang="de-DE" b="0" i="1" smtClean="0">
+                        <a:latin typeface="Cambria Math" panose="02040503050406030204" pitchFamily="18" charset="0"/>
+                        <a:ea typeface="Cambria Math" panose="02040503050406030204" pitchFamily="18" charset="0"/>
+                      </a:rPr>
+                      <m:t>=</m:t>
+                    </m:r>
+                    <m:d>
+                      <m:dPr>
+                        <m:begChr m:val="{"/>
+                        <m:endChr m:val=""/>
+                        <m:ctrlPr>
+                          <a:rPr lang="de-DE" i="1" smtClean="0">
+                            <a:latin typeface="Cambria Math" panose="02040503050406030204" pitchFamily="18" charset="0"/>
+                            <a:ea typeface="Cambria Math" panose="02040503050406030204" pitchFamily="18" charset="0"/>
+                          </a:rPr>
+                        </m:ctrlPr>
+                      </m:dPr>
+                      <m:e>
+                        <m:eqArr>
+                          <m:eqArrPr>
+                            <m:ctrlPr>
+                              <a:rPr lang="de-DE" i="1" smtClean="0">
+                                <a:latin typeface="Cambria Math" panose="02040503050406030204" pitchFamily="18" charset="0"/>
+                                <a:ea typeface="Cambria Math" panose="02040503050406030204" pitchFamily="18" charset="0"/>
+                              </a:rPr>
+                            </m:ctrlPr>
+                          </m:eqArrPr>
+                          <m:e>
+                            <m:r>
+                              <a:rPr lang="de-DE" b="0" i="1" smtClean="0">
+                                <a:latin typeface="Cambria Math" panose="02040503050406030204" pitchFamily="18" charset="0"/>
+                                <a:ea typeface="Cambria Math" panose="02040503050406030204" pitchFamily="18" charset="0"/>
+                              </a:rPr>
+                              <m:t>∞</m:t>
+                            </m:r>
+                            <m:r>
+                              <a:rPr lang="de-DE" b="0" i="1" smtClean="0">
+                                <a:latin typeface="Cambria Math" panose="02040503050406030204" pitchFamily="18" charset="0"/>
+                                <a:ea typeface="Cambria Math" panose="02040503050406030204" pitchFamily="18" charset="0"/>
+                              </a:rPr>
+                              <m:t>   ,  </m:t>
+                            </m:r>
+                            <m:r>
+                              <a:rPr lang="de-DE" b="0" i="1" smtClean="0">
+                                <a:latin typeface="Cambria Math" panose="02040503050406030204" pitchFamily="18" charset="0"/>
+                                <a:ea typeface="Cambria Math" panose="02040503050406030204" pitchFamily="18" charset="0"/>
+                              </a:rPr>
+                              <m:t>𝑖𝑓</m:t>
+                            </m:r>
+                            <m:r>
+                              <a:rPr lang="de-DE" b="0" i="1" smtClean="0">
+                                <a:latin typeface="Cambria Math" panose="02040503050406030204" pitchFamily="18" charset="0"/>
+                                <a:ea typeface="Cambria Math" panose="02040503050406030204" pitchFamily="18" charset="0"/>
+                              </a:rPr>
+                              <m:t>  </m:t>
+                            </m:r>
+                            <m:r>
+                              <a:rPr lang="de-DE" b="0" i="1" smtClean="0">
+                                <a:latin typeface="Cambria Math" panose="02040503050406030204" pitchFamily="18" charset="0"/>
+                                <a:ea typeface="Cambria Math" panose="02040503050406030204" pitchFamily="18" charset="0"/>
+                              </a:rPr>
+                              <m:t>𝑣</m:t>
+                            </m:r>
+                            <m:r>
+                              <a:rPr lang="de-DE" b="0" i="1" smtClean="0">
+                                <a:latin typeface="Cambria Math" panose="02040503050406030204" pitchFamily="18" charset="0"/>
+                                <a:ea typeface="Cambria Math" panose="02040503050406030204" pitchFamily="18" charset="0"/>
+                              </a:rPr>
+                              <m:t>|</m:t>
+                            </m:r>
+                            <m:sSub>
+                              <m:sSubPr>
+                                <m:ctrlPr>
+                                  <a:rPr lang="de-DE" i="1">
+                                    <a:latin typeface="Cambria Math" panose="02040503050406030204" pitchFamily="18" charset="0"/>
+                                  </a:rPr>
+                                </m:ctrlPr>
+                              </m:sSubPr>
+                              <m:e>
+                                <m:r>
+                                  <a:rPr lang="de-DE" b="0" i="1">
+                                    <a:latin typeface="Cambria Math" panose="02040503050406030204" pitchFamily="18" charset="0"/>
+                                  </a:rPr>
+                                  <m:t>𝑐</m:t>
+                                </m:r>
+                              </m:e>
+                              <m:sub>
+                                <m:r>
+                                  <a:rPr lang="de-DE" b="0" i="1">
+                                    <a:latin typeface="Cambria Math" panose="02040503050406030204" pitchFamily="18" charset="0"/>
+                                  </a:rPr>
+                                  <m:t>𝑔𝑒𝑛</m:t>
+                                </m:r>
+                              </m:sub>
+                            </m:sSub>
+                          </m:e>
+                          <m:e>
+                            <m:r>
+                              <a:rPr lang="de-DE" b="0" i="1" smtClean="0">
+                                <a:latin typeface="Cambria Math" panose="02040503050406030204" pitchFamily="18" charset="0"/>
+                                <a:ea typeface="Cambria Math" panose="02040503050406030204" pitchFamily="18" charset="0"/>
+                              </a:rPr>
+                              <m:t>0</m:t>
+                            </m:r>
+                            <m:r>
+                              <a:rPr lang="de-DE" b="0" i="1" smtClean="0">
+                                <a:latin typeface="Cambria Math" panose="02040503050406030204" pitchFamily="18" charset="0"/>
+                                <a:ea typeface="Cambria Math" panose="02040503050406030204" pitchFamily="18" charset="0"/>
+                              </a:rPr>
+                              <m:t>     ,  </m:t>
+                            </m:r>
+                            <m:r>
+                              <a:rPr lang="de-DE" b="0" i="1" smtClean="0">
+                                <a:latin typeface="Cambria Math" panose="02040503050406030204" pitchFamily="18" charset="0"/>
+                                <a:ea typeface="Cambria Math" panose="02040503050406030204" pitchFamily="18" charset="0"/>
+                              </a:rPr>
+                              <m:t>𝑒𝑙𝑠𝑒</m:t>
+                            </m:r>
+                            <m:r>
+                              <a:rPr lang="de-DE" b="0" i="1" smtClean="0">
+                                <a:latin typeface="Cambria Math" panose="02040503050406030204" pitchFamily="18" charset="0"/>
+                                <a:ea typeface="Cambria Math" panose="02040503050406030204" pitchFamily="18" charset="0"/>
+                              </a:rPr>
+                              <m:t>         </m:t>
+                            </m:r>
+                          </m:e>
+                        </m:eqArr>
+                      </m:e>
+                    </m:d>
+                    <m:r>
+                      <a:rPr lang="de-DE" b="1" i="1" smtClean="0">
+                        <a:latin typeface="Cambria Math" panose="02040503050406030204" pitchFamily="18" charset="0"/>
+                        <a:ea typeface="Cambria Math" panose="02040503050406030204" pitchFamily="18" charset="0"/>
+                      </a:rPr>
+                      <m:t>  </m:t>
+                    </m:r>
+                    <m:r>
+                      <a:rPr lang="de-DE" b="1" i="1" smtClean="0">
+                        <a:latin typeface="Cambria Math" panose="02040503050406030204" pitchFamily="18" charset="0"/>
+                      </a:rPr>
+                      <m:t>}</m:t>
+                    </m:r>
+                  </m:oMath>
+                </a14:m>
+                <a:endParaRPr lang="en-US" b="1" dirty="0"/>
+              </a:p>
+              <a:p>
+                <a:pPr>
+                  <a:buSzPct val="100000"/>
+                  <a:defRPr sz="2000"/>
+                </a:pPr>
+                <a:r>
+                  <a:rPr lang="en-US" dirty="0">
+                    <a:ea typeface="Cambria Math" panose="02040503050406030204" pitchFamily="18" charset="0"/>
+                  </a:rPr>
+                  <a:t>	</a:t>
+                </a:r>
+                <a:endParaRPr lang="de-DE" i="1" dirty="0">
+                  <a:latin typeface="Cambria Math" panose="02040503050406030204" pitchFamily="18" charset="0"/>
+                  <a:ea typeface="Cambria Math" panose="02040503050406030204" pitchFamily="18" charset="0"/>
+                </a:endParaRPr>
+              </a:p>
+              <a:p>
+                <a:pPr>
+                  <a:buSzPct val="100000"/>
+                  <a:defRPr sz="2000"/>
+                </a:pPr>
+                <a:r>
+                  <a:rPr lang="en-US" dirty="0">
+                    <a:ea typeface="Cambria Math" panose="02040503050406030204" pitchFamily="18" charset="0"/>
+                  </a:rPr>
+                  <a:t>	</a:t>
+                </a:r>
+                <a14:m>
+                  <m:oMath xmlns:m="http://schemas.openxmlformats.org/officeDocument/2006/math">
+                    <m:r>
+                      <a:rPr lang="en-US" i="1" smtClean="0">
+                        <a:latin typeface="Cambria Math" panose="02040503050406030204" pitchFamily="18" charset="0"/>
+                        <a:ea typeface="Cambria Math" panose="02040503050406030204" pitchFamily="18" charset="0"/>
+                      </a:rPr>
+                      <m:t>↔</m:t>
+                    </m:r>
+                  </m:oMath>
+                </a14:m>
+                <a:r>
+                  <a:rPr lang="en-US" dirty="0"/>
+                  <a:t> Only every </a:t>
+                </a:r>
+                <a14:m>
+                  <m:oMath xmlns:m="http://schemas.openxmlformats.org/officeDocument/2006/math">
+                    <m:sSub>
+                      <m:sSubPr>
+                        <m:ctrlPr>
+                          <a:rPr lang="de-DE" i="1">
+                            <a:latin typeface="Cambria Math" panose="02040503050406030204" pitchFamily="18" charset="0"/>
+                          </a:rPr>
+                        </m:ctrlPr>
+                      </m:sSubPr>
+                      <m:e>
+                        <m:r>
+                          <a:rPr lang="de-DE" b="0" i="1">
+                            <a:latin typeface="Cambria Math" panose="02040503050406030204" pitchFamily="18" charset="0"/>
+                          </a:rPr>
+                          <m:t>𝑐</m:t>
+                        </m:r>
+                      </m:e>
+                      <m:sub>
+                        <m:r>
+                          <a:rPr lang="de-DE" b="0" i="1">
+                            <a:latin typeface="Cambria Math" panose="02040503050406030204" pitchFamily="18" charset="0"/>
+                          </a:rPr>
+                          <m:t>𝑔𝑒𝑛</m:t>
+                        </m:r>
+                      </m:sub>
+                    </m:sSub>
+                  </m:oMath>
+                </a14:m>
+                <a:r>
+                  <a:rPr lang="en-US" dirty="0"/>
+                  <a:t>-</a:t>
+                </a:r>
+                <a:r>
+                  <a:rPr lang="en-US" dirty="0" err="1"/>
+                  <a:t>th</a:t>
+                </a:r>
+                <a:r>
+                  <a:rPr lang="en-US" dirty="0"/>
+                  <a:t> node is allowed as a waypoint</a:t>
+                </a:r>
+              </a:p>
+              <a:p>
+                <a:pPr marL="342900" indent="-342900">
+                  <a:buSzPct val="100000"/>
+                  <a:buFont typeface="Arial" panose="020B0604020202020204" pitchFamily="34" charset="0"/>
+                  <a:buChar char="•"/>
+                  <a:defRPr sz="2000"/>
+                </a:pPr>
+                <a:endParaRPr lang="en-US" dirty="0"/>
+              </a:p>
+              <a:p>
+                <a:pPr marL="342900" indent="-342900">
+                  <a:buSzPct val="100000"/>
+                  <a:buFont typeface="Arial" panose="020B0604020202020204" pitchFamily="34" charset="0"/>
+                  <a:buChar char="•"/>
+                  <a:defRPr sz="2000"/>
+                </a:pPr>
+                <a:r>
+                  <a:rPr lang="en-US" sz="2400" dirty="0"/>
+                  <a:t>Example: </a:t>
+                </a:r>
+                <a14:m>
+                  <m:oMath xmlns:m="http://schemas.openxmlformats.org/officeDocument/2006/math">
+                    <m:sSub>
+                      <m:sSubPr>
+                        <m:ctrlPr>
+                          <a:rPr lang="de-DE" sz="2000" i="1" smtClean="0">
+                            <a:latin typeface="Cambria Math" panose="02040503050406030204" pitchFamily="18" charset="0"/>
+                          </a:rPr>
+                        </m:ctrlPr>
+                      </m:sSubPr>
+                      <m:e>
+                        <m:r>
+                          <a:rPr lang="de-DE" sz="2000" b="0" i="1">
+                            <a:latin typeface="Cambria Math" panose="02040503050406030204" pitchFamily="18" charset="0"/>
+                          </a:rPr>
+                          <m:t>𝑐</m:t>
+                        </m:r>
+                      </m:e>
+                      <m:sub>
+                        <m:r>
+                          <a:rPr lang="de-DE" sz="2000" b="0" i="1">
+                            <a:latin typeface="Cambria Math" panose="02040503050406030204" pitchFamily="18" charset="0"/>
+                          </a:rPr>
+                          <m:t>𝑔𝑒𝑛</m:t>
+                        </m:r>
+                      </m:sub>
+                    </m:sSub>
+                    <m:r>
+                      <a:rPr lang="de-DE" sz="2000" b="0" i="1" smtClean="0">
+                        <a:latin typeface="Cambria Math" panose="02040503050406030204" pitchFamily="18" charset="0"/>
+                      </a:rPr>
+                      <m:t>=</m:t>
+                    </m:r>
+                    <m:r>
+                      <a:rPr lang="de-DE" sz="2000" b="0" i="1" smtClean="0">
+                        <a:latin typeface="Cambria Math" panose="02040503050406030204" pitchFamily="18" charset="0"/>
+                      </a:rPr>
+                      <m:t>2</m:t>
+                    </m:r>
+                  </m:oMath>
+                </a14:m>
+                <a:r>
+                  <a:rPr lang="en-US" sz="2400" dirty="0"/>
+                  <a:t> </a:t>
+                </a:r>
+                <a14:m>
+                  <m:oMath xmlns:m="http://schemas.openxmlformats.org/officeDocument/2006/math">
+                    <m:r>
+                      <a:rPr lang="en-US" sz="2400" i="1" dirty="0" smtClean="0">
+                        <a:latin typeface="Cambria Math" panose="02040503050406030204" pitchFamily="18" charset="0"/>
+                        <a:ea typeface="Cambria Math" panose="02040503050406030204" pitchFamily="18" charset="0"/>
+                      </a:rPr>
+                      <m:t>→</m:t>
+                    </m:r>
+                  </m:oMath>
+                </a14:m>
+                <a:r>
+                  <a:rPr lang="en-US" sz="2400" dirty="0"/>
+                  <a:t> 50% of the nodes are banned</a:t>
+                </a:r>
+              </a:p>
+              <a:p>
+                <a:pPr>
+                  <a:buSzPct val="100000"/>
+                  <a:defRPr sz="2000"/>
+                </a:pPr>
+                <a:endParaRPr lang="en-US" dirty="0"/>
+              </a:p>
+            </p:txBody>
+          </p:sp>
+        </mc:Choice>
+        <mc:Fallback>
+          <p:sp>
+            <p:nvSpPr>
+              <p:cNvPr id="243" name="Textfeld 7"/>
+              <p:cNvSpPr txBox="1">
+                <a:spLocks noRot="1" noChangeAspect="1" noMove="1" noResize="1" noEditPoints="1" noAdjustHandles="1" noChangeArrowheads="1" noChangeShapeType="1" noTextEdit="1"/>
+              </p:cNvSpPr>
+              <p:nvPr/>
+            </p:nvSpPr>
+            <p:spPr>
+              <a:xfrm>
+                <a:off x="838200" y="1690688"/>
+                <a:ext cx="10321146" cy="4587794"/>
+              </a:xfrm>
+              <a:prstGeom prst="rect">
+                <a:avLst/>
+              </a:prstGeom>
+              <a:blipFill>
+                <a:blip r:embed="rId2"/>
+                <a:stretch>
+                  <a:fillRect l="-1240" t="-1062"/>
+                </a:stretch>
+              </a:blipFill>
+              <a:ln w="12700">
+                <a:miter lim="400000"/>
+              </a:ln>
+              <a:extLst>
+                <a:ext uri="{C572A759-6A51-4108-AA02-DFA0A04FC94B}">
+                  <ma14:wrappingTextBoxFlag xmlns:ma14="http://schemas.microsoft.com/office/mac/drawingml/2011/main" xmlns:m="http://schemas.openxmlformats.org/officeDocument/2006/math" xmlns="" xmlns:a14="http://schemas.microsoft.com/office/drawing/2010/main" val="1"/>
+                </a:ext>
+              </a:extLst>
+            </p:spPr>
+            <p:txBody>
+              <a:bodyPr/>
+              <a:lstStyle/>
+              <a:p>
+                <a:r>
+                  <a:rPr lang="de-DE">
+                    <a:noFill/>
+                  </a:rPr>
+                  <a:t> </a:t>
+                </a:r>
+              </a:p>
+            </p:txBody>
+          </p:sp>
+        </mc:Fallback>
+      </mc:AlternateContent>
+      <p:grpSp>
+        <p:nvGrpSpPr>
+          <p:cNvPr id="246" name="Rechteck 6"/>
+          <p:cNvGrpSpPr/>
+          <p:nvPr/>
+        </p:nvGrpSpPr>
+        <p:grpSpPr>
+          <a:xfrm>
+            <a:off x="1" y="-2102"/>
+            <a:ext cx="1500330" cy="369330"/>
+            <a:chOff x="0" y="-2102"/>
+            <a:chExt cx="1500328" cy="369330"/>
+          </a:xfrm>
+        </p:grpSpPr>
+        <p:sp>
+          <p:nvSpPr>
+            <p:cNvPr id="244" name="Rechteck"/>
+            <p:cNvSpPr/>
+            <p:nvPr/>
+          </p:nvSpPr>
+          <p:spPr>
+            <a:xfrm>
+              <a:off x="0" y="0"/>
+              <a:ext cx="1500328" cy="365125"/>
+            </a:xfrm>
+            <a:prstGeom prst="rect">
+              <a:avLst/>
+            </a:prstGeom>
+            <a:gradFill flip="none" rotWithShape="1">
+              <a:gsLst>
+                <a:gs pos="0">
+                  <a:schemeClr val="accent3">
+                    <a:lumOff val="17344"/>
+                  </a:schemeClr>
+                </a:gs>
+                <a:gs pos="50000">
+                  <a:srgbClr val="C7C7C7"/>
+                </a:gs>
+                <a:gs pos="100000">
+                  <a:schemeClr val="accent3">
+                    <a:lumOff val="10616"/>
+                  </a:schemeClr>
+                </a:gs>
+              </a:gsLst>
+              <a:lin ang="5400000" scaled="0"/>
+            </a:gradFill>
+            <a:ln w="6350" cap="flat">
+              <a:solidFill>
+                <a:schemeClr val="accent3"/>
+              </a:solidFill>
+              <a:prstDash val="solid"/>
+              <a:miter lim="800000"/>
+            </a:ln>
+            <a:effectLst/>
+          </p:spPr>
+          <p:txBody>
+            <a:bodyPr wrap="square" lIns="45719" tIns="45719" rIns="45719" bIns="45719" numCol="1" anchor="ctr">
+              <a:noAutofit/>
+            </a:bodyPr>
+            <a:lstStyle/>
+            <a:p>
+              <a:pPr algn="ctr"/>
+              <a:endParaRPr/>
+            </a:p>
+          </p:txBody>
+        </p:sp>
+        <p:sp>
+          <p:nvSpPr>
+            <p:cNvPr id="245" name="Algorithm 2"/>
+            <p:cNvSpPr txBox="1"/>
+            <p:nvPr/>
+          </p:nvSpPr>
+          <p:spPr>
+            <a:xfrm>
+              <a:off x="48895" y="-2102"/>
+              <a:ext cx="1402538" cy="369330"/>
+            </a:xfrm>
+            <a:prstGeom prst="rect">
+              <a:avLst/>
+            </a:prstGeom>
+            <a:noFill/>
+            <a:ln w="12700" cap="flat">
+              <a:noFill/>
+              <a:miter lim="400000"/>
+            </a:ln>
+            <a:effectLst/>
+            <a:extLst>
+              <a:ext uri="{C572A759-6A51-4108-AA02-DFA0A04FC94B}">
+                <ma14:wrappingTextBoxFlag xmlns:ma14="http://schemas.microsoft.com/office/mac/drawingml/2011/main" xmlns:a14="http://schemas.microsoft.com/office/drawing/2010/main" xmlns:m="http://schemas.openxmlformats.org/officeDocument/2006/math" xmlns="" val="1"/>
+              </a:ext>
+            </a:extLst>
+          </p:spPr>
+          <p:txBody>
+            <a:bodyPr wrap="square" lIns="45719" tIns="45719" rIns="45719" bIns="45719" numCol="1" anchor="ctr">
+              <a:spAutoFit/>
+            </a:bodyPr>
+            <a:lstStyle>
+              <a:lvl1pPr algn="ctr"/>
+            </a:lstStyle>
+            <a:p>
+              <a:r>
+                <a:rPr dirty="0"/>
+                <a:t>Algorithm </a:t>
+              </a:r>
+              <a:r>
+                <a:rPr lang="de-DE" dirty="0"/>
+                <a:t>3</a:t>
+              </a:r>
+              <a:endParaRPr dirty="0"/>
+            </a:p>
+          </p:txBody>
+        </p:sp>
+      </p:grpSp>
+      <p:sp>
+        <p:nvSpPr>
+          <p:cNvPr id="3" name="Pfeil: nach rechts 2">
+            <a:extLst>
+              <a:ext uri="{FF2B5EF4-FFF2-40B4-BE49-F238E27FC236}">
+                <a16:creationId xmlns:a16="http://schemas.microsoft.com/office/drawing/2014/main" id="{1EDD2221-459E-DEBA-6D34-BFA417587679}"/>
+              </a:ext>
+            </a:extLst>
+          </p:cNvPr>
+          <p:cNvSpPr/>
+          <p:nvPr/>
+        </p:nvSpPr>
+        <p:spPr>
+          <a:xfrm>
+            <a:off x="1229492" y="3204839"/>
+            <a:ext cx="443888" cy="319596"/>
+          </a:xfrm>
+          <a:prstGeom prst="rightArrow">
+            <a:avLst/>
+          </a:prstGeom>
+        </p:spPr>
+        <p:style>
+          <a:lnRef idx="3">
+            <a:schemeClr val="lt1"/>
+          </a:lnRef>
+          <a:fillRef idx="1">
+            <a:schemeClr val="accent3"/>
+          </a:fillRef>
+          <a:effectRef idx="1">
+            <a:schemeClr val="accent3"/>
+          </a:effectRef>
+          <a:fontRef idx="minor">
+            <a:schemeClr val="lt1"/>
+          </a:fontRef>
+        </p:style>
+        <p:txBody>
+          <a:bodyPr rtlCol="0" anchor="ctr"/>
+          <a:lstStyle/>
+          <a:p>
+            <a:pPr algn="ctr"/>
+            <a:endParaRPr lang="de-DE"/>
+          </a:p>
+        </p:txBody>
+      </p:sp>
+      <p:sp>
+        <p:nvSpPr>
+          <p:cNvPr id="9" name="Pfeil: nach rechts 8">
+            <a:extLst>
+              <a:ext uri="{FF2B5EF4-FFF2-40B4-BE49-F238E27FC236}">
+                <a16:creationId xmlns:a16="http://schemas.microsoft.com/office/drawing/2014/main" id="{6BAA103D-26F4-460D-5316-DFA9CF31BFF2}"/>
+              </a:ext>
+            </a:extLst>
+          </p:cNvPr>
+          <p:cNvSpPr/>
+          <p:nvPr/>
+        </p:nvSpPr>
+        <p:spPr>
+          <a:xfrm>
+            <a:off x="1229492" y="4035205"/>
+            <a:ext cx="443888" cy="319596"/>
+          </a:xfrm>
+          <a:prstGeom prst="rightArrow">
+            <a:avLst/>
+          </a:prstGeom>
+        </p:spPr>
+        <p:style>
+          <a:lnRef idx="3">
+            <a:schemeClr val="lt1"/>
+          </a:lnRef>
+          <a:fillRef idx="1">
+            <a:schemeClr val="accent3"/>
+          </a:fillRef>
+          <a:effectRef idx="1">
+            <a:schemeClr val="accent3"/>
+          </a:effectRef>
+          <a:fontRef idx="minor">
+            <a:schemeClr val="lt1"/>
+          </a:fontRef>
+        </p:style>
+        <p:txBody>
+          <a:bodyPr rtlCol="0" anchor="ctr"/>
+          <a:lstStyle/>
+          <a:p>
+            <a:pPr algn="ctr"/>
+            <a:endParaRPr lang="de-DE"/>
+          </a:p>
+        </p:txBody>
+      </p:sp>
+    </p:spTree>
+    <p:extLst>
+      <p:ext uri="{BB962C8B-B14F-4D97-AF65-F5344CB8AC3E}">
+        <p14:creationId xmlns:p14="http://schemas.microsoft.com/office/powerpoint/2010/main" val="848524539"/>
+      </p:ext>
+    </p:extLst>
+  </p:cSld>
+  <p:clrMapOvr>
+    <a:masterClrMapping/>
+  </p:clrMapOvr>
+</p:sld>
+</file>
+
+<file path=ppt/slides/slide21.xml><?xml version="1.0" encoding="utf-8"?>
+<p:sld xmlns:a="http://schemas.openxmlformats.org/drawingml/2006/main" xmlns:r="http://schemas.openxmlformats.org/officeDocument/2006/relationships" xmlns:p="http://schemas.openxmlformats.org/presentationml/2006/main">
+  <p:cSld>
+    <p:spTree>
+      <p:nvGrpSpPr>
+        <p:cNvPr id="1" name=""/>
+        <p:cNvGrpSpPr/>
+        <p:nvPr/>
+      </p:nvGrpSpPr>
+      <p:grpSpPr>
+        <a:xfrm>
+          <a:off x="0" y="0"/>
+          <a:ext cx="0" cy="0"/>
+          <a:chOff x="0" y="0"/>
+          <a:chExt cx="0" cy="0"/>
+        </a:xfrm>
+      </p:grpSpPr>
+      <p:sp>
+        <p:nvSpPr>
           <p:cNvPr id="2" name="Titel 1">
             <a:extLst>
               <a:ext uri="{FF2B5EF4-FFF2-40B4-BE49-F238E27FC236}">
@@ -10088,7 +10938,14 @@
                               <a:latin typeface="Cambria Math" panose="02040503050406030204" pitchFamily="18" charset="0"/>
                               <a:ea typeface="Cambria Math" panose="02040503050406030204" pitchFamily="18" charset="0"/>
                             </a:rPr>
-                            <m:t>′,</m:t>
+                            <m:t>′</m:t>
+                          </m:r>
+                          <m:r>
+                            <a:rPr lang="de-DE" sz="3600" b="0" i="1" smtClean="0">
+                              <a:latin typeface="Cambria Math" panose="02040503050406030204" pitchFamily="18" charset="0"/>
+                              <a:ea typeface="Cambria Math" panose="02040503050406030204" pitchFamily="18" charset="0"/>
+                            </a:rPr>
+                            <m:t>,</m:t>
                           </m:r>
                           <m:r>
                             <a:rPr lang="de-DE" sz="3600" b="0" i="1" smtClean="0">
@@ -10548,7 +11405,13 @@
                         <a:rPr lang="de-DE" sz="3600" i="1">
                           <a:latin typeface="Cambria Math" panose="02040503050406030204" pitchFamily="18" charset="0"/>
                         </a:rPr>
-                        <m:t>𝑒𝑎𝑐h</m:t>
+                        <m:t>𝑒𝑎𝑐</m:t>
+                      </m:r>
+                      <m:r>
+                        <a:rPr lang="de-DE" sz="3600" i="1">
+                          <a:latin typeface="Cambria Math" panose="02040503050406030204" pitchFamily="18" charset="0"/>
+                        </a:rPr>
+                        <m:t>h</m:t>
                       </m:r>
                       <m:r>
                         <a:rPr lang="de-DE" sz="3600" i="1">
@@ -11090,7 +11953,867 @@
 </p:sld>
 </file>
 
-<file path=ppt/slides/slide21.xml><?xml version="1.0" encoding="utf-8"?>
+<file path=ppt/slides/slide22.xml><?xml version="1.0" encoding="utf-8"?>
+<p:sld xmlns:a="http://schemas.openxmlformats.org/drawingml/2006/main" xmlns:r="http://schemas.openxmlformats.org/officeDocument/2006/relationships" xmlns:p="http://schemas.openxmlformats.org/presentationml/2006/main">
+  <p:cSld>
+    <p:spTree>
+      <p:nvGrpSpPr>
+        <p:cNvPr id="1" name=""/>
+        <p:cNvGrpSpPr/>
+        <p:nvPr/>
+      </p:nvGrpSpPr>
+      <p:grpSpPr>
+        <a:xfrm>
+          <a:off x="0" y="0"/>
+          <a:ext cx="0" cy="0"/>
+          <a:chOff x="0" y="0"/>
+          <a:chExt cx="0" cy="0"/>
+        </a:xfrm>
+      </p:grpSpPr>
+      <p:sp>
+        <p:nvSpPr>
+          <p:cNvPr id="2" name="Titel 1">
+            <a:extLst>
+              <a:ext uri="{FF2B5EF4-FFF2-40B4-BE49-F238E27FC236}">
+                <a16:creationId xmlns:a16="http://schemas.microsoft.com/office/drawing/2014/main" id="{DFEF99F7-B5C6-F829-70D5-E2C11D1F1DA6}"/>
+              </a:ext>
+            </a:extLst>
+          </p:cNvPr>
+          <p:cNvSpPr>
+            <a:spLocks noGrp="1"/>
+          </p:cNvSpPr>
+          <p:nvPr>
+            <p:ph type="title"/>
+          </p:nvPr>
+        </p:nvSpPr>
+        <p:spPr/>
+        <p:txBody>
+          <a:bodyPr/>
+          <a:lstStyle/>
+          <a:p>
+            <a:r>
+              <a:rPr lang="de-DE" dirty="0" err="1"/>
+              <a:t>kWP</a:t>
+            </a:r>
+            <a:r>
+              <a:rPr lang="de-DE" dirty="0"/>
+              <a:t> per </a:t>
+            </a:r>
+            <a:r>
+              <a:rPr lang="de-DE" dirty="0" err="1"/>
+              <a:t>Node</a:t>
+            </a:r>
+            <a:r>
+              <a:rPr lang="de-DE" dirty="0"/>
+              <a:t>: </a:t>
+            </a:r>
+            <a:r>
+              <a:rPr lang="de-DE" dirty="0" err="1"/>
+              <a:t>Results</a:t>
+            </a:r>
+            <a:endParaRPr lang="de-DE" dirty="0"/>
+          </a:p>
+        </p:txBody>
+      </p:sp>
+      <p:pic>
+        <p:nvPicPr>
+          <p:cNvPr id="5" name="Grafik 4">
+            <a:extLst>
+              <a:ext uri="{FF2B5EF4-FFF2-40B4-BE49-F238E27FC236}">
+                <a16:creationId xmlns:a16="http://schemas.microsoft.com/office/drawing/2014/main" id="{BFBAC0FD-00EC-560F-D802-A361B1D94F41}"/>
+              </a:ext>
+            </a:extLst>
+          </p:cNvPr>
+          <p:cNvPicPr>
+            <a:picLocks noChangeAspect="1"/>
+          </p:cNvPicPr>
+          <p:nvPr/>
+        </p:nvPicPr>
+        <p:blipFill>
+          <a:blip r:embed="rId2">
+            <a:extLst>
+              <a:ext uri="{28A0092B-C50C-407E-A947-70E740481C1C}">
+                <a14:useLocalDpi xmlns:a14="http://schemas.microsoft.com/office/drawing/2010/main" val="0"/>
+              </a:ext>
+              <a:ext uri="{96DAC541-7B7A-43D3-8B79-37D633B846F1}">
+                <asvg:svgBlip xmlns:asvg="http://schemas.microsoft.com/office/drawing/2016/SVG/main" r:embed="rId3"/>
+              </a:ext>
+            </a:extLst>
+          </a:blip>
+          <a:stretch>
+            <a:fillRect/>
+          </a:stretch>
+        </p:blipFill>
+        <p:spPr>
+          <a:xfrm>
+            <a:off x="838200" y="1690688"/>
+            <a:ext cx="5258241" cy="3989496"/>
+          </a:xfrm>
+          <a:prstGeom prst="rect">
+            <a:avLst/>
+          </a:prstGeom>
+        </p:spPr>
+      </p:pic>
+      <p:pic>
+        <p:nvPicPr>
+          <p:cNvPr id="7" name="Grafik 6">
+            <a:extLst>
+              <a:ext uri="{FF2B5EF4-FFF2-40B4-BE49-F238E27FC236}">
+                <a16:creationId xmlns:a16="http://schemas.microsoft.com/office/drawing/2014/main" id="{EEDA6E28-F3E8-85E3-290C-B66076BA2E84}"/>
+              </a:ext>
+            </a:extLst>
+          </p:cNvPr>
+          <p:cNvPicPr>
+            <a:picLocks noChangeAspect="1"/>
+          </p:cNvPicPr>
+          <p:nvPr/>
+        </p:nvPicPr>
+        <p:blipFill>
+          <a:blip r:embed="rId4">
+            <a:extLst>
+              <a:ext uri="{28A0092B-C50C-407E-A947-70E740481C1C}">
+                <a14:useLocalDpi xmlns:a14="http://schemas.microsoft.com/office/drawing/2010/main" val="0"/>
+              </a:ext>
+              <a:ext uri="{96DAC541-7B7A-43D3-8B79-37D633B846F1}">
+                <asvg:svgBlip xmlns:asvg="http://schemas.microsoft.com/office/drawing/2016/SVG/main" r:embed="rId5"/>
+              </a:ext>
+            </a:extLst>
+          </a:blip>
+          <a:stretch>
+            <a:fillRect/>
+          </a:stretch>
+        </p:blipFill>
+        <p:spPr>
+          <a:xfrm>
+            <a:off x="6414070" y="1690688"/>
+            <a:ext cx="5349872" cy="3989496"/>
+          </a:xfrm>
+          <a:prstGeom prst="rect">
+            <a:avLst/>
+          </a:prstGeom>
+        </p:spPr>
+      </p:pic>
+    </p:spTree>
+    <p:extLst>
+      <p:ext uri="{BB962C8B-B14F-4D97-AF65-F5344CB8AC3E}">
+        <p14:creationId xmlns:p14="http://schemas.microsoft.com/office/powerpoint/2010/main" val="609752174"/>
+      </p:ext>
+    </p:extLst>
+  </p:cSld>
+  <p:clrMapOvr>
+    <a:masterClrMapping/>
+  </p:clrMapOvr>
+</p:sld>
+</file>
+
+<file path=ppt/slides/slide23.xml><?xml version="1.0" encoding="utf-8"?>
+<p:sld xmlns:a="http://schemas.openxmlformats.org/drawingml/2006/main" xmlns:r="http://schemas.openxmlformats.org/officeDocument/2006/relationships" xmlns:p="http://schemas.openxmlformats.org/presentationml/2006/main">
+  <p:cSld>
+    <p:spTree>
+      <p:nvGrpSpPr>
+        <p:cNvPr id="1" name=""/>
+        <p:cNvGrpSpPr/>
+        <p:nvPr/>
+      </p:nvGrpSpPr>
+      <p:grpSpPr>
+        <a:xfrm>
+          <a:off x="0" y="0"/>
+          <a:ext cx="0" cy="0"/>
+          <a:chOff x="0" y="0"/>
+          <a:chExt cx="0" cy="0"/>
+        </a:xfrm>
+      </p:grpSpPr>
+      <p:sp>
+        <p:nvSpPr>
+          <p:cNvPr id="2" name="Titel 1">
+            <a:extLst>
+              <a:ext uri="{FF2B5EF4-FFF2-40B4-BE49-F238E27FC236}">
+                <a16:creationId xmlns:a16="http://schemas.microsoft.com/office/drawing/2014/main" id="{DFEF99F7-B5C6-F829-70D5-E2C11D1F1DA6}"/>
+              </a:ext>
+            </a:extLst>
+          </p:cNvPr>
+          <p:cNvSpPr>
+            <a:spLocks noGrp="1"/>
+          </p:cNvSpPr>
+          <p:nvPr>
+            <p:ph type="title"/>
+          </p:nvPr>
+        </p:nvSpPr>
+        <p:spPr/>
+        <p:txBody>
+          <a:bodyPr/>
+          <a:lstStyle/>
+          <a:p>
+            <a:r>
+              <a:rPr lang="de-DE" dirty="0" err="1"/>
+              <a:t>kWP</a:t>
+            </a:r>
+            <a:r>
+              <a:rPr lang="de-DE" dirty="0"/>
+              <a:t> per </a:t>
+            </a:r>
+            <a:r>
+              <a:rPr lang="de-DE" dirty="0" err="1"/>
+              <a:t>Node</a:t>
+            </a:r>
+            <a:r>
+              <a:rPr lang="de-DE" dirty="0"/>
+              <a:t>: </a:t>
+            </a:r>
+            <a:r>
+              <a:rPr lang="de-DE" dirty="0" err="1"/>
+              <a:t>Results</a:t>
+            </a:r>
+            <a:endParaRPr lang="de-DE" dirty="0"/>
+          </a:p>
+        </p:txBody>
+      </p:sp>
+      <p:pic>
+        <p:nvPicPr>
+          <p:cNvPr id="7" name="Grafik 6">
+            <a:extLst>
+              <a:ext uri="{FF2B5EF4-FFF2-40B4-BE49-F238E27FC236}">
+                <a16:creationId xmlns:a16="http://schemas.microsoft.com/office/drawing/2014/main" id="{EEDA6E28-F3E8-85E3-290C-B66076BA2E84}"/>
+              </a:ext>
+            </a:extLst>
+          </p:cNvPr>
+          <p:cNvPicPr>
+            <a:picLocks noChangeAspect="1"/>
+          </p:cNvPicPr>
+          <p:nvPr/>
+        </p:nvPicPr>
+        <p:blipFill>
+          <a:blip r:embed="rId2">
+            <a:extLst>
+              <a:ext uri="{28A0092B-C50C-407E-A947-70E740481C1C}">
+                <a14:useLocalDpi xmlns:a14="http://schemas.microsoft.com/office/drawing/2010/main" val="0"/>
+              </a:ext>
+              <a:ext uri="{96DAC541-7B7A-43D3-8B79-37D633B846F1}">
+                <asvg:svgBlip xmlns:asvg="http://schemas.microsoft.com/office/drawing/2016/SVG/main" r:embed="rId3"/>
+              </a:ext>
+            </a:extLst>
+          </a:blip>
+          <a:stretch>
+            <a:fillRect/>
+          </a:stretch>
+        </p:blipFill>
+        <p:spPr>
+          <a:xfrm>
+            <a:off x="838200" y="1779465"/>
+            <a:ext cx="5875730" cy="4381638"/>
+          </a:xfrm>
+          <a:prstGeom prst="rect">
+            <a:avLst/>
+          </a:prstGeom>
+        </p:spPr>
+      </p:pic>
+      <mc:AlternateContent xmlns:mc="http://schemas.openxmlformats.org/markup-compatibility/2006">
+        <mc:Choice xmlns:a14="http://schemas.microsoft.com/office/drawing/2010/main" Requires="a14">
+          <p:sp>
+            <p:nvSpPr>
+              <p:cNvPr id="3" name="Textfeld 2">
+                <a:extLst>
+                  <a:ext uri="{FF2B5EF4-FFF2-40B4-BE49-F238E27FC236}">
+                    <a16:creationId xmlns:a16="http://schemas.microsoft.com/office/drawing/2014/main" id="{675A9641-ACA7-28CF-44CB-F5C82BC3EC28}"/>
+                  </a:ext>
+                </a:extLst>
+              </p:cNvPr>
+              <p:cNvSpPr txBox="1"/>
+              <p:nvPr/>
+            </p:nvSpPr>
+            <p:spPr>
+              <a:xfrm>
+                <a:off x="7226423" y="1779465"/>
+                <a:ext cx="3684233" cy="3891258"/>
+              </a:xfrm>
+              <a:prstGeom prst="rect">
+                <a:avLst/>
+              </a:prstGeom>
+              <a:noFill/>
+            </p:spPr>
+            <p:txBody>
+              <a:bodyPr wrap="square" rtlCol="0">
+                <a:spAutoFit/>
+              </a:bodyPr>
+              <a:lstStyle/>
+              <a:p>
+                <a:r>
+                  <a:rPr lang="de-DE" sz="2400" dirty="0"/>
+                  <a:t>Interpretation:</a:t>
+                </a:r>
+              </a:p>
+              <a:p>
+                <a:endParaRPr lang="de-DE" sz="2000" dirty="0"/>
+              </a:p>
+              <a:p>
+                <a:pPr marL="342900" indent="-342900">
+                  <a:buFont typeface="Arial" panose="020B0604020202020204" pitchFamily="34" charset="0"/>
+                  <a:buChar char="•"/>
+                </a:pPr>
+                <a14:m>
+                  <m:oMath xmlns:m="http://schemas.openxmlformats.org/officeDocument/2006/math">
+                    <m:sSub>
+                      <m:sSubPr>
+                        <m:ctrlPr>
+                          <a:rPr lang="de-DE" sz="2000" i="1" smtClean="0">
+                            <a:latin typeface="Cambria Math" panose="02040503050406030204" pitchFamily="18" charset="0"/>
+                          </a:rPr>
+                        </m:ctrlPr>
+                      </m:sSubPr>
+                      <m:e>
+                        <m:r>
+                          <a:rPr lang="de-DE" sz="2000" b="0" i="1" smtClean="0">
+                            <a:latin typeface="Cambria Math" panose="02040503050406030204" pitchFamily="18" charset="0"/>
+                          </a:rPr>
+                          <m:t>𝑐</m:t>
+                        </m:r>
+                      </m:e>
+                      <m:sub>
+                        <m:r>
+                          <a:rPr lang="de-DE" sz="2000" b="0" i="1" smtClean="0">
+                            <a:latin typeface="Cambria Math" panose="02040503050406030204" pitchFamily="18" charset="0"/>
+                          </a:rPr>
+                          <m:t>𝑔𝑒𝑛</m:t>
+                        </m:r>
+                      </m:sub>
+                    </m:sSub>
+                  </m:oMath>
+                </a14:m>
+                <a:r>
+                  <a:rPr lang="de-DE" sz="2000" dirty="0"/>
+                  <a:t> </a:t>
+                </a:r>
+                <a:r>
+                  <a:rPr lang="de-DE" sz="2000" dirty="0" err="1"/>
+                  <a:t>defines</a:t>
+                </a:r>
+                <a:r>
+                  <a:rPr lang="de-DE" sz="2000" dirty="0"/>
+                  <a:t> a </a:t>
+                </a:r>
+                <a:r>
+                  <a:rPr lang="de-DE" sz="2000" dirty="0" err="1"/>
+                  <a:t>subset</a:t>
+                </a:r>
+                <a:r>
+                  <a:rPr lang="de-DE" sz="2000" dirty="0"/>
+                  <a:t> </a:t>
+                </a:r>
+                <a:r>
+                  <a:rPr lang="de-DE" sz="2000" dirty="0" err="1"/>
+                  <a:t>of</a:t>
+                </a:r>
+                <a:r>
+                  <a:rPr lang="de-DE" sz="2000" dirty="0"/>
+                  <a:t> </a:t>
+                </a:r>
+                <a14:m>
+                  <m:oMath xmlns:m="http://schemas.openxmlformats.org/officeDocument/2006/math">
+                    <m:r>
+                      <a:rPr lang="de-DE" sz="2000" i="1" dirty="0" smtClean="0">
+                        <a:latin typeface="Cambria Math" panose="02040503050406030204" pitchFamily="18" charset="0"/>
+                      </a:rPr>
+                      <m:t>𝑉</m:t>
+                    </m:r>
+                  </m:oMath>
+                </a14:m>
+                <a:r>
+                  <a:rPr lang="de-DE" sz="2000" dirty="0"/>
+                  <a:t> </a:t>
+                </a:r>
+                <a:r>
+                  <a:rPr lang="de-DE" sz="2000" dirty="0" err="1"/>
+                  <a:t>as</a:t>
+                </a:r>
+                <a:r>
+                  <a:rPr lang="de-DE" sz="2000" dirty="0"/>
+                  <a:t> a WP-Pool</a:t>
+                </a:r>
+              </a:p>
+              <a:p>
+                <a:pPr marL="800100" lvl="1" indent="-342900">
+                  <a:buFont typeface="Arial" panose="020B0604020202020204" pitchFamily="34" charset="0"/>
+                  <a:buChar char="•"/>
+                </a:pPr>
+                <a14:m>
+                  <m:oMath xmlns:m="http://schemas.openxmlformats.org/officeDocument/2006/math">
+                    <m:r>
+                      <a:rPr lang="de-DE" sz="2000" i="1" smtClean="0">
+                        <a:latin typeface="Cambria Math" panose="02040503050406030204" pitchFamily="18" charset="0"/>
+                        <a:ea typeface="Cambria Math" panose="02040503050406030204" pitchFamily="18" charset="0"/>
+                      </a:rPr>
+                      <m:t>↑</m:t>
+                    </m:r>
+                    <m:sSub>
+                      <m:sSubPr>
+                        <m:ctrlPr>
+                          <a:rPr lang="de-DE" sz="2000" i="1" smtClean="0">
+                            <a:latin typeface="Cambria Math" panose="02040503050406030204" pitchFamily="18" charset="0"/>
+                            <a:ea typeface="Cambria Math" panose="02040503050406030204" pitchFamily="18" charset="0"/>
+                          </a:rPr>
+                        </m:ctrlPr>
+                      </m:sSubPr>
+                      <m:e>
+                        <m:r>
+                          <a:rPr lang="de-DE" sz="2000" b="0" i="1" smtClean="0">
+                            <a:latin typeface="Cambria Math" panose="02040503050406030204" pitchFamily="18" charset="0"/>
+                            <a:ea typeface="Cambria Math" panose="02040503050406030204" pitchFamily="18" charset="0"/>
+                          </a:rPr>
+                          <m:t>𝑐</m:t>
+                        </m:r>
+                      </m:e>
+                      <m:sub>
+                        <m:r>
+                          <a:rPr lang="de-DE" sz="2000" b="0" i="1" smtClean="0">
+                            <a:latin typeface="Cambria Math" panose="02040503050406030204" pitchFamily="18" charset="0"/>
+                            <a:ea typeface="Cambria Math" panose="02040503050406030204" pitchFamily="18" charset="0"/>
+                          </a:rPr>
+                          <m:t>𝑔𝑒𝑛</m:t>
+                        </m:r>
+                      </m:sub>
+                    </m:sSub>
+                    <m:r>
+                      <a:rPr lang="de-DE" sz="2000" b="0" i="1" smtClean="0">
+                        <a:latin typeface="Cambria Math" panose="02040503050406030204" pitchFamily="18" charset="0"/>
+                        <a:ea typeface="Cambria Math" panose="02040503050406030204" pitchFamily="18" charset="0"/>
+                      </a:rPr>
+                      <m:t>⟹ ↓|</m:t>
+                    </m:r>
+                    <m:sSub>
+                      <m:sSubPr>
+                        <m:ctrlPr>
+                          <a:rPr lang="de-DE" sz="2000" b="0" i="1" smtClean="0">
+                            <a:latin typeface="Cambria Math" panose="02040503050406030204" pitchFamily="18" charset="0"/>
+                            <a:ea typeface="Cambria Math" panose="02040503050406030204" pitchFamily="18" charset="0"/>
+                          </a:rPr>
+                        </m:ctrlPr>
+                      </m:sSubPr>
+                      <m:e>
+                        <m:r>
+                          <a:rPr lang="de-DE" sz="2000" b="0" i="1" smtClean="0">
+                            <a:latin typeface="Cambria Math" panose="02040503050406030204" pitchFamily="18" charset="0"/>
+                            <a:ea typeface="Cambria Math" panose="02040503050406030204" pitchFamily="18" charset="0"/>
+                          </a:rPr>
+                          <m:t>𝑉</m:t>
+                        </m:r>
+                      </m:e>
+                      <m:sub>
+                        <m:r>
+                          <a:rPr lang="de-DE" sz="2000" b="0" i="1" smtClean="0">
+                            <a:latin typeface="Cambria Math" panose="02040503050406030204" pitchFamily="18" charset="0"/>
+                            <a:ea typeface="Cambria Math" panose="02040503050406030204" pitchFamily="18" charset="0"/>
+                          </a:rPr>
+                          <m:t>𝑊𝑃</m:t>
+                        </m:r>
+                        <m:r>
+                          <a:rPr lang="de-DE" sz="2000" b="0" i="1" smtClean="0">
+                            <a:latin typeface="Cambria Math" panose="02040503050406030204" pitchFamily="18" charset="0"/>
+                            <a:ea typeface="Cambria Math" panose="02040503050406030204" pitchFamily="18" charset="0"/>
+                          </a:rPr>
+                          <m:t>−</m:t>
+                        </m:r>
+                        <m:r>
+                          <a:rPr lang="de-DE" sz="2000" b="0" i="1" smtClean="0">
+                            <a:latin typeface="Cambria Math" panose="02040503050406030204" pitchFamily="18" charset="0"/>
+                            <a:ea typeface="Cambria Math" panose="02040503050406030204" pitchFamily="18" charset="0"/>
+                          </a:rPr>
+                          <m:t>𝑃𝑜𝑜𝑙</m:t>
+                        </m:r>
+                      </m:sub>
+                    </m:sSub>
+                    <m:r>
+                      <a:rPr lang="de-DE" sz="2000" b="0" i="1" smtClean="0">
+                        <a:latin typeface="Cambria Math" panose="02040503050406030204" pitchFamily="18" charset="0"/>
+                        <a:ea typeface="Cambria Math" panose="02040503050406030204" pitchFamily="18" charset="0"/>
+                      </a:rPr>
+                      <m:t>|</m:t>
+                    </m:r>
+                  </m:oMath>
+                </a14:m>
+                <a:endParaRPr lang="de-DE" sz="2000" dirty="0"/>
+              </a:p>
+              <a:p>
+                <a:pPr marL="342900" indent="-342900">
+                  <a:buFont typeface="Arial" panose="020B0604020202020204" pitchFamily="34" charset="0"/>
+                  <a:buChar char="•"/>
+                </a:pPr>
+                <a:endParaRPr lang="de-DE" sz="2000" dirty="0"/>
+              </a:p>
+              <a:p>
+                <a:pPr marL="342900" indent="-342900">
+                  <a:buFont typeface="Arial" panose="020B0604020202020204" pitchFamily="34" charset="0"/>
+                  <a:buChar char="•"/>
+                </a:pPr>
+                <a:r>
+                  <a:rPr lang="de-DE" sz="2000" dirty="0">
+                    <a:latin typeface="Cambria Math" panose="02040503050406030204" pitchFamily="18" charset="0"/>
+                    <a:ea typeface="Cambria Math" panose="02040503050406030204" pitchFamily="18" charset="0"/>
+                  </a:rPr>
+                  <a:t>A </a:t>
+                </a:r>
+                <a:r>
+                  <a:rPr lang="de-DE" sz="2000" dirty="0" err="1">
+                    <a:latin typeface="Cambria Math" panose="02040503050406030204" pitchFamily="18" charset="0"/>
+                    <a:ea typeface="Cambria Math" panose="02040503050406030204" pitchFamily="18" charset="0"/>
+                  </a:rPr>
+                  <a:t>smaller</a:t>
+                </a:r>
+                <a:r>
+                  <a:rPr lang="de-DE" sz="2000" dirty="0">
+                    <a:latin typeface="Cambria Math" panose="02040503050406030204" pitchFamily="18" charset="0"/>
+                    <a:ea typeface="Cambria Math" panose="02040503050406030204" pitchFamily="18" charset="0"/>
+                  </a:rPr>
+                  <a:t> WP-Pool </a:t>
+                </a:r>
+                <a:r>
+                  <a:rPr lang="de-DE" sz="2000" dirty="0" err="1">
+                    <a:latin typeface="Cambria Math" panose="02040503050406030204" pitchFamily="18" charset="0"/>
+                    <a:ea typeface="Cambria Math" panose="02040503050406030204" pitchFamily="18" charset="0"/>
+                  </a:rPr>
+                  <a:t>isn‘t</a:t>
+                </a:r>
+                <a:r>
+                  <a:rPr lang="de-DE" sz="2000" dirty="0">
+                    <a:latin typeface="Cambria Math" panose="02040503050406030204" pitchFamily="18" charset="0"/>
+                    <a:ea typeface="Cambria Math" panose="02040503050406030204" pitchFamily="18" charset="0"/>
+                  </a:rPr>
+                  <a:t> </a:t>
+                </a:r>
+                <a:r>
+                  <a:rPr lang="de-DE" sz="2000" dirty="0" err="1">
+                    <a:latin typeface="Cambria Math" panose="02040503050406030204" pitchFamily="18" charset="0"/>
+                    <a:ea typeface="Cambria Math" panose="02040503050406030204" pitchFamily="18" charset="0"/>
+                  </a:rPr>
+                  <a:t>necessarily</a:t>
+                </a:r>
+                <a:r>
+                  <a:rPr lang="de-DE" sz="2000" dirty="0">
+                    <a:latin typeface="Cambria Math" panose="02040503050406030204" pitchFamily="18" charset="0"/>
+                    <a:ea typeface="Cambria Math" panose="02040503050406030204" pitchFamily="18" charset="0"/>
+                  </a:rPr>
+                  <a:t> </a:t>
+                </a:r>
+                <a:r>
+                  <a:rPr lang="de-DE" sz="2000" dirty="0" err="1">
+                    <a:latin typeface="Cambria Math" panose="02040503050406030204" pitchFamily="18" charset="0"/>
+                    <a:ea typeface="Cambria Math" panose="02040503050406030204" pitchFamily="18" charset="0"/>
+                  </a:rPr>
+                  <a:t>worse</a:t>
+                </a:r>
+                <a:r>
+                  <a:rPr lang="de-DE" sz="2000" dirty="0">
+                    <a:latin typeface="Cambria Math" panose="02040503050406030204" pitchFamily="18" charset="0"/>
+                    <a:ea typeface="Cambria Math" panose="02040503050406030204" pitchFamily="18" charset="0"/>
+                  </a:rPr>
+                  <a:t>, </a:t>
+                </a:r>
+                <a:r>
+                  <a:rPr lang="de-DE" sz="2000" dirty="0" err="1">
+                    <a:latin typeface="Cambria Math" panose="02040503050406030204" pitchFamily="18" charset="0"/>
+                    <a:ea typeface="Cambria Math" panose="02040503050406030204" pitchFamily="18" charset="0"/>
+                  </a:rPr>
+                  <a:t>because</a:t>
+                </a:r>
+                <a:r>
+                  <a:rPr lang="de-DE" sz="2000" dirty="0">
+                    <a:latin typeface="Cambria Math" panose="02040503050406030204" pitchFamily="18" charset="0"/>
+                    <a:ea typeface="Cambria Math" panose="02040503050406030204" pitchFamily="18" charset="0"/>
+                  </a:rPr>
+                  <a:t> </a:t>
+                </a:r>
+                <a:r>
+                  <a:rPr lang="de-DE" sz="2000" dirty="0" err="1">
+                    <a:latin typeface="Cambria Math" panose="02040503050406030204" pitchFamily="18" charset="0"/>
+                    <a:ea typeface="Cambria Math" panose="02040503050406030204" pitchFamily="18" charset="0"/>
+                  </a:rPr>
+                  <a:t>the</a:t>
+                </a:r>
+                <a:r>
+                  <a:rPr lang="de-DE" sz="2000" dirty="0">
+                    <a:latin typeface="Cambria Math" panose="02040503050406030204" pitchFamily="18" charset="0"/>
+                    <a:ea typeface="Cambria Math" panose="02040503050406030204" pitchFamily="18" charset="0"/>
+                  </a:rPr>
+                  <a:t> </a:t>
+                </a:r>
+                <a:r>
+                  <a:rPr lang="de-DE" sz="2000" dirty="0" err="1">
+                    <a:latin typeface="Cambria Math" panose="02040503050406030204" pitchFamily="18" charset="0"/>
+                    <a:ea typeface="Cambria Math" panose="02040503050406030204" pitchFamily="18" charset="0"/>
+                  </a:rPr>
+                  <a:t>elements</a:t>
+                </a:r>
+                <a:r>
+                  <a:rPr lang="de-DE" sz="2000" dirty="0">
+                    <a:latin typeface="Cambria Math" panose="02040503050406030204" pitchFamily="18" charset="0"/>
+                    <a:ea typeface="Cambria Math" panose="02040503050406030204" pitchFamily="18" charset="0"/>
+                  </a:rPr>
+                  <a:t> </a:t>
+                </a:r>
+                <a:r>
+                  <a:rPr lang="de-DE" sz="2000" dirty="0" err="1">
+                    <a:latin typeface="Cambria Math" panose="02040503050406030204" pitchFamily="18" charset="0"/>
+                    <a:ea typeface="Cambria Math" panose="02040503050406030204" pitchFamily="18" charset="0"/>
+                  </a:rPr>
+                  <a:t>are</a:t>
+                </a:r>
+                <a:r>
+                  <a:rPr lang="de-DE" sz="2000" dirty="0">
+                    <a:latin typeface="Cambria Math" panose="02040503050406030204" pitchFamily="18" charset="0"/>
+                    <a:ea typeface="Cambria Math" panose="02040503050406030204" pitchFamily="18" charset="0"/>
+                  </a:rPr>
+                  <a:t> different</a:t>
+                </a:r>
+              </a:p>
+              <a:p>
+                <a:pPr marL="800100" lvl="1" indent="-342900">
+                  <a:buFont typeface="Arial" panose="020B0604020202020204" pitchFamily="34" charset="0"/>
+                  <a:buChar char="•"/>
+                </a:pPr>
+                <a14:m>
+                  <m:oMath xmlns:m="http://schemas.openxmlformats.org/officeDocument/2006/math">
+                    <m:r>
+                      <a:rPr lang="de-DE" sz="2000" i="1" smtClean="0">
+                        <a:latin typeface="Cambria Math" panose="02040503050406030204" pitchFamily="18" charset="0"/>
+                        <a:ea typeface="Cambria Math" panose="02040503050406030204" pitchFamily="18" charset="0"/>
+                      </a:rPr>
+                      <m:t>↑</m:t>
+                    </m:r>
+                    <m:sSub>
+                      <m:sSubPr>
+                        <m:ctrlPr>
+                          <a:rPr lang="de-DE" sz="2000" i="1" smtClean="0">
+                            <a:latin typeface="Cambria Math" panose="02040503050406030204" pitchFamily="18" charset="0"/>
+                            <a:ea typeface="Cambria Math" panose="02040503050406030204" pitchFamily="18" charset="0"/>
+                          </a:rPr>
+                        </m:ctrlPr>
+                      </m:sSubPr>
+                      <m:e>
+                        <m:r>
+                          <a:rPr lang="de-DE" sz="2000" b="0" i="1" smtClean="0">
+                            <a:latin typeface="Cambria Math" panose="02040503050406030204" pitchFamily="18" charset="0"/>
+                            <a:ea typeface="Cambria Math" panose="02040503050406030204" pitchFamily="18" charset="0"/>
+                          </a:rPr>
+                          <m:t>𝑐</m:t>
+                        </m:r>
+                      </m:e>
+                      <m:sub>
+                        <m:r>
+                          <a:rPr lang="de-DE" sz="2000" b="0" i="1" smtClean="0">
+                            <a:latin typeface="Cambria Math" panose="02040503050406030204" pitchFamily="18" charset="0"/>
+                            <a:ea typeface="Cambria Math" panose="02040503050406030204" pitchFamily="18" charset="0"/>
+                          </a:rPr>
+                          <m:t>𝑔𝑒𝑛</m:t>
+                        </m:r>
+                      </m:sub>
+                    </m:sSub>
+                    <m:r>
+                      <a:rPr lang="de-DE" sz="2000" i="1" smtClean="0">
+                        <a:latin typeface="Cambria Math" panose="02040503050406030204" pitchFamily="18" charset="0"/>
+                        <a:ea typeface="Cambria Math" panose="02040503050406030204" pitchFamily="18" charset="0"/>
+                      </a:rPr>
+                      <m:t>⇏↑</m:t>
+                    </m:r>
+                    <m:r>
+                      <a:rPr lang="de-DE" sz="2000" b="0" i="1" smtClean="0">
+                        <a:latin typeface="Cambria Math" panose="02040503050406030204" pitchFamily="18" charset="0"/>
+                        <a:ea typeface="Cambria Math" panose="02040503050406030204" pitchFamily="18" charset="0"/>
+                      </a:rPr>
+                      <m:t>𝑀𝐿𝑈</m:t>
+                    </m:r>
+                  </m:oMath>
+                </a14:m>
+                <a:endParaRPr lang="de-DE" sz="2000" dirty="0"/>
+              </a:p>
+              <a:p>
+                <a:pPr marL="342900" indent="-342900">
+                  <a:buFont typeface="Arial" panose="020B0604020202020204" pitchFamily="34" charset="0"/>
+                  <a:buChar char="•"/>
+                </a:pPr>
+                <a:endParaRPr lang="de-DE" sz="2000" dirty="0"/>
+              </a:p>
+              <a:p>
+                <a:pPr marL="285750" indent="-285750">
+                  <a:buFont typeface="Arial" panose="020B0604020202020204" pitchFamily="34" charset="0"/>
+                  <a:buChar char="•"/>
+                </a:pPr>
+                <a:endParaRPr lang="de-DE" dirty="0"/>
+              </a:p>
+            </p:txBody>
+          </p:sp>
+        </mc:Choice>
+        <mc:Fallback>
+          <p:sp>
+            <p:nvSpPr>
+              <p:cNvPr id="3" name="Textfeld 2">
+                <a:extLst>
+                  <a:ext uri="{FF2B5EF4-FFF2-40B4-BE49-F238E27FC236}">
+                    <a16:creationId xmlns:a16="http://schemas.microsoft.com/office/drawing/2014/main" id="{675A9641-ACA7-28CF-44CB-F5C82BC3EC28}"/>
+                  </a:ext>
+                </a:extLst>
+              </p:cNvPr>
+              <p:cNvSpPr txBox="1">
+                <a:spLocks noRot="1" noChangeAspect="1" noMove="1" noResize="1" noEditPoints="1" noAdjustHandles="1" noChangeArrowheads="1" noChangeShapeType="1" noTextEdit="1"/>
+              </p:cNvSpPr>
+              <p:nvPr/>
+            </p:nvSpPr>
+            <p:spPr>
+              <a:xfrm>
+                <a:off x="7226423" y="1779465"/>
+                <a:ext cx="3684233" cy="3891258"/>
+              </a:xfrm>
+              <a:prstGeom prst="rect">
+                <a:avLst/>
+              </a:prstGeom>
+              <a:blipFill>
+                <a:blip r:embed="rId4"/>
+                <a:stretch>
+                  <a:fillRect l="-2479" t="-1254" r="-2479"/>
+                </a:stretch>
+              </a:blipFill>
+            </p:spPr>
+            <p:txBody>
+              <a:bodyPr/>
+              <a:lstStyle/>
+              <a:p>
+                <a:r>
+                  <a:rPr lang="de-DE">
+                    <a:noFill/>
+                  </a:rPr>
+                  <a:t> </a:t>
+                </a:r>
+              </a:p>
+            </p:txBody>
+          </p:sp>
+        </mc:Fallback>
+      </mc:AlternateContent>
+    </p:spTree>
+    <p:extLst>
+      <p:ext uri="{BB962C8B-B14F-4D97-AF65-F5344CB8AC3E}">
+        <p14:creationId xmlns:p14="http://schemas.microsoft.com/office/powerpoint/2010/main" val="3791012923"/>
+      </p:ext>
+    </p:extLst>
+  </p:cSld>
+  <p:clrMapOvr>
+    <a:masterClrMapping/>
+  </p:clrMapOvr>
+</p:sld>
+</file>
+
+<file path=ppt/slides/slide24.xml><?xml version="1.0" encoding="utf-8"?>
+<p:sld xmlns:a="http://schemas.openxmlformats.org/drawingml/2006/main" xmlns:r="http://schemas.openxmlformats.org/officeDocument/2006/relationships" xmlns:p="http://schemas.openxmlformats.org/presentationml/2006/main">
+  <p:cSld>
+    <p:spTree>
+      <p:nvGrpSpPr>
+        <p:cNvPr id="1" name=""/>
+        <p:cNvGrpSpPr/>
+        <p:nvPr/>
+      </p:nvGrpSpPr>
+      <p:grpSpPr>
+        <a:xfrm>
+          <a:off x="0" y="0"/>
+          <a:ext cx="0" cy="0"/>
+          <a:chOff x="0" y="0"/>
+          <a:chExt cx="0" cy="0"/>
+        </a:xfrm>
+      </p:grpSpPr>
+      <p:sp>
+        <p:nvSpPr>
+          <p:cNvPr id="2" name="Titel 1">
+            <a:extLst>
+              <a:ext uri="{FF2B5EF4-FFF2-40B4-BE49-F238E27FC236}">
+                <a16:creationId xmlns:a16="http://schemas.microsoft.com/office/drawing/2014/main" id="{DFEF99F7-B5C6-F829-70D5-E2C11D1F1DA6}"/>
+              </a:ext>
+            </a:extLst>
+          </p:cNvPr>
+          <p:cNvSpPr>
+            <a:spLocks noGrp="1"/>
+          </p:cNvSpPr>
+          <p:nvPr>
+            <p:ph type="title"/>
+          </p:nvPr>
+        </p:nvSpPr>
+        <p:spPr/>
+        <p:txBody>
+          <a:bodyPr/>
+          <a:lstStyle/>
+          <a:p>
+            <a:r>
+              <a:rPr lang="de-DE" dirty="0" err="1"/>
+              <a:t>kWP</a:t>
+            </a:r>
+            <a:r>
+              <a:rPr lang="de-DE" dirty="0"/>
+              <a:t> per </a:t>
+            </a:r>
+            <a:r>
+              <a:rPr lang="de-DE" dirty="0" err="1"/>
+              <a:t>Node</a:t>
+            </a:r>
+            <a:r>
+              <a:rPr lang="de-DE" dirty="0"/>
+              <a:t>: </a:t>
+            </a:r>
+            <a:r>
+              <a:rPr lang="de-DE" dirty="0" err="1"/>
+              <a:t>Results</a:t>
+            </a:r>
+            <a:endParaRPr lang="de-DE" dirty="0"/>
+          </a:p>
+        </p:txBody>
+      </p:sp>
+      <p:pic>
+        <p:nvPicPr>
+          <p:cNvPr id="4" name="Grafik 3">
+            <a:extLst>
+              <a:ext uri="{FF2B5EF4-FFF2-40B4-BE49-F238E27FC236}">
+                <a16:creationId xmlns:a16="http://schemas.microsoft.com/office/drawing/2014/main" id="{3F84677B-5148-3363-389B-A69DE24CA024}"/>
+              </a:ext>
+            </a:extLst>
+          </p:cNvPr>
+          <p:cNvPicPr>
+            <a:picLocks noChangeAspect="1"/>
+          </p:cNvPicPr>
+          <p:nvPr/>
+        </p:nvPicPr>
+        <p:blipFill>
+          <a:blip r:embed="rId2">
+            <a:extLst>
+              <a:ext uri="{28A0092B-C50C-407E-A947-70E740481C1C}">
+                <a14:useLocalDpi xmlns:a14="http://schemas.microsoft.com/office/drawing/2010/main" val="0"/>
+              </a:ext>
+              <a:ext uri="{96DAC541-7B7A-43D3-8B79-37D633B846F1}">
+                <asvg:svgBlip xmlns:asvg="http://schemas.microsoft.com/office/drawing/2016/SVG/main" r:embed="rId3"/>
+              </a:ext>
+            </a:extLst>
+          </a:blip>
+          <a:stretch>
+            <a:fillRect/>
+          </a:stretch>
+        </p:blipFill>
+        <p:spPr>
+          <a:xfrm>
+            <a:off x="130206" y="1886109"/>
+            <a:ext cx="11931588" cy="3940803"/>
+          </a:xfrm>
+          <a:prstGeom prst="rect">
+            <a:avLst/>
+          </a:prstGeom>
+        </p:spPr>
+      </p:pic>
+    </p:spTree>
+    <p:extLst>
+      <p:ext uri="{BB962C8B-B14F-4D97-AF65-F5344CB8AC3E}">
+        <p14:creationId xmlns:p14="http://schemas.microsoft.com/office/powerpoint/2010/main" val="103990772"/>
+      </p:ext>
+    </p:extLst>
+  </p:cSld>
+  <p:clrMapOvr>
+    <a:masterClrMapping/>
+  </p:clrMapOvr>
+</p:sld>
+</file>
+
+<file path=ppt/slides/slide25.xml><?xml version="1.0" encoding="utf-8"?>
 <p:sld xmlns:a="http://schemas.openxmlformats.org/drawingml/2006/main" xmlns:r="http://schemas.openxmlformats.org/officeDocument/2006/relationships" xmlns:p="http://schemas.openxmlformats.org/presentationml/2006/main">
   <p:cSld>
     <p:spTree>
@@ -11359,7 +13082,7 @@
 </p:sld>
 </file>
 
-<file path=ppt/slides/slide22.xml><?xml version="1.0" encoding="utf-8"?>
+<file path=ppt/slides/slide26.xml><?xml version="1.0" encoding="utf-8"?>
 <p:sld xmlns:a="http://schemas.openxmlformats.org/drawingml/2006/main" xmlns:r="http://schemas.openxmlformats.org/officeDocument/2006/relationships" xmlns:p="http://schemas.openxmlformats.org/presentationml/2006/main">
   <p:cSld>
     <p:spTree>
@@ -11654,8 +13377,8 @@
           </a:p>
         </p:txBody>
       </p:sp>
-      <mc:AlternateContent xmlns:mc="http://schemas.openxmlformats.org/markup-compatibility/2006">
-        <mc:Choice xmlns:a14="http://schemas.microsoft.com/office/drawing/2010/main" Requires="a14">
+      <mc:AlternateContent xmlns:mc="http://schemas.openxmlformats.org/markup-compatibility/2006" xmlns:a14="http://schemas.microsoft.com/office/drawing/2010/main">
+        <mc:Choice Requires="a14">
           <p:sp>
             <p:nvSpPr>
               <p:cNvPr id="11" name="Textfeld 10">
@@ -11771,7 +13494,7 @@
             </p:txBody>
           </p:sp>
         </mc:Choice>
-        <mc:Fallback>
+        <mc:Fallback xmlns="">
           <p:sp>
             <p:nvSpPr>
               <p:cNvPr id="11" name="Textfeld 10">
@@ -12642,7 +14365,7 @@
 </p:sld>
 </file>
 
-<file path=ppt/slides/slide23.xml><?xml version="1.0" encoding="utf-8"?>
+<file path=ppt/slides/slide27.xml><?xml version="1.0" encoding="utf-8"?>
 <p:sld xmlns:a="http://schemas.openxmlformats.org/drawingml/2006/main" xmlns:r="http://schemas.openxmlformats.org/officeDocument/2006/relationships" xmlns:p="http://schemas.openxmlformats.org/presentationml/2006/main">
   <p:cSld>
     <p:spTree>
@@ -13028,7 +14751,7 @@
 </p:sld>
 </file>
 
-<file path=ppt/slides/slide24.xml><?xml version="1.0" encoding="utf-8"?>
+<file path=ppt/slides/slide28.xml><?xml version="1.0" encoding="utf-8"?>
 <p:sld xmlns:a="http://schemas.openxmlformats.org/drawingml/2006/main" xmlns:r="http://schemas.openxmlformats.org/officeDocument/2006/relationships" xmlns:p="http://schemas.openxmlformats.org/presentationml/2006/main">
   <p:cSld>
     <p:spTree>
@@ -13164,7 +14887,7 @@
 </p:sld>
 </file>
 
-<file path=ppt/slides/slide25.xml><?xml version="1.0" encoding="utf-8"?>
+<file path=ppt/slides/slide29.xml><?xml version="1.0" encoding="utf-8"?>
 <p:sld xmlns:a="http://schemas.openxmlformats.org/drawingml/2006/main" xmlns:r="http://schemas.openxmlformats.org/officeDocument/2006/relationships" xmlns:p="http://schemas.openxmlformats.org/presentationml/2006/main">
   <p:cSld>
     <p:spTree>
@@ -13414,8 +15137,8 @@
           </a:p>
         </p:txBody>
       </p:sp>
-      <mc:AlternateContent xmlns:mc="http://schemas.openxmlformats.org/markup-compatibility/2006">
-        <mc:Choice xmlns:a14="http://schemas.microsoft.com/office/drawing/2010/main" Requires="a14">
+      <mc:AlternateContent xmlns:mc="http://schemas.openxmlformats.org/markup-compatibility/2006" xmlns:a14="http://schemas.microsoft.com/office/drawing/2010/main">
+        <mc:Choice Requires="a14">
           <p:sp>
             <p:nvSpPr>
               <p:cNvPr id="3" name="Inhaltsplatzhalter 2">
@@ -13594,14 +15317,7 @@
                             <a:latin typeface="Cambria Math" panose="02040503050406030204" pitchFamily="18" charset="0"/>
                             <a:ea typeface="Cambria Math" panose="02040503050406030204" pitchFamily="18" charset="0"/>
                           </a:rPr>
-                          <m:t>𝑤𝑖𝑡</m:t>
-                        </m:r>
-                        <m:r>
-                          <a:rPr lang="de-DE" b="0" i="1" smtClean="0">
-                            <a:latin typeface="Cambria Math" panose="02040503050406030204" pitchFamily="18" charset="0"/>
-                            <a:ea typeface="Cambria Math" panose="02040503050406030204" pitchFamily="18" charset="0"/>
-                          </a:rPr>
-                          <m:t>h</m:t>
+                          <m:t>𝑤𝑖𝑡h</m:t>
                         </m:r>
                         <m:r>
                           <a:rPr lang="de-DE" b="0" i="1" smtClean="0">
@@ -13669,21 +15385,7 @@
                           <a:latin typeface="Cambria Math" panose="02040503050406030204" pitchFamily="18" charset="0"/>
                           <a:ea typeface="Cambria Math" panose="02040503050406030204" pitchFamily="18" charset="0"/>
                         </a:rPr>
-                        <m:t>𝑊𝑒𝑖𝑔</m:t>
-                      </m:r>
-                      <m:r>
-                        <a:rPr lang="de-DE" i="1">
-                          <a:latin typeface="Cambria Math" panose="02040503050406030204" pitchFamily="18" charset="0"/>
-                          <a:ea typeface="Cambria Math" panose="02040503050406030204" pitchFamily="18" charset="0"/>
-                        </a:rPr>
-                        <m:t>h</m:t>
-                      </m:r>
-                      <m:r>
-                        <a:rPr lang="de-DE" i="1">
-                          <a:latin typeface="Cambria Math" panose="02040503050406030204" pitchFamily="18" charset="0"/>
-                          <a:ea typeface="Cambria Math" panose="02040503050406030204" pitchFamily="18" charset="0"/>
-                        </a:rPr>
-                        <m:t>𝑡</m:t>
+                        <m:t>𝑊𝑒𝑖𝑔h𝑡</m:t>
                       </m:r>
                       <m:r>
                         <a:rPr lang="de-DE" i="1">
@@ -13899,7 +15601,7 @@
             </p:txBody>
           </p:sp>
         </mc:Choice>
-        <mc:Fallback>
+        <mc:Fallback xmlns="">
           <p:sp>
             <p:nvSpPr>
               <p:cNvPr id="3" name="Inhaltsplatzhalter 2">
@@ -19093,13 +20795,7 @@
                         <a:rPr lang="de-DE" b="0" i="1" smtClean="0">
                           <a:latin typeface="Cambria Math" panose="02040503050406030204" pitchFamily="18" charset="0"/>
                         </a:rPr>
-                        <m:t>=</m:t>
-                      </m:r>
-                      <m:r>
-                        <a:rPr lang="de-DE" b="0" i="1" smtClean="0">
-                          <a:latin typeface="Cambria Math" panose="02040503050406030204" pitchFamily="18" charset="0"/>
-                        </a:rPr>
-                        <m:t>0</m:t>
+                        <m:t>=0</m:t>
                       </m:r>
                     </m:oMath>
                   </m:oMathPara>
@@ -19169,14 +20865,7 @@
                           <a:latin typeface="Cambria Math" panose="02040503050406030204" pitchFamily="18" charset="0"/>
                           <a:ea typeface="Cambria Math" panose="02040503050406030204" pitchFamily="18" charset="0"/>
                         </a:rPr>
-                        <m:t>=</m:t>
-                      </m:r>
-                      <m:r>
-                        <a:rPr lang="de-DE" b="0" i="1" smtClean="0">
-                          <a:latin typeface="Cambria Math" panose="02040503050406030204" pitchFamily="18" charset="0"/>
-                          <a:ea typeface="Cambria Math" panose="02040503050406030204" pitchFamily="18" charset="0"/>
-                        </a:rPr>
-                        <m:t>1</m:t>
+                        <m:t>=1</m:t>
                       </m:r>
                     </m:oMath>
                   </m:oMathPara>
@@ -19244,14 +20933,7 @@
                           <a:latin typeface="Cambria Math" panose="02040503050406030204" pitchFamily="18" charset="0"/>
                           <a:ea typeface="Cambria Math" panose="02040503050406030204" pitchFamily="18" charset="0"/>
                         </a:rPr>
-                        <m:t>&gt;</m:t>
-                      </m:r>
-                      <m:r>
-                        <a:rPr lang="de-DE" b="0" i="1" smtClean="0">
-                          <a:latin typeface="Cambria Math" panose="02040503050406030204" pitchFamily="18" charset="0"/>
-                          <a:ea typeface="Cambria Math" panose="02040503050406030204" pitchFamily="18" charset="0"/>
-                        </a:rPr>
-                        <m:t>1</m:t>
+                        <m:t>&gt;1</m:t>
                       </m:r>
                     </m:oMath>
                   </m:oMathPara>
@@ -19304,14 +20986,7 @@
                               <a:latin typeface="Cambria Math" panose="02040503050406030204" pitchFamily="18" charset="0"/>
                               <a:ea typeface="Cambria Math" panose="02040503050406030204" pitchFamily="18" charset="0"/>
                             </a:rPr>
-                            <m:t> </m:t>
-                          </m:r>
-                          <m:r>
-                            <a:rPr lang="de-DE" b="0" i="1" smtClean="0">
-                              <a:latin typeface="Cambria Math" panose="02040503050406030204" pitchFamily="18" charset="0"/>
-                              <a:ea typeface="Cambria Math" panose="02040503050406030204" pitchFamily="18" charset="0"/>
-                            </a:rPr>
-                            <m:t>2</m:t>
+                            <m:t> 2</m:t>
                           </m:r>
                         </m:e>
                         <m:sup>
@@ -19329,21 +21004,7 @@
                           <a:latin typeface="Cambria Math" panose="02040503050406030204" pitchFamily="18" charset="0"/>
                           <a:ea typeface="Cambria Math" panose="02040503050406030204" pitchFamily="18" charset="0"/>
                         </a:rPr>
-                        <m:t>−</m:t>
-                      </m:r>
-                      <m:r>
-                        <a:rPr lang="de-DE" b="0" i="1" smtClean="0">
-                          <a:latin typeface="Cambria Math" panose="02040503050406030204" pitchFamily="18" charset="0"/>
-                          <a:ea typeface="Cambria Math" panose="02040503050406030204" pitchFamily="18" charset="0"/>
-                        </a:rPr>
-                        <m:t>1</m:t>
-                      </m:r>
-                      <m:r>
-                        <a:rPr lang="de-DE" b="0" i="1" smtClean="0">
-                          <a:latin typeface="Cambria Math" panose="02040503050406030204" pitchFamily="18" charset="0"/>
-                          <a:ea typeface="Cambria Math" panose="02040503050406030204" pitchFamily="18" charset="0"/>
-                        </a:rPr>
-                        <m:t> </m:t>
+                        <m:t>−1 </m:t>
                       </m:r>
                       <m:r>
                         <a:rPr lang="de-DE" b="0" i="1" smtClean="0">
@@ -27626,8 +29287,8 @@
           </a:p>
         </p:txBody>
       </p:sp>
-      <mc:AlternateContent xmlns:mc="http://schemas.openxmlformats.org/markup-compatibility/2006">
-        <mc:Choice xmlns:a14="http://schemas.microsoft.com/office/drawing/2010/main" Requires="a14">
+      <mc:AlternateContent xmlns:mc="http://schemas.openxmlformats.org/markup-compatibility/2006" xmlns:a14="http://schemas.microsoft.com/office/drawing/2010/main">
+        <mc:Choice Requires="a14">
           <p:sp>
             <p:nvSpPr>
               <p:cNvPr id="10" name="Inhaltsplatzhalter 2">
@@ -28180,7 +29841,7 @@
             </p:txBody>
           </p:sp>
         </mc:Choice>
-        <mc:Fallback>
+        <mc:Fallback xmlns="">
           <p:sp>
             <p:nvSpPr>
               <p:cNvPr id="10" name="Inhaltsplatzhalter 2">

--- a/Presentation/Fachprojekt_Presentation1_Final.pptx
+++ b/Presentation/Fachprojekt_Presentation1_Final.pptx
@@ -5317,7 +5317,14 @@
                               <a:latin typeface="Cambria Math" panose="02040503050406030204" pitchFamily="18" charset="0"/>
                               <a:ea typeface="Cambria Math" panose="02040503050406030204" pitchFamily="18" charset="0"/>
                             </a:rPr>
-                            <m:t>′,</m:t>
+                            <m:t>′</m:t>
+                          </m:r>
+                          <m:r>
+                            <a:rPr lang="de-DE" sz="1800" b="0" i="1" smtClean="0">
+                              <a:latin typeface="Cambria Math" panose="02040503050406030204" pitchFamily="18" charset="0"/>
+                              <a:ea typeface="Cambria Math" panose="02040503050406030204" pitchFamily="18" charset="0"/>
+                            </a:rPr>
+                            <m:t>,</m:t>
                           </m:r>
                           <m:r>
                             <a:rPr lang="de-DE" sz="1800" b="0" i="1" smtClean="0">
@@ -5711,7 +5718,13 @@
                         <a:rPr lang="de-DE" sz="1800" i="1">
                           <a:latin typeface="Cambria Math" panose="02040503050406030204" pitchFamily="18" charset="0"/>
                         </a:rPr>
-                        <m:t>𝑒𝑎𝑐h</m:t>
+                        <m:t>𝑒𝑎𝑐</m:t>
+                      </m:r>
+                      <m:r>
+                        <a:rPr lang="de-DE" sz="1800" i="1">
+                          <a:latin typeface="Cambria Math" panose="02040503050406030204" pitchFamily="18" charset="0"/>
+                        </a:rPr>
+                        <m:t>h</m:t>
                       </m:r>
                       <m:r>
                         <a:rPr lang="de-DE" sz="1800" i="1">
@@ -7969,7 +7982,13 @@
                       <a:rPr lang="de-DE" b="0" i="1" smtClean="0">
                         <a:latin typeface="Cambria Math" panose="02040503050406030204" pitchFamily="18" charset="0"/>
                       </a:rPr>
-                      <m:t>3 </m:t>
+                      <m:t>3</m:t>
+                    </m:r>
+                    <m:r>
+                      <a:rPr lang="de-DE" b="0" i="1" smtClean="0">
+                        <a:latin typeface="Cambria Math" panose="02040503050406030204" pitchFamily="18" charset="0"/>
+                      </a:rPr>
+                      <m:t> </m:t>
                     </m:r>
                     <m:r>
                       <a:rPr lang="de-DE" b="0" i="1" smtClean="0">
@@ -8673,7 +8692,19 @@
                       <a:rPr lang="en-US" i="1" dirty="0" smtClean="0">
                         <a:latin typeface="Cambria Math" panose="02040503050406030204" pitchFamily="18" charset="0"/>
                       </a:rPr>
-                      <m:t>=0)</m:t>
+                      <m:t>=</m:t>
+                    </m:r>
+                    <m:r>
+                      <a:rPr lang="en-US" i="1" dirty="0" smtClean="0">
+                        <a:latin typeface="Cambria Math" panose="02040503050406030204" pitchFamily="18" charset="0"/>
+                      </a:rPr>
+                      <m:t>0</m:t>
+                    </m:r>
+                    <m:r>
+                      <a:rPr lang="en-US" i="1" dirty="0" smtClean="0">
+                        <a:latin typeface="Cambria Math" panose="02040503050406030204" pitchFamily="18" charset="0"/>
+                      </a:rPr>
+                      <m:t>)</m:t>
                     </m:r>
                   </m:oMath>
                 </a14:m>
@@ -9356,7 +9387,7 @@
                                 <a:latin typeface="Cambria Math" panose="02040503050406030204" pitchFamily="18" charset="0"/>
                                 <a:ea typeface="Cambria Math" panose="02040503050406030204" pitchFamily="18" charset="0"/>
                               </a:rPr>
-                              <m:t>   ,  </m:t>
+                              <m:t>  ,  </m:t>
                             </m:r>
                             <m:r>
                               <a:rPr lang="de-DE" b="0" i="1" smtClean="0">
@@ -9371,20 +9402,6 @@
                                 <a:ea typeface="Cambria Math" panose="02040503050406030204" pitchFamily="18" charset="0"/>
                               </a:rPr>
                               <m:t>  </m:t>
-                            </m:r>
-                            <m:r>
-                              <a:rPr lang="de-DE" b="0" i="1" smtClean="0">
-                                <a:latin typeface="Cambria Math" panose="02040503050406030204" pitchFamily="18" charset="0"/>
-                                <a:ea typeface="Cambria Math" panose="02040503050406030204" pitchFamily="18" charset="0"/>
-                              </a:rPr>
-                              <m:t>𝑣</m:t>
-                            </m:r>
-                            <m:r>
-                              <a:rPr lang="de-DE" b="0" i="1" smtClean="0">
-                                <a:latin typeface="Cambria Math" panose="02040503050406030204" pitchFamily="18" charset="0"/>
-                                <a:ea typeface="Cambria Math" panose="02040503050406030204" pitchFamily="18" charset="0"/>
-                              </a:rPr>
-                              <m:t>|</m:t>
                             </m:r>
                             <m:sSub>
                               <m:sSubPr>
@@ -9411,8 +9428,27 @@
                                 </m:r>
                               </m:sub>
                             </m:sSub>
+                            <m:r>
+                              <a:rPr lang="de-DE" b="0" i="1" smtClean="0">
+                                <a:latin typeface="Cambria Math" panose="02040503050406030204" pitchFamily="18" charset="0"/>
+                              </a:rPr>
+                              <m:t>|</m:t>
+                            </m:r>
+                            <m:r>
+                              <a:rPr lang="de-DE" b="0" i="1" smtClean="0">
+                                <a:latin typeface="Cambria Math" panose="02040503050406030204" pitchFamily="18" charset="0"/>
+                              </a:rPr>
+                              <m:t>𝑣</m:t>
+                            </m:r>
                           </m:e>
                           <m:e>
+                            <m:r>
+                              <a:rPr lang="de-DE" b="0" i="1" smtClean="0">
+                                <a:latin typeface="Cambria Math" panose="02040503050406030204" pitchFamily="18" charset="0"/>
+                                <a:ea typeface="Cambria Math" panose="02040503050406030204" pitchFamily="18" charset="0"/>
+                              </a:rPr>
+                              <m:t> </m:t>
+                            </m:r>
                             <m:r>
                               <a:rPr lang="de-DE" b="0" i="1" smtClean="0">
                                 <a:latin typeface="Cambria Math" panose="02040503050406030204" pitchFamily="18" charset="0"/>
@@ -9425,7 +9461,7 @@
                                 <a:latin typeface="Cambria Math" panose="02040503050406030204" pitchFamily="18" charset="0"/>
                                 <a:ea typeface="Cambria Math" panose="02040503050406030204" pitchFamily="18" charset="0"/>
                               </a:rPr>
-                              <m:t>     ,  </m:t>
+                              <m:t>   ,  </m:t>
                             </m:r>
                             <m:r>
                               <a:rPr lang="de-DE" b="0" i="1" smtClean="0">
@@ -9439,7 +9475,7 @@
                                 <a:latin typeface="Cambria Math" panose="02040503050406030204" pitchFamily="18" charset="0"/>
                                 <a:ea typeface="Cambria Math" panose="02040503050406030204" pitchFamily="18" charset="0"/>
                               </a:rPr>
-                              <m:t>         </m:t>
+                              <m:t>           </m:t>
                             </m:r>
                           </m:e>
                         </m:eqArr>
@@ -15317,7 +15353,14 @@
                             <a:latin typeface="Cambria Math" panose="02040503050406030204" pitchFamily="18" charset="0"/>
                             <a:ea typeface="Cambria Math" panose="02040503050406030204" pitchFamily="18" charset="0"/>
                           </a:rPr>
-                          <m:t>𝑤𝑖𝑡h</m:t>
+                          <m:t>𝑤𝑖𝑡</m:t>
+                        </m:r>
+                        <m:r>
+                          <a:rPr lang="de-DE" b="0" i="1" smtClean="0">
+                            <a:latin typeface="Cambria Math" panose="02040503050406030204" pitchFamily="18" charset="0"/>
+                            <a:ea typeface="Cambria Math" panose="02040503050406030204" pitchFamily="18" charset="0"/>
+                          </a:rPr>
+                          <m:t>h</m:t>
                         </m:r>
                         <m:r>
                           <a:rPr lang="de-DE" b="0" i="1" smtClean="0">
@@ -15385,7 +15428,21 @@
                           <a:latin typeface="Cambria Math" panose="02040503050406030204" pitchFamily="18" charset="0"/>
                           <a:ea typeface="Cambria Math" panose="02040503050406030204" pitchFamily="18" charset="0"/>
                         </a:rPr>
-                        <m:t>𝑊𝑒𝑖𝑔h𝑡</m:t>
+                        <m:t>𝑊𝑒𝑖𝑔</m:t>
+                      </m:r>
+                      <m:r>
+                        <a:rPr lang="de-DE" i="1">
+                          <a:latin typeface="Cambria Math" panose="02040503050406030204" pitchFamily="18" charset="0"/>
+                          <a:ea typeface="Cambria Math" panose="02040503050406030204" pitchFamily="18" charset="0"/>
+                        </a:rPr>
+                        <m:t>h</m:t>
+                      </m:r>
+                      <m:r>
+                        <a:rPr lang="de-DE" i="1">
+                          <a:latin typeface="Cambria Math" panose="02040503050406030204" pitchFamily="18" charset="0"/>
+                          <a:ea typeface="Cambria Math" panose="02040503050406030204" pitchFamily="18" charset="0"/>
+                        </a:rPr>
+                        <m:t>𝑡</m:t>
                       </m:r>
                       <m:r>
                         <a:rPr lang="de-DE" i="1">
@@ -20795,7 +20852,13 @@
                         <a:rPr lang="de-DE" b="0" i="1" smtClean="0">
                           <a:latin typeface="Cambria Math" panose="02040503050406030204" pitchFamily="18" charset="0"/>
                         </a:rPr>
-                        <m:t>=0</m:t>
+                        <m:t>=</m:t>
+                      </m:r>
+                      <m:r>
+                        <a:rPr lang="de-DE" b="0" i="1" smtClean="0">
+                          <a:latin typeface="Cambria Math" panose="02040503050406030204" pitchFamily="18" charset="0"/>
+                        </a:rPr>
+                        <m:t>0</m:t>
                       </m:r>
                     </m:oMath>
                   </m:oMathPara>
@@ -20865,7 +20928,14 @@
                           <a:latin typeface="Cambria Math" panose="02040503050406030204" pitchFamily="18" charset="0"/>
                           <a:ea typeface="Cambria Math" panose="02040503050406030204" pitchFamily="18" charset="0"/>
                         </a:rPr>
-                        <m:t>=1</m:t>
+                        <m:t>=</m:t>
+                      </m:r>
+                      <m:r>
+                        <a:rPr lang="de-DE" b="0" i="1" smtClean="0">
+                          <a:latin typeface="Cambria Math" panose="02040503050406030204" pitchFamily="18" charset="0"/>
+                          <a:ea typeface="Cambria Math" panose="02040503050406030204" pitchFamily="18" charset="0"/>
+                        </a:rPr>
+                        <m:t>1</m:t>
                       </m:r>
                     </m:oMath>
                   </m:oMathPara>
@@ -20933,7 +21003,14 @@
                           <a:latin typeface="Cambria Math" panose="02040503050406030204" pitchFamily="18" charset="0"/>
                           <a:ea typeface="Cambria Math" panose="02040503050406030204" pitchFamily="18" charset="0"/>
                         </a:rPr>
-                        <m:t>&gt;1</m:t>
+                        <m:t>&gt;</m:t>
+                      </m:r>
+                      <m:r>
+                        <a:rPr lang="de-DE" b="0" i="1" smtClean="0">
+                          <a:latin typeface="Cambria Math" panose="02040503050406030204" pitchFamily="18" charset="0"/>
+                          <a:ea typeface="Cambria Math" panose="02040503050406030204" pitchFamily="18" charset="0"/>
+                        </a:rPr>
+                        <m:t>1</m:t>
                       </m:r>
                     </m:oMath>
                   </m:oMathPara>
@@ -20986,7 +21063,14 @@
                               <a:latin typeface="Cambria Math" panose="02040503050406030204" pitchFamily="18" charset="0"/>
                               <a:ea typeface="Cambria Math" panose="02040503050406030204" pitchFamily="18" charset="0"/>
                             </a:rPr>
-                            <m:t> 2</m:t>
+                            <m:t> </m:t>
+                          </m:r>
+                          <m:r>
+                            <a:rPr lang="de-DE" b="0" i="1" smtClean="0">
+                              <a:latin typeface="Cambria Math" panose="02040503050406030204" pitchFamily="18" charset="0"/>
+                              <a:ea typeface="Cambria Math" panose="02040503050406030204" pitchFamily="18" charset="0"/>
+                            </a:rPr>
+                            <m:t>2</m:t>
                           </m:r>
                         </m:e>
                         <m:sup>
@@ -21004,7 +21088,21 @@
                           <a:latin typeface="Cambria Math" panose="02040503050406030204" pitchFamily="18" charset="0"/>
                           <a:ea typeface="Cambria Math" panose="02040503050406030204" pitchFamily="18" charset="0"/>
                         </a:rPr>
-                        <m:t>−1 </m:t>
+                        <m:t>−</m:t>
+                      </m:r>
+                      <m:r>
+                        <a:rPr lang="de-DE" b="0" i="1" smtClean="0">
+                          <a:latin typeface="Cambria Math" panose="02040503050406030204" pitchFamily="18" charset="0"/>
+                          <a:ea typeface="Cambria Math" panose="02040503050406030204" pitchFamily="18" charset="0"/>
+                        </a:rPr>
+                        <m:t>1</m:t>
+                      </m:r>
+                      <m:r>
+                        <a:rPr lang="de-DE" b="0" i="1" smtClean="0">
+                          <a:latin typeface="Cambria Math" panose="02040503050406030204" pitchFamily="18" charset="0"/>
+                          <a:ea typeface="Cambria Math" panose="02040503050406030204" pitchFamily="18" charset="0"/>
+                        </a:rPr>
+                        <m:t> </m:t>
                       </m:r>
                       <m:r>
                         <a:rPr lang="de-DE" b="0" i="1" smtClean="0">
@@ -24081,7 +24179,14 @@
                               <a:latin typeface="Cambria Math" panose="02040503050406030204" pitchFamily="18" charset="0"/>
                               <a:ea typeface="Cambria Math" panose="02040503050406030204" pitchFamily="18" charset="0"/>
                             </a:rPr>
-                            <m:t>′,</m:t>
+                            <m:t>′</m:t>
+                          </m:r>
+                          <m:r>
+                            <a:rPr lang="de-DE" sz="1800" b="0" i="1" smtClean="0">
+                              <a:latin typeface="Cambria Math" panose="02040503050406030204" pitchFamily="18" charset="0"/>
+                              <a:ea typeface="Cambria Math" panose="02040503050406030204" pitchFamily="18" charset="0"/>
+                            </a:rPr>
+                            <m:t>,</m:t>
                           </m:r>
                           <m:r>
                             <a:rPr lang="de-DE" sz="1800" b="0" i="1" smtClean="0">
@@ -24341,7 +24446,13 @@
                         <a:rPr lang="de-DE" sz="1800" b="0" i="1" smtClean="0">
                           <a:latin typeface="Cambria Math" panose="02040503050406030204" pitchFamily="18" charset="0"/>
                         </a:rPr>
-                        <m:t>𝑒𝑎𝑐h</m:t>
+                        <m:t>𝑒𝑎𝑐</m:t>
+                      </m:r>
+                      <m:r>
+                        <a:rPr lang="de-DE" sz="1800" b="0" i="1" smtClean="0">
+                          <a:latin typeface="Cambria Math" panose="02040503050406030204" pitchFamily="18" charset="0"/>
+                        </a:rPr>
+                        <m:t>h</m:t>
                       </m:r>
                       <m:r>
                         <a:rPr lang="de-DE" sz="1800" b="0" i="1" smtClean="0">
@@ -28007,14 +28118,7 @@
                               <a:latin typeface="Cambria Math" panose="02040503050406030204" pitchFamily="18" charset="0"/>
                               <a:ea typeface="Cambria Math" panose="02040503050406030204" pitchFamily="18" charset="0"/>
                             </a:rPr>
-                            <m:t>′</m:t>
-                          </m:r>
-                          <m:r>
-                            <a:rPr lang="de-DE" sz="1800" b="0" i="1" smtClean="0">
-                              <a:latin typeface="Cambria Math" panose="02040503050406030204" pitchFamily="18" charset="0"/>
-                              <a:ea typeface="Cambria Math" panose="02040503050406030204" pitchFamily="18" charset="0"/>
-                            </a:rPr>
-                            <m:t>,</m:t>
+                            <m:t>′,</m:t>
                           </m:r>
                           <m:r>
                             <a:rPr lang="de-DE" sz="1800" b="0" i="1" smtClean="0">
@@ -28274,13 +28378,7 @@
                         <a:rPr lang="de-DE" sz="1800" b="0" i="1" smtClean="0">
                           <a:latin typeface="Cambria Math" panose="02040503050406030204" pitchFamily="18" charset="0"/>
                         </a:rPr>
-                        <m:t>𝑒𝑎𝑐</m:t>
-                      </m:r>
-                      <m:r>
-                        <a:rPr lang="de-DE" sz="1800" b="0" i="1" smtClean="0">
-                          <a:latin typeface="Cambria Math" panose="02040503050406030204" pitchFamily="18" charset="0"/>
-                        </a:rPr>
-                        <m:t>h</m:t>
+                        <m:t>𝑒𝑎𝑐h</m:t>
                       </m:r>
                       <m:r>
                         <a:rPr lang="de-DE" sz="1800" b="0" i="1" smtClean="0">

--- a/Presentation/Fachprojekt_Presentation1_Final.pptx
+++ b/Presentation/Fachprojekt_Presentation1_Final.pptx
@@ -5317,14 +5317,7 @@
                               <a:latin typeface="Cambria Math" panose="02040503050406030204" pitchFamily="18" charset="0"/>
                               <a:ea typeface="Cambria Math" panose="02040503050406030204" pitchFamily="18" charset="0"/>
                             </a:rPr>
-                            <m:t>′</m:t>
-                          </m:r>
-                          <m:r>
-                            <a:rPr lang="de-DE" sz="1800" b="0" i="1" smtClean="0">
-                              <a:latin typeface="Cambria Math" panose="02040503050406030204" pitchFamily="18" charset="0"/>
-                              <a:ea typeface="Cambria Math" panose="02040503050406030204" pitchFamily="18" charset="0"/>
-                            </a:rPr>
-                            <m:t>,</m:t>
+                            <m:t>′,</m:t>
                           </m:r>
                           <m:r>
                             <a:rPr lang="de-DE" sz="1800" b="0" i="1" smtClean="0">
@@ -5718,13 +5711,7 @@
                         <a:rPr lang="de-DE" sz="1800" i="1">
                           <a:latin typeface="Cambria Math" panose="02040503050406030204" pitchFamily="18" charset="0"/>
                         </a:rPr>
-                        <m:t>𝑒𝑎𝑐</m:t>
-                      </m:r>
-                      <m:r>
-                        <a:rPr lang="de-DE" sz="1800" i="1">
-                          <a:latin typeface="Cambria Math" panose="02040503050406030204" pitchFamily="18" charset="0"/>
-                        </a:rPr>
-                        <m:t>h</m:t>
+                        <m:t>𝑒𝑎𝑐h</m:t>
                       </m:r>
                       <m:r>
                         <a:rPr lang="de-DE" sz="1800" i="1">
@@ -6981,7 +6968,7 @@
         <p:spPr>
           <a:xfrm>
             <a:off x="5855122" y="2153323"/>
-            <a:ext cx="5768395" cy="1061829"/>
+            <a:ext cx="5768395" cy="1107996"/>
           </a:xfrm>
           <a:prstGeom prst="rect">
             <a:avLst/>
@@ -7005,9 +6992,18 @@
               <a:defRPr sz="2100"/>
             </a:pPr>
             <a:r>
+              <a:rPr sz="2400" dirty="0"/>
+              <a:t>Synthetic</a:t>
+            </a:r>
+            <a:r>
               <a:rPr dirty="0"/>
-              <a:t>Synthetic Demands : </a:t>
-            </a:r>
+              <a:t> </a:t>
+            </a:r>
+            <a:r>
+              <a:rPr sz="2400" dirty="0"/>
+              <a:t>Demands : </a:t>
+            </a:r>
+            <a:endParaRPr dirty="0"/>
           </a:p>
           <a:p>
             <a:pPr>
@@ -7024,31 +7020,31 @@
               <a:t>        </a:t>
             </a:r>
             <a:r>
-              <a:rPr dirty="0"/>
+              <a:rPr sz="2000" dirty="0"/>
               <a:t>Limitation seems </a:t>
             </a:r>
             <a:r>
-              <a:rPr lang="de-DE" dirty="0" err="1"/>
+              <a:rPr lang="de-DE" sz="2000" dirty="0" err="1"/>
               <a:t>to</a:t>
             </a:r>
             <a:r>
-              <a:rPr lang="de-DE" dirty="0"/>
+              <a:rPr lang="de-DE" sz="2000" dirty="0"/>
               <a:t> </a:t>
             </a:r>
             <a:r>
-              <a:rPr dirty="0"/>
+              <a:rPr sz="2000" dirty="0"/>
               <a:t>not </a:t>
             </a:r>
             <a:r>
-              <a:rPr lang="de-DE" dirty="0" err="1"/>
+              <a:rPr lang="de-DE" sz="2000" dirty="0" err="1"/>
               <a:t>affect</a:t>
             </a:r>
             <a:r>
-              <a:rPr lang="de-DE" dirty="0"/>
+              <a:rPr lang="de-DE" sz="2000" dirty="0"/>
               <a:t> </a:t>
             </a:r>
             <a:r>
-              <a:rPr dirty="0"/>
+              <a:rPr sz="2000" dirty="0"/>
               <a:t>MLU</a:t>
             </a:r>
           </a:p>
@@ -7068,7 +7064,7 @@
         </p:nvSpPr>
         <p:spPr>
           <a:xfrm>
-            <a:off x="5923184" y="2890981"/>
+            <a:off x="5923184" y="2927926"/>
             <a:ext cx="345631" cy="230909"/>
           </a:xfrm>
           <a:prstGeom prst="rightArrow">
@@ -7297,8 +7293,8 @@
         </p:nvSpPr>
         <p:spPr>
           <a:xfrm>
-            <a:off x="5855122" y="2153323"/>
-            <a:ext cx="6185099" cy="1061829"/>
+            <a:off x="5781231" y="1690688"/>
+            <a:ext cx="6185099" cy="1461939"/>
           </a:xfrm>
           <a:prstGeom prst="rect">
             <a:avLst/>
@@ -7322,39 +7318,20 @@
               <a:defRPr sz="2100"/>
             </a:pPr>
             <a:r>
-              <a:rPr lang="de-DE" dirty="0"/>
+              <a:rPr lang="de-DE" sz="2400" dirty="0"/>
               <a:t>Real</a:t>
             </a:r>
             <a:r>
-              <a:rPr dirty="0"/>
+              <a:rPr sz="2400" dirty="0"/>
               <a:t> Demands : </a:t>
             </a:r>
+            <a:endParaRPr lang="de-DE" sz="2400" dirty="0"/>
           </a:p>
           <a:p>
             <a:pPr>
               <a:defRPr sz="2100"/>
             </a:pPr>
-            <a:r>
-              <a:rPr lang="de-DE" dirty="0"/>
-              <a:t>       </a:t>
-            </a:r>
-            <a:r>
-              <a:rPr dirty="0"/>
-              <a:t> MLU improves with </a:t>
-            </a:r>
-            <a:r>
-              <a:rPr lang="de-DE" dirty="0" err="1"/>
-              <a:t>each</a:t>
-            </a:r>
-            <a:r>
-              <a:rPr lang="de-DE" dirty="0"/>
-              <a:t> </a:t>
-            </a:r>
-            <a:r>
-              <a:rPr lang="de-DE" dirty="0" err="1"/>
-              <a:t>waypoint</a:t>
-            </a:r>
-            <a:endParaRPr dirty="0"/>
+            <a:endParaRPr sz="2400" dirty="0"/>
           </a:p>
           <a:p>
             <a:pPr>
@@ -7362,17 +7339,47 @@
             </a:pPr>
             <a:r>
               <a:rPr lang="de-DE" dirty="0"/>
-              <a:t>        </a:t>
-            </a:r>
-            <a:r>
-              <a:rPr dirty="0" err="1"/>
+              <a:t>       </a:t>
+            </a:r>
+            <a:r>
+              <a:rPr dirty="0"/>
+              <a:t> </a:t>
+            </a:r>
+            <a:r>
+              <a:rPr sz="2000" dirty="0"/>
+              <a:t>MLU improves with </a:t>
+            </a:r>
+            <a:r>
+              <a:rPr lang="de-DE" sz="2000" dirty="0" err="1"/>
+              <a:t>each</a:t>
+            </a:r>
+            <a:r>
+              <a:rPr lang="de-DE" sz="2000" dirty="0"/>
+              <a:t> </a:t>
+            </a:r>
+            <a:r>
+              <a:rPr lang="de-DE" sz="2000" dirty="0" err="1"/>
+              <a:t>waypoint</a:t>
+            </a:r>
+            <a:endParaRPr sz="2000" dirty="0"/>
+          </a:p>
+          <a:p>
+            <a:pPr>
+              <a:defRPr sz="2100"/>
+            </a:pPr>
+            <a:r>
+              <a:rPr lang="de-DE" sz="2000" dirty="0"/>
+              <a:t>         </a:t>
+            </a:r>
+            <a:r>
+              <a:rPr sz="2000" dirty="0" err="1"/>
               <a:t>JointHeur</a:t>
             </a:r>
             <a:r>
-              <a:rPr lang="en-US" dirty="0"/>
+              <a:rPr lang="en-US" sz="2000" dirty="0"/>
               <a:t> shows measurable reaction to limit</a:t>
             </a:r>
-            <a:endParaRPr dirty="0"/>
+            <a:endParaRPr sz="2000" dirty="0"/>
           </a:p>
         </p:txBody>
       </p:sp>
@@ -7417,7 +7424,7 @@
         </p:nvSpPr>
         <p:spPr>
           <a:xfrm>
-            <a:off x="5923183" y="2884709"/>
+            <a:off x="5849292" y="2823292"/>
             <a:ext cx="345631" cy="230909"/>
           </a:xfrm>
           <a:prstGeom prst="rightArrow">
@@ -7468,7 +7475,7 @@
         </p:nvSpPr>
         <p:spPr>
           <a:xfrm>
-            <a:off x="5923184" y="2587201"/>
+            <a:off x="5849291" y="2493957"/>
             <a:ext cx="345631" cy="230909"/>
           </a:xfrm>
           <a:prstGeom prst="rightArrow">
@@ -7932,8 +7939,8 @@
           </a:ln>
         </p:spPr>
       </p:pic>
-      <mc:AlternateContent xmlns:mc="http://schemas.openxmlformats.org/markup-compatibility/2006" xmlns:a14="http://schemas.microsoft.com/office/drawing/2010/main">
-        <mc:Choice Requires="a14">
+      <mc:AlternateContent xmlns:mc="http://schemas.openxmlformats.org/markup-compatibility/2006">
+        <mc:Choice xmlns:a14="http://schemas.microsoft.com/office/drawing/2010/main" Requires="a14">
           <p:sp>
             <p:nvSpPr>
               <p:cNvPr id="339" name="All Topologies:…"/>
@@ -7943,7 +7950,7 @@
             <p:spPr>
               <a:xfrm>
                 <a:off x="7902389" y="1963518"/>
-                <a:ext cx="4146736" cy="738664"/>
+                <a:ext cx="4146736" cy="1061829"/>
               </a:xfrm>
               <a:prstGeom prst="rect">
                 <a:avLst/>
@@ -7966,38 +7973,6 @@
                 <a:pPr>
                   <a:defRPr sz="2100"/>
                 </a:pPr>
-                <a:r>
-                  <a:rPr lang="en-US" dirty="0"/>
-                  <a:t>most Topologies create </a:t>
-                </a:r>
-                <a14:m>
-                  <m:oMath xmlns:m="http://schemas.openxmlformats.org/officeDocument/2006/math">
-                    <m:r>
-                      <a:rPr lang="en-US" b="0" i="1" smtClean="0">
-                        <a:latin typeface="Cambria Math" panose="02040503050406030204" pitchFamily="18" charset="0"/>
-                      </a:rPr>
-                      <m:t>≤</m:t>
-                    </m:r>
-                    <m:r>
-                      <a:rPr lang="de-DE" b="0" i="1" smtClean="0">
-                        <a:latin typeface="Cambria Math" panose="02040503050406030204" pitchFamily="18" charset="0"/>
-                      </a:rPr>
-                      <m:t>3</m:t>
-                    </m:r>
-                    <m:r>
-                      <a:rPr lang="de-DE" b="0" i="1" smtClean="0">
-                        <a:latin typeface="Cambria Math" panose="02040503050406030204" pitchFamily="18" charset="0"/>
-                      </a:rPr>
-                      <m:t> </m:t>
-                    </m:r>
-                    <m:r>
-                      <a:rPr lang="de-DE" b="0" i="1" smtClean="0">
-                        <a:latin typeface="Cambria Math" panose="02040503050406030204" pitchFamily="18" charset="0"/>
-                      </a:rPr>
-                      <m:t>𝑊𝑃</m:t>
-                    </m:r>
-                  </m:oMath>
-                </a14:m>
                 <a:endParaRPr lang="en-US" dirty="0"/>
               </a:p>
               <a:p>
@@ -8005,15 +7980,51 @@
                   <a:defRPr sz="2100"/>
                 </a:pPr>
                 <a:r>
+                  <a:rPr lang="en-US" sz="2000" dirty="0"/>
+                  <a:t>most Topologies create </a:t>
+                </a:r>
+                <a14:m>
+                  <m:oMath xmlns:m="http://schemas.openxmlformats.org/officeDocument/2006/math">
+                    <m:r>
+                      <a:rPr lang="en-US" sz="2000" b="0" i="1" smtClean="0">
+                        <a:latin typeface="Cambria Math" panose="02040503050406030204" pitchFamily="18" charset="0"/>
+                      </a:rPr>
+                      <m:t>≤</m:t>
+                    </m:r>
+                    <m:r>
+                      <a:rPr lang="de-DE" sz="2000" b="0" i="1" smtClean="0">
+                        <a:latin typeface="Cambria Math" panose="02040503050406030204" pitchFamily="18" charset="0"/>
+                      </a:rPr>
+                      <m:t>3 </m:t>
+                    </m:r>
+                    <m:r>
+                      <a:rPr lang="de-DE" sz="2000" b="0" i="1" smtClean="0">
+                        <a:latin typeface="Cambria Math" panose="02040503050406030204" pitchFamily="18" charset="0"/>
+                      </a:rPr>
+                      <m:t>𝑊𝑃</m:t>
+                    </m:r>
+                  </m:oMath>
+                </a14:m>
+                <a:endParaRPr lang="en-US" sz="2000" dirty="0"/>
+              </a:p>
+              <a:p>
+                <a:pPr>
+                  <a:defRPr sz="2100"/>
+                </a:pPr>
+                <a:r>
+                  <a:rPr lang="en-US" sz="2000" dirty="0"/>
+                  <a:t>others are clearly missing useful WPs</a:t>
+                </a:r>
+                <a:r>
                   <a:rPr lang="en-US" dirty="0"/>
-                  <a:t>others are clearly missing useful WPs </a:t>
+                  <a:t> </a:t>
                 </a:r>
                 <a:endParaRPr dirty="0"/>
               </a:p>
             </p:txBody>
           </p:sp>
         </mc:Choice>
-        <mc:Fallback xmlns="">
+        <mc:Fallback>
           <p:sp>
             <p:nvSpPr>
               <p:cNvPr id="339" name="All Topologies:…"/>
@@ -8025,7 +8036,7 @@
             <p:spPr>
               <a:xfrm>
                 <a:off x="7902389" y="1963518"/>
-                <a:ext cx="4146736" cy="738664"/>
+                <a:ext cx="4146736" cy="1061829"/>
               </a:xfrm>
               <a:prstGeom prst="rect">
                 <a:avLst/>
@@ -8033,7 +8044,7 @@
               <a:blipFill>
                 <a:blip r:embed="rId5"/>
                 <a:stretch>
-                  <a:fillRect l="-2790" t="-4959" r="-3084" b="-15702"/>
+                  <a:fillRect l="-2643" b="-7471"/>
                 </a:stretch>
               </a:blipFill>
               <a:ln w="12700">
@@ -8041,7 +8052,7 @@
               </a:ln>
               <a:extLst>
                 <a:ext uri="{C572A759-6A51-4108-AA02-DFA0A04FC94B}">
-                  <ma14:wrappingTextBoxFlag xmlns:ma14="http://schemas.microsoft.com/office/mac/drawingml/2011/main" xmlns:a14="http://schemas.microsoft.com/office/drawing/2010/main" xmlns:m="http://schemas.openxmlformats.org/officeDocument/2006/math" xmlns="" val="1"/>
+                  <ma14:wrappingTextBoxFlag xmlns="" xmlns:m="http://schemas.openxmlformats.org/officeDocument/2006/math" xmlns:ma14="http://schemas.microsoft.com/office/mac/drawingml/2011/main" xmlns:a14="http://schemas.microsoft.com/office/drawing/2010/main" val="1"/>
                 </a:ext>
               </a:extLst>
             </p:spPr>
@@ -8074,7 +8085,7 @@
         </p:nvSpPr>
         <p:spPr>
           <a:xfrm>
-            <a:off x="7556759" y="2070624"/>
+            <a:off x="7556757" y="2378977"/>
             <a:ext cx="348265" cy="230909"/>
           </a:xfrm>
           <a:prstGeom prst="rightArrow">
@@ -8125,7 +8136,7 @@
         </p:nvSpPr>
         <p:spPr>
           <a:xfrm>
-            <a:off x="7556758" y="2408639"/>
+            <a:off x="7556758" y="2734969"/>
             <a:ext cx="348265" cy="230909"/>
           </a:xfrm>
           <a:prstGeom prst="rightArrow">
@@ -8177,7 +8188,7 @@
         <p:spPr>
           <a:xfrm>
             <a:off x="7409323" y="1640315"/>
-            <a:ext cx="3502094" cy="415498"/>
+            <a:ext cx="3502094" cy="461665"/>
           </a:xfrm>
           <a:prstGeom prst="rect">
             <a:avLst/>
@@ -8191,8 +8202,8 @@
           <a:lstStyle/>
           <a:p>
             <a:r>
-              <a:rPr lang="en-US" sz="2100" dirty="0"/>
-              <a:t>Test over multiple Topologies:</a:t>
+              <a:rPr lang="en-US" sz="2400" dirty="0"/>
+              <a:t>Interpretation:</a:t>
             </a:r>
           </a:p>
         </p:txBody>
@@ -9159,7 +9170,7 @@
                 </a:pPr>
                 <a:r>
                   <a:rPr lang="en-US" dirty="0"/>
-                  <a:t>Solution: Generate K using common rules for all topologies</a:t>
+                  <a:t>Solution: Generate K using common rules for all Topologies</a:t>
                 </a:r>
               </a:p>
               <a:p>
@@ -9380,14 +9391,7 @@
                                 <a:latin typeface="Cambria Math" panose="02040503050406030204" pitchFamily="18" charset="0"/>
                                 <a:ea typeface="Cambria Math" panose="02040503050406030204" pitchFamily="18" charset="0"/>
                               </a:rPr>
-                              <m:t>∞</m:t>
-                            </m:r>
-                            <m:r>
-                              <a:rPr lang="de-DE" b="0" i="1" smtClean="0">
-                                <a:latin typeface="Cambria Math" panose="02040503050406030204" pitchFamily="18" charset="0"/>
-                                <a:ea typeface="Cambria Math" panose="02040503050406030204" pitchFamily="18" charset="0"/>
-                              </a:rPr>
-                              <m:t>  ,  </m:t>
+                              <m:t>∞  ,  </m:t>
                             </m:r>
                             <m:r>
                               <a:rPr lang="de-DE" b="0" i="1" smtClean="0">
@@ -9447,21 +9451,7 @@
                                 <a:latin typeface="Cambria Math" panose="02040503050406030204" pitchFamily="18" charset="0"/>
                                 <a:ea typeface="Cambria Math" panose="02040503050406030204" pitchFamily="18" charset="0"/>
                               </a:rPr>
-                              <m:t> </m:t>
-                            </m:r>
-                            <m:r>
-                              <a:rPr lang="de-DE" b="0" i="1" smtClean="0">
-                                <a:latin typeface="Cambria Math" panose="02040503050406030204" pitchFamily="18" charset="0"/>
-                                <a:ea typeface="Cambria Math" panose="02040503050406030204" pitchFamily="18" charset="0"/>
-                              </a:rPr>
-                              <m:t>0</m:t>
-                            </m:r>
-                            <m:r>
-                              <a:rPr lang="de-DE" b="0" i="1" smtClean="0">
-                                <a:latin typeface="Cambria Math" panose="02040503050406030204" pitchFamily="18" charset="0"/>
-                                <a:ea typeface="Cambria Math" panose="02040503050406030204" pitchFamily="18" charset="0"/>
-                              </a:rPr>
-                              <m:t>   ,  </m:t>
+                              <m:t> 0   ,  </m:t>
                             </m:r>
                             <m:r>
                               <a:rPr lang="de-DE" b="0" i="1" smtClean="0">
@@ -9633,13 +9623,7 @@
                       <a:rPr lang="de-DE" sz="2000" b="0" i="1" smtClean="0">
                         <a:latin typeface="Cambria Math" panose="02040503050406030204" pitchFamily="18" charset="0"/>
                       </a:rPr>
-                      <m:t>=</m:t>
-                    </m:r>
-                    <m:r>
-                      <a:rPr lang="de-DE" sz="2000" b="0" i="1" smtClean="0">
-                        <a:latin typeface="Cambria Math" panose="02040503050406030204" pitchFamily="18" charset="0"/>
-                      </a:rPr>
-                      <m:t>2</m:t>
+                      <m:t>=2</m:t>
                     </m:r>
                   </m:oMath>
                 </a14:m>
@@ -10974,14 +10958,7 @@
                               <a:latin typeface="Cambria Math" panose="02040503050406030204" pitchFamily="18" charset="0"/>
                               <a:ea typeface="Cambria Math" panose="02040503050406030204" pitchFamily="18" charset="0"/>
                             </a:rPr>
-                            <m:t>′</m:t>
-                          </m:r>
-                          <m:r>
-                            <a:rPr lang="de-DE" sz="3600" b="0" i="1" smtClean="0">
-                              <a:latin typeface="Cambria Math" panose="02040503050406030204" pitchFamily="18" charset="0"/>
-                              <a:ea typeface="Cambria Math" panose="02040503050406030204" pitchFamily="18" charset="0"/>
-                            </a:rPr>
-                            <m:t>,</m:t>
+                            <m:t>′,</m:t>
                           </m:r>
                           <m:r>
                             <a:rPr lang="de-DE" sz="3600" b="0" i="1" smtClean="0">
@@ -11441,13 +11418,7 @@
                         <a:rPr lang="de-DE" sz="3600" i="1">
                           <a:latin typeface="Cambria Math" panose="02040503050406030204" pitchFamily="18" charset="0"/>
                         </a:rPr>
-                        <m:t>𝑒𝑎𝑐</m:t>
-                      </m:r>
-                      <m:r>
-                        <a:rPr lang="de-DE" sz="3600" i="1">
-                          <a:latin typeface="Cambria Math" panose="02040503050406030204" pitchFamily="18" charset="0"/>
-                        </a:rPr>
-                        <m:t>h</m:t>
+                        <m:t>𝑒𝑎𝑐h</m:t>
                       </m:r>
                       <m:r>
                         <a:rPr lang="de-DE" sz="3600" i="1">
@@ -12129,6 +12100,57 @@
           </a:prstGeom>
         </p:spPr>
       </p:pic>
+      <p:sp>
+        <p:nvSpPr>
+          <p:cNvPr id="10" name="Rechteck 9">
+            <a:extLst>
+              <a:ext uri="{FF2B5EF4-FFF2-40B4-BE49-F238E27FC236}">
+                <a16:creationId xmlns:a16="http://schemas.microsoft.com/office/drawing/2014/main" id="{4DBBC591-113D-EBBA-E267-C5AD4307EEB2}"/>
+              </a:ext>
+            </a:extLst>
+          </p:cNvPr>
+          <p:cNvSpPr/>
+          <p:nvPr/>
+        </p:nvSpPr>
+        <p:spPr>
+          <a:xfrm>
+            <a:off x="1" y="0"/>
+            <a:ext cx="1500326" cy="365125"/>
+          </a:xfrm>
+          <a:prstGeom prst="rect">
+            <a:avLst/>
+          </a:prstGeom>
+        </p:spPr>
+        <p:style>
+          <a:lnRef idx="1">
+            <a:schemeClr val="accent3"/>
+          </a:lnRef>
+          <a:fillRef idx="2">
+            <a:schemeClr val="accent3"/>
+          </a:fillRef>
+          <a:effectRef idx="1">
+            <a:schemeClr val="accent3"/>
+          </a:effectRef>
+          <a:fontRef idx="minor">
+            <a:schemeClr val="dk1"/>
+          </a:fontRef>
+        </p:style>
+        <p:txBody>
+          <a:bodyPr rtlCol="0" anchor="ctr"/>
+          <a:lstStyle/>
+          <a:p>
+            <a:pPr algn="ctr"/>
+            <a:r>
+              <a:rPr lang="de-DE" dirty="0" err="1"/>
+              <a:t>Algorithm</a:t>
+            </a:r>
+            <a:r>
+              <a:rPr lang="de-DE" dirty="0"/>
+              <a:t> 3</a:t>
+            </a:r>
+          </a:p>
+        </p:txBody>
+      </p:sp>
     </p:spTree>
     <p:extLst>
       <p:ext uri="{BB962C8B-B14F-4D97-AF65-F5344CB8AC3E}">
@@ -12722,6 +12744,57 @@
           </p:sp>
         </mc:Fallback>
       </mc:AlternateContent>
+      <p:sp>
+        <p:nvSpPr>
+          <p:cNvPr id="6" name="Rechteck 5">
+            <a:extLst>
+              <a:ext uri="{FF2B5EF4-FFF2-40B4-BE49-F238E27FC236}">
+                <a16:creationId xmlns:a16="http://schemas.microsoft.com/office/drawing/2014/main" id="{D001055E-AEDD-ABAF-AB18-E03C3534402D}"/>
+              </a:ext>
+            </a:extLst>
+          </p:cNvPr>
+          <p:cNvSpPr/>
+          <p:nvPr/>
+        </p:nvSpPr>
+        <p:spPr>
+          <a:xfrm>
+            <a:off x="1" y="0"/>
+            <a:ext cx="1500326" cy="365125"/>
+          </a:xfrm>
+          <a:prstGeom prst="rect">
+            <a:avLst/>
+          </a:prstGeom>
+        </p:spPr>
+        <p:style>
+          <a:lnRef idx="1">
+            <a:schemeClr val="accent3"/>
+          </a:lnRef>
+          <a:fillRef idx="2">
+            <a:schemeClr val="accent3"/>
+          </a:fillRef>
+          <a:effectRef idx="1">
+            <a:schemeClr val="accent3"/>
+          </a:effectRef>
+          <a:fontRef idx="minor">
+            <a:schemeClr val="dk1"/>
+          </a:fontRef>
+        </p:style>
+        <p:txBody>
+          <a:bodyPr rtlCol="0" anchor="ctr"/>
+          <a:lstStyle/>
+          <a:p>
+            <a:pPr algn="ctr"/>
+            <a:r>
+              <a:rPr lang="de-DE" dirty="0" err="1"/>
+              <a:t>Algorithm</a:t>
+            </a:r>
+            <a:r>
+              <a:rPr lang="de-DE" dirty="0"/>
+              <a:t> 3</a:t>
+            </a:r>
+          </a:p>
+        </p:txBody>
+      </p:sp>
     </p:spTree>
     <p:extLst>
       <p:ext uri="{BB962C8B-B14F-4D97-AF65-F5344CB8AC3E}">
@@ -12836,6 +12909,57 @@
           </a:prstGeom>
         </p:spPr>
       </p:pic>
+      <p:sp>
+        <p:nvSpPr>
+          <p:cNvPr id="8" name="Rechteck 7">
+            <a:extLst>
+              <a:ext uri="{FF2B5EF4-FFF2-40B4-BE49-F238E27FC236}">
+                <a16:creationId xmlns:a16="http://schemas.microsoft.com/office/drawing/2014/main" id="{54EB6F7A-2AB4-2F36-1A3B-81F3DBD5F2CB}"/>
+              </a:ext>
+            </a:extLst>
+          </p:cNvPr>
+          <p:cNvSpPr/>
+          <p:nvPr/>
+        </p:nvSpPr>
+        <p:spPr>
+          <a:xfrm>
+            <a:off x="1" y="0"/>
+            <a:ext cx="1500326" cy="365125"/>
+          </a:xfrm>
+          <a:prstGeom prst="rect">
+            <a:avLst/>
+          </a:prstGeom>
+        </p:spPr>
+        <p:style>
+          <a:lnRef idx="1">
+            <a:schemeClr val="accent3"/>
+          </a:lnRef>
+          <a:fillRef idx="2">
+            <a:schemeClr val="accent3"/>
+          </a:fillRef>
+          <a:effectRef idx="1">
+            <a:schemeClr val="accent3"/>
+          </a:effectRef>
+          <a:fontRef idx="minor">
+            <a:schemeClr val="dk1"/>
+          </a:fontRef>
+        </p:style>
+        <p:txBody>
+          <a:bodyPr rtlCol="0" anchor="ctr"/>
+          <a:lstStyle/>
+          <a:p>
+            <a:pPr algn="ctr"/>
+            <a:r>
+              <a:rPr lang="de-DE" dirty="0" err="1"/>
+              <a:t>Algorithm</a:t>
+            </a:r>
+            <a:r>
+              <a:rPr lang="de-DE" dirty="0"/>
+              <a:t> 3</a:t>
+            </a:r>
+          </a:p>
+        </p:txBody>
+      </p:sp>
     </p:spTree>
     <p:extLst>
       <p:ext uri="{BB962C8B-B14F-4D97-AF65-F5344CB8AC3E}">
@@ -15353,14 +15477,7 @@
                             <a:latin typeface="Cambria Math" panose="02040503050406030204" pitchFamily="18" charset="0"/>
                             <a:ea typeface="Cambria Math" panose="02040503050406030204" pitchFamily="18" charset="0"/>
                           </a:rPr>
-                          <m:t>𝑤𝑖𝑡</m:t>
-                        </m:r>
-                        <m:r>
-                          <a:rPr lang="de-DE" b="0" i="1" smtClean="0">
-                            <a:latin typeface="Cambria Math" panose="02040503050406030204" pitchFamily="18" charset="0"/>
-                            <a:ea typeface="Cambria Math" panose="02040503050406030204" pitchFamily="18" charset="0"/>
-                          </a:rPr>
-                          <m:t>h</m:t>
+                          <m:t>𝑤𝑖𝑡h</m:t>
                         </m:r>
                         <m:r>
                           <a:rPr lang="de-DE" b="0" i="1" smtClean="0">
@@ -15428,21 +15545,7 @@
                           <a:latin typeface="Cambria Math" panose="02040503050406030204" pitchFamily="18" charset="0"/>
                           <a:ea typeface="Cambria Math" panose="02040503050406030204" pitchFamily="18" charset="0"/>
                         </a:rPr>
-                        <m:t>𝑊𝑒𝑖𝑔</m:t>
-                      </m:r>
-                      <m:r>
-                        <a:rPr lang="de-DE" i="1">
-                          <a:latin typeface="Cambria Math" panose="02040503050406030204" pitchFamily="18" charset="0"/>
-                          <a:ea typeface="Cambria Math" panose="02040503050406030204" pitchFamily="18" charset="0"/>
-                        </a:rPr>
-                        <m:t>h</m:t>
-                      </m:r>
-                      <m:r>
-                        <a:rPr lang="de-DE" i="1">
-                          <a:latin typeface="Cambria Math" panose="02040503050406030204" pitchFamily="18" charset="0"/>
-                          <a:ea typeface="Cambria Math" panose="02040503050406030204" pitchFamily="18" charset="0"/>
-                        </a:rPr>
-                        <m:t>𝑡</m:t>
+                        <m:t>𝑊𝑒𝑖𝑔h𝑡</m:t>
                       </m:r>
                       <m:r>
                         <a:rPr lang="de-DE" i="1">
@@ -20852,13 +20955,7 @@
                         <a:rPr lang="de-DE" b="0" i="1" smtClean="0">
                           <a:latin typeface="Cambria Math" panose="02040503050406030204" pitchFamily="18" charset="0"/>
                         </a:rPr>
-                        <m:t>=</m:t>
-                      </m:r>
-                      <m:r>
-                        <a:rPr lang="de-DE" b="0" i="1" smtClean="0">
-                          <a:latin typeface="Cambria Math" panose="02040503050406030204" pitchFamily="18" charset="0"/>
-                        </a:rPr>
-                        <m:t>0</m:t>
+                        <m:t>=0</m:t>
                       </m:r>
                     </m:oMath>
                   </m:oMathPara>
@@ -20928,14 +21025,7 @@
                           <a:latin typeface="Cambria Math" panose="02040503050406030204" pitchFamily="18" charset="0"/>
                           <a:ea typeface="Cambria Math" panose="02040503050406030204" pitchFamily="18" charset="0"/>
                         </a:rPr>
-                        <m:t>=</m:t>
-                      </m:r>
-                      <m:r>
-                        <a:rPr lang="de-DE" b="0" i="1" smtClean="0">
-                          <a:latin typeface="Cambria Math" panose="02040503050406030204" pitchFamily="18" charset="0"/>
-                          <a:ea typeface="Cambria Math" panose="02040503050406030204" pitchFamily="18" charset="0"/>
-                        </a:rPr>
-                        <m:t>1</m:t>
+                        <m:t>=1</m:t>
                       </m:r>
                     </m:oMath>
                   </m:oMathPara>
@@ -21003,14 +21093,7 @@
                           <a:latin typeface="Cambria Math" panose="02040503050406030204" pitchFamily="18" charset="0"/>
                           <a:ea typeface="Cambria Math" panose="02040503050406030204" pitchFamily="18" charset="0"/>
                         </a:rPr>
-                        <m:t>&gt;</m:t>
-                      </m:r>
-                      <m:r>
-                        <a:rPr lang="de-DE" b="0" i="1" smtClean="0">
-                          <a:latin typeface="Cambria Math" panose="02040503050406030204" pitchFamily="18" charset="0"/>
-                          <a:ea typeface="Cambria Math" panose="02040503050406030204" pitchFamily="18" charset="0"/>
-                        </a:rPr>
-                        <m:t>1</m:t>
+                        <m:t>&gt;1</m:t>
                       </m:r>
                     </m:oMath>
                   </m:oMathPara>
@@ -21063,14 +21146,7 @@
                               <a:latin typeface="Cambria Math" panose="02040503050406030204" pitchFamily="18" charset="0"/>
                               <a:ea typeface="Cambria Math" panose="02040503050406030204" pitchFamily="18" charset="0"/>
                             </a:rPr>
-                            <m:t> </m:t>
-                          </m:r>
-                          <m:r>
-                            <a:rPr lang="de-DE" b="0" i="1" smtClean="0">
-                              <a:latin typeface="Cambria Math" panose="02040503050406030204" pitchFamily="18" charset="0"/>
-                              <a:ea typeface="Cambria Math" panose="02040503050406030204" pitchFamily="18" charset="0"/>
-                            </a:rPr>
-                            <m:t>2</m:t>
+                            <m:t> 2</m:t>
                           </m:r>
                         </m:e>
                         <m:sup>
@@ -21088,21 +21164,7 @@
                           <a:latin typeface="Cambria Math" panose="02040503050406030204" pitchFamily="18" charset="0"/>
                           <a:ea typeface="Cambria Math" panose="02040503050406030204" pitchFamily="18" charset="0"/>
                         </a:rPr>
-                        <m:t>−</m:t>
-                      </m:r>
-                      <m:r>
-                        <a:rPr lang="de-DE" b="0" i="1" smtClean="0">
-                          <a:latin typeface="Cambria Math" panose="02040503050406030204" pitchFamily="18" charset="0"/>
-                          <a:ea typeface="Cambria Math" panose="02040503050406030204" pitchFamily="18" charset="0"/>
-                        </a:rPr>
-                        <m:t>1</m:t>
-                      </m:r>
-                      <m:r>
-                        <a:rPr lang="de-DE" b="0" i="1" smtClean="0">
-                          <a:latin typeface="Cambria Math" panose="02040503050406030204" pitchFamily="18" charset="0"/>
-                          <a:ea typeface="Cambria Math" panose="02040503050406030204" pitchFamily="18" charset="0"/>
-                        </a:rPr>
-                        <m:t> </m:t>
+                        <m:t>−1 </m:t>
                       </m:r>
                       <m:r>
                         <a:rPr lang="de-DE" b="0" i="1" smtClean="0">
@@ -22267,7 +22329,14 @@
                               <a:latin typeface="Cambria Math" panose="02040503050406030204" pitchFamily="18" charset="0"/>
                               <a:ea typeface="Cambria Math" panose="02040503050406030204" pitchFamily="18" charset="0"/>
                             </a:rPr>
-                            <m:t>′,</m:t>
+                            <m:t>′</m:t>
+                          </m:r>
+                          <m:r>
+                            <a:rPr lang="de-DE" sz="1800" b="0" i="1" smtClean="0">
+                              <a:latin typeface="Cambria Math" panose="02040503050406030204" pitchFamily="18" charset="0"/>
+                              <a:ea typeface="Cambria Math" panose="02040503050406030204" pitchFamily="18" charset="0"/>
+                            </a:rPr>
+                            <m:t>,</m:t>
                           </m:r>
                           <m:r>
                             <a:rPr lang="de-DE" sz="1800" b="0" i="1" smtClean="0">
@@ -22527,7 +22596,13 @@
                         <a:rPr lang="de-DE" sz="1800" i="1">
                           <a:latin typeface="Cambria Math" panose="02040503050406030204" pitchFamily="18" charset="0"/>
                         </a:rPr>
-                        <m:t>𝑒𝑎𝑐h</m:t>
+                        <m:t>𝑒𝑎𝑐</m:t>
+                      </m:r>
+                      <m:r>
+                        <a:rPr lang="de-DE" sz="1800" i="1">
+                          <a:latin typeface="Cambria Math" panose="02040503050406030204" pitchFamily="18" charset="0"/>
+                        </a:rPr>
+                        <m:t>h</m:t>
                       </m:r>
                       <m:r>
                         <a:rPr lang="de-DE" sz="1800" i="1">
